--- a/_Life_Lose_Weight.pptx
+++ b/_Life_Lose_Weight.pptx
@@ -222,7 +222,7 @@
           <a:p>
             <a:fld id="{88E52045-756B-384E-A6E6-7F3ED1EF79B4}" type="datetimeFigureOut">
               <a:rPr lang="en-US" smtClean="0"/>
-              <a:t>9/19/23</a:t>
+              <a:t>2/25/25</a:t>
             </a:fld>
             <a:endParaRPr lang="en-US"/>
           </a:p>
@@ -618,7 +618,7 @@
           <a:p>
             <a:fld id="{B99DC7AF-117D-0D44-9887-15AB809462D7}" type="datetimeFigureOut">
               <a:rPr lang="en-US" smtClean="0"/>
-              <a:t>9/19/23</a:t>
+              <a:t>2/25/25</a:t>
             </a:fld>
             <a:endParaRPr lang="en-US"/>
           </a:p>
@@ -786,7 +786,7 @@
           <a:p>
             <a:fld id="{B99DC7AF-117D-0D44-9887-15AB809462D7}" type="datetimeFigureOut">
               <a:rPr lang="en-US" smtClean="0"/>
-              <a:t>9/19/23</a:t>
+              <a:t>2/25/25</a:t>
             </a:fld>
             <a:endParaRPr lang="en-US"/>
           </a:p>
@@ -964,7 +964,7 @@
           <a:p>
             <a:fld id="{B99DC7AF-117D-0D44-9887-15AB809462D7}" type="datetimeFigureOut">
               <a:rPr lang="en-US" smtClean="0"/>
-              <a:t>9/19/23</a:t>
+              <a:t>2/25/25</a:t>
             </a:fld>
             <a:endParaRPr lang="en-US"/>
           </a:p>
@@ -1132,7 +1132,7 @@
           <a:p>
             <a:fld id="{B99DC7AF-117D-0D44-9887-15AB809462D7}" type="datetimeFigureOut">
               <a:rPr lang="en-US" smtClean="0"/>
-              <a:t>9/19/23</a:t>
+              <a:t>2/25/25</a:t>
             </a:fld>
             <a:endParaRPr lang="en-US"/>
           </a:p>
@@ -1377,7 +1377,7 @@
           <a:p>
             <a:fld id="{B99DC7AF-117D-0D44-9887-15AB809462D7}" type="datetimeFigureOut">
               <a:rPr lang="en-US" smtClean="0"/>
-              <a:t>9/19/23</a:t>
+              <a:t>2/25/25</a:t>
             </a:fld>
             <a:endParaRPr lang="en-US"/>
           </a:p>
@@ -1606,7 +1606,7 @@
           <a:p>
             <a:fld id="{B99DC7AF-117D-0D44-9887-15AB809462D7}" type="datetimeFigureOut">
               <a:rPr lang="en-US" smtClean="0"/>
-              <a:t>9/19/23</a:t>
+              <a:t>2/25/25</a:t>
             </a:fld>
             <a:endParaRPr lang="en-US"/>
           </a:p>
@@ -1970,7 +1970,7 @@
           <a:p>
             <a:fld id="{B99DC7AF-117D-0D44-9887-15AB809462D7}" type="datetimeFigureOut">
               <a:rPr lang="en-US" smtClean="0"/>
-              <a:t>9/19/23</a:t>
+              <a:t>2/25/25</a:t>
             </a:fld>
             <a:endParaRPr lang="en-US"/>
           </a:p>
@@ -2087,7 +2087,7 @@
           <a:p>
             <a:fld id="{B99DC7AF-117D-0D44-9887-15AB809462D7}" type="datetimeFigureOut">
               <a:rPr lang="en-US" smtClean="0"/>
-              <a:t>9/19/23</a:t>
+              <a:t>2/25/25</a:t>
             </a:fld>
             <a:endParaRPr lang="en-US"/>
           </a:p>
@@ -2182,7 +2182,7 @@
           <a:p>
             <a:fld id="{B99DC7AF-117D-0D44-9887-15AB809462D7}" type="datetimeFigureOut">
               <a:rPr lang="en-US" smtClean="0"/>
-              <a:t>9/19/23</a:t>
+              <a:t>2/25/25</a:t>
             </a:fld>
             <a:endParaRPr lang="en-US"/>
           </a:p>
@@ -2457,7 +2457,7 @@
           <a:p>
             <a:fld id="{B99DC7AF-117D-0D44-9887-15AB809462D7}" type="datetimeFigureOut">
               <a:rPr lang="en-US" smtClean="0"/>
-              <a:t>9/19/23</a:t>
+              <a:t>2/25/25</a:t>
             </a:fld>
             <a:endParaRPr lang="en-US"/>
           </a:p>
@@ -2709,7 +2709,7 @@
           <a:p>
             <a:fld id="{B99DC7AF-117D-0D44-9887-15AB809462D7}" type="datetimeFigureOut">
               <a:rPr lang="en-US" smtClean="0"/>
-              <a:t>9/19/23</a:t>
+              <a:t>2/25/25</a:t>
             </a:fld>
             <a:endParaRPr lang="en-US"/>
           </a:p>
@@ -2920,7 +2920,7 @@
           <a:p>
             <a:fld id="{B99DC7AF-117D-0D44-9887-15AB809462D7}" type="datetimeFigureOut">
               <a:rPr lang="en-US" smtClean="0"/>
-              <a:t>9/19/23</a:t>
+              <a:t>2/25/25</a:t>
             </a:fld>
             <a:endParaRPr lang="en-US"/>
           </a:p>
@@ -11434,7 +11434,7 @@
           <a:p>
             <a:r>
               <a:rPr lang="en-US" sz="1400" dirty="0"/>
-              <a:t>Note - if you don't sleep enough, or under stress, or eat very unhealthy, these numbers will not work.</a:t>
+              <a:t>Note - if you don't sleep enough, or under stress, or eat very unhealthily, these numbers will not work.</a:t>
             </a:r>
             <a:br>
               <a:rPr lang="en-US" sz="1400" dirty="0"/>
@@ -12143,7 +12143,23 @@
           <a:p>
             <a:r>
               <a:rPr lang="en-US" sz="1400" dirty="0"/>
-              <a:t>For example walking (100KCal/mile), running (150KCal/mile), ...</a:t>
+              <a:t>For example walking (100 </a:t>
+            </a:r>
+            <a:r>
+              <a:rPr lang="en-US" sz="1400" dirty="0" err="1"/>
+              <a:t>KCal</a:t>
+            </a:r>
+            <a:r>
+              <a:rPr lang="en-US" sz="1400" dirty="0"/>
+              <a:t>/mile), running (150 </a:t>
+            </a:r>
+            <a:r>
+              <a:rPr lang="en-US" sz="1400" dirty="0" err="1"/>
+              <a:t>KCal</a:t>
+            </a:r>
+            <a:r>
+              <a:rPr lang="en-US" sz="1400" dirty="0"/>
+              <a:t>/mile), ...</a:t>
             </a:r>
           </a:p>
           <a:p>
@@ -12207,8 +12223,8 @@
         </p:nvSpPr>
         <p:spPr>
           <a:xfrm>
-            <a:off x="67235" y="5635550"/>
-            <a:ext cx="6498443" cy="646331"/>
+            <a:off x="6575838" y="4498476"/>
+            <a:ext cx="5043245" cy="692497"/>
           </a:xfrm>
           <a:prstGeom prst="rect">
             <a:avLst/>
@@ -12228,19 +12244,56 @@
               <a:rPr lang="en-US" dirty="0"/>
             </a:br>
             <a:r>
-              <a:rPr lang="en-US" dirty="0"/>
+              <a:rPr lang="en-US" sz="1050" dirty="0"/>
               <a:t> - </a:t>
             </a:r>
             <a:r>
-              <a:rPr lang="en-US" dirty="0">
+              <a:rPr lang="en-US" sz="1050" dirty="0">
                 <a:hlinkClick r:id="rId2"/>
               </a:rPr>
               <a:t>https://www.cdc.gov/obesity/data/prevalence-maps.html</a:t>
             </a:r>
             <a:r>
-              <a:rPr lang="en-US" dirty="0"/>
+              <a:rPr lang="en-US" sz="1050" dirty="0"/>
               <a:t> </a:t>
             </a:r>
+          </a:p>
+          <a:p>
+            <a:r>
+              <a:rPr lang="en-US" sz="1050" dirty="0"/>
+              <a:t> - </a:t>
+            </a:r>
+            <a:r>
+              <a:rPr lang="en-US" sz="1050" dirty="0">
+                <a:hlinkClick r:id="rId3"/>
+              </a:rPr>
+              <a:t>https://</a:t>
+            </a:r>
+            <a:r>
+              <a:rPr lang="en-US" sz="1050" dirty="0" err="1">
+                <a:hlinkClick r:id="rId3"/>
+              </a:rPr>
+              <a:t>www.cdc.gov</a:t>
+            </a:r>
+            <a:r>
+              <a:rPr lang="en-US" sz="1050" dirty="0">
+                <a:hlinkClick r:id="rId3"/>
+              </a:rPr>
+              <a:t>/obesity/data-and-statistics/adult-obesity-prevalence-</a:t>
+            </a:r>
+            <a:r>
+              <a:rPr lang="en-US" sz="1050" dirty="0" err="1">
+                <a:hlinkClick r:id="rId3"/>
+              </a:rPr>
+              <a:t>maps.html</a:t>
+            </a:r>
+            <a:r>
+              <a:rPr lang="en-US" sz="1050" dirty="0">
+                <a:hlinkClick r:id="rId3"/>
+              </a:rPr>
+              <a:t> </a:t>
+            </a:r>
+            <a:endParaRPr lang="en-US" sz="1050" dirty="0"/>
           </a:p>
         </p:txBody>
       </p:sp>
@@ -12299,7 +12352,7 @@
           <p:nvPr/>
         </p:nvPicPr>
         <p:blipFill>
-          <a:blip r:embed="rId3" cstate="email">
+          <a:blip r:embed="rId4" cstate="email">
             <a:extLst>
               <a:ext uri="{28A0092B-C50C-407E-A947-70E740481C1C}">
                 <a14:useLocalDpi xmlns:a14="http://schemas.microsoft.com/office/drawing/2010/main"/>
@@ -12345,8 +12398,8 @@
           </p:cNvPicPr>
           <p:nvPr/>
         </p:nvPicPr>
-        <p:blipFill>
-          <a:blip r:embed="rId4" cstate="email">
+        <p:blipFill rotWithShape="1">
+          <a:blip r:embed="rId5" cstate="email">
             <a:extLst>
               <a:ext uri="{28A0092B-C50C-407E-A947-70E740481C1C}">
                 <a14:useLocalDpi xmlns:a14="http://schemas.microsoft.com/office/drawing/2010/main"/>
@@ -12354,14 +12407,12 @@
             </a:extLst>
           </a:blip>
           <a:srcRect/>
-          <a:stretch>
-            <a:fillRect/>
-          </a:stretch>
+          <a:stretch/>
         </p:blipFill>
         <p:spPr bwMode="auto">
           <a:xfrm>
-            <a:off x="7849318" y="1365814"/>
-            <a:ext cx="3714975" cy="2510118"/>
+            <a:off x="6703340" y="665683"/>
+            <a:ext cx="2481305" cy="1692106"/>
           </a:xfrm>
           <a:prstGeom prst="rect">
             <a:avLst/>
@@ -12393,7 +12444,7 @@
           <p:nvPr/>
         </p:nvPicPr>
         <p:blipFill>
-          <a:blip r:embed="rId5" cstate="email">
+          <a:blip r:embed="rId6" cstate="email">
             <a:extLst>
               <a:ext uri="{28A0092B-C50C-407E-A947-70E740481C1C}">
                 <a14:useLocalDpi xmlns:a14="http://schemas.microsoft.com/office/drawing/2010/main"/>
@@ -12406,8 +12457,8 @@
         </p:blipFill>
         <p:spPr>
           <a:xfrm>
-            <a:off x="8165518" y="4373356"/>
-            <a:ext cx="3082574" cy="1907691"/>
+            <a:off x="9721669" y="707886"/>
+            <a:ext cx="2171923" cy="1344123"/>
           </a:xfrm>
           <a:prstGeom prst="rect">
             <a:avLst/>
@@ -12428,15 +12479,15 @@
         </p:nvSpPr>
         <p:spPr>
           <a:xfrm>
-            <a:off x="7586995" y="230832"/>
-            <a:ext cx="4239622" cy="830997"/>
+            <a:off x="6238240" y="230832"/>
+            <a:ext cx="5588377" cy="461665"/>
           </a:xfrm>
           <a:prstGeom prst="rect">
             <a:avLst/>
           </a:prstGeom>
         </p:spPr>
         <p:txBody>
-          <a:bodyPr wrap="none">
+          <a:bodyPr wrap="square">
             <a:spAutoFit/>
           </a:bodyPr>
           <a:lstStyle/>
@@ -12445,8 +12496,6 @@
               <a:rPr lang="en-US" sz="2400" b="1" dirty="0"/>
               <a:t>New maps </a:t>
             </a:r>
-          </a:p>
-          <a:p>
             <a:r>
               <a:rPr lang="en-US" sz="2400" dirty="0"/>
               <a:t>(CDC changed methods in 2011)</a:t>
@@ -12468,7 +12517,7 @@
         </p:nvSpPr>
         <p:spPr>
           <a:xfrm>
-            <a:off x="7506612" y="2429721"/>
+            <a:off x="6236225" y="1210590"/>
             <a:ext cx="658906" cy="382304"/>
           </a:xfrm>
           <a:prstGeom prst="rect">
@@ -12507,7 +12556,7 @@
         </p:nvSpPr>
         <p:spPr>
           <a:xfrm>
-            <a:off x="7506612" y="4944897"/>
+            <a:off x="9184645" y="1195862"/>
             <a:ext cx="658906" cy="369332"/>
           </a:xfrm>
           <a:prstGeom prst="rect">
@@ -12529,6 +12578,173 @@
               </a:rPr>
               <a:t>2019</a:t>
             </a:r>
+          </a:p>
+        </p:txBody>
+      </p:sp>
+      <p:pic>
+        <p:nvPicPr>
+          <p:cNvPr id="8" name="Picture 7">
+            <a:extLst>
+              <a:ext uri="{FF2B5EF4-FFF2-40B4-BE49-F238E27FC236}">
+                <a16:creationId xmlns:a16="http://schemas.microsoft.com/office/drawing/2014/main" id="{D5F3BC26-DA09-1B3D-AC8E-8FB00B3A09E1}"/>
+              </a:ext>
+            </a:extLst>
+          </p:cNvPr>
+          <p:cNvPicPr>
+            <a:picLocks noChangeAspect="1"/>
+          </p:cNvPicPr>
+          <p:nvPr/>
+        </p:nvPicPr>
+        <p:blipFill>
+          <a:blip r:embed="rId7" cstate="email">
+            <a:extLst>
+              <a:ext uri="{28A0092B-C50C-407E-A947-70E740481C1C}">
+                <a14:useLocalDpi xmlns:a14="http://schemas.microsoft.com/office/drawing/2010/main"/>
+              </a:ext>
+            </a:extLst>
+          </a:blip>
+          <a:stretch>
+            <a:fillRect/>
+          </a:stretch>
+        </p:blipFill>
+        <p:spPr>
+          <a:xfrm>
+            <a:off x="6905291" y="2435085"/>
+            <a:ext cx="2171922" cy="1390030"/>
+          </a:xfrm>
+          <a:prstGeom prst="rect">
+            <a:avLst/>
+          </a:prstGeom>
+        </p:spPr>
+      </p:pic>
+      <p:sp>
+        <p:nvSpPr>
+          <p:cNvPr id="10" name="TextBox 9">
+            <a:extLst>
+              <a:ext uri="{FF2B5EF4-FFF2-40B4-BE49-F238E27FC236}">
+                <a16:creationId xmlns:a16="http://schemas.microsoft.com/office/drawing/2014/main" id="{2964E4C9-357F-6C48-ACE0-8233EF7F7E89}"/>
+              </a:ext>
+            </a:extLst>
+          </p:cNvPr>
+          <p:cNvSpPr txBox="1"/>
+          <p:nvPr/>
+        </p:nvSpPr>
+        <p:spPr>
+          <a:xfrm>
+            <a:off x="6246385" y="2895944"/>
+            <a:ext cx="658906" cy="382304"/>
+          </a:xfrm>
+          <a:prstGeom prst="rect">
+            <a:avLst/>
+          </a:prstGeom>
+          <a:noFill/>
+        </p:spPr>
+        <p:txBody>
+          <a:bodyPr wrap="square" rtlCol="0">
+            <a:spAutoFit/>
+          </a:bodyPr>
+          <a:lstStyle/>
+          <a:p>
+            <a:r>
+              <a:rPr lang="en-US" b="1" dirty="0">
+                <a:solidFill>
+                  <a:srgbClr val="FF0000"/>
+                </a:solidFill>
+              </a:rPr>
+              <a:t>2023</a:t>
+            </a:r>
+          </a:p>
+        </p:txBody>
+      </p:sp>
+      <p:sp>
+        <p:nvSpPr>
+          <p:cNvPr id="11" name="Rectangle 10">
+            <a:extLst>
+              <a:ext uri="{FF2B5EF4-FFF2-40B4-BE49-F238E27FC236}">
+                <a16:creationId xmlns:a16="http://schemas.microsoft.com/office/drawing/2014/main" id="{00C72620-9FC7-08D1-7D8B-1A776497A05E}"/>
+              </a:ext>
+            </a:extLst>
+          </p:cNvPr>
+          <p:cNvSpPr/>
+          <p:nvPr/>
+        </p:nvSpPr>
+        <p:spPr>
+          <a:xfrm>
+            <a:off x="9579434" y="2975343"/>
+            <a:ext cx="2409366" cy="369332"/>
+          </a:xfrm>
+          <a:prstGeom prst="rect">
+            <a:avLst/>
+          </a:prstGeom>
+        </p:spPr>
+        <p:txBody>
+          <a:bodyPr wrap="square">
+            <a:spAutoFit/>
+          </a:bodyPr>
+          <a:lstStyle/>
+          <a:p>
+            <a:r>
+              <a:rPr lang="en-US" dirty="0">
+                <a:solidFill>
+                  <a:srgbClr val="00B050"/>
+                </a:solidFill>
+              </a:rPr>
+              <a:t>Green State: Colorado !</a:t>
+            </a:r>
+          </a:p>
+        </p:txBody>
+      </p:sp>
+      <p:sp>
+        <p:nvSpPr>
+          <p:cNvPr id="12" name="Right Arrow 11">
+            <a:extLst>
+              <a:ext uri="{FF2B5EF4-FFF2-40B4-BE49-F238E27FC236}">
+                <a16:creationId xmlns:a16="http://schemas.microsoft.com/office/drawing/2014/main" id="{1AC9B845-9DCA-3BB9-6C42-E5C0CEED4BD2}"/>
+              </a:ext>
+            </a:extLst>
+          </p:cNvPr>
+          <p:cNvSpPr/>
+          <p:nvPr/>
+        </p:nvSpPr>
+        <p:spPr>
+          <a:xfrm>
+            <a:off x="9184645" y="3074852"/>
+            <a:ext cx="435429" cy="185141"/>
+          </a:xfrm>
+          <a:prstGeom prst="rightArrow">
+            <a:avLst/>
+          </a:prstGeom>
+          <a:solidFill>
+            <a:srgbClr val="00B050"/>
+          </a:solidFill>
+          <a:ln>
+            <a:solidFill>
+              <a:srgbClr val="92D050"/>
+            </a:solidFill>
+          </a:ln>
+        </p:spPr>
+        <p:style>
+          <a:lnRef idx="2">
+            <a:schemeClr val="accent1">
+              <a:shade val="15000"/>
+            </a:schemeClr>
+          </a:lnRef>
+          <a:fillRef idx="1">
+            <a:schemeClr val="accent1"/>
+          </a:fillRef>
+          <a:effectRef idx="0">
+            <a:schemeClr val="accent1"/>
+          </a:effectRef>
+          <a:fontRef idx="minor">
+            <a:schemeClr val="lt1"/>
+          </a:fontRef>
+        </p:style>
+        <p:txBody>
+          <a:bodyPr rtlCol="0" anchor="ctr"/>
+          <a:lstStyle/>
+          <a:p>
+            <a:pPr algn="ctr"/>
+            <a:endParaRPr lang="en-US"/>
           </a:p>
         </p:txBody>
       </p:sp>

--- a/_Life_Lose_Weight.pptx
+++ b/_Life_Lose_Weight.pptx
@@ -5,7 +5,7 @@
     <p:sldMasterId id="2147483648" r:id="rId1"/>
   </p:sldMasterIdLst>
   <p:notesMasterIdLst>
-    <p:notesMasterId r:id="rId28"/>
+    <p:notesMasterId r:id="rId29"/>
   </p:notesMasterIdLst>
   <p:sldIdLst>
     <p:sldId id="259" r:id="rId2"/>
@@ -13,27 +13,28 @@
     <p:sldId id="274" r:id="rId4"/>
     <p:sldId id="273" r:id="rId5"/>
     <p:sldId id="275" r:id="rId6"/>
-    <p:sldId id="268" r:id="rId7"/>
-    <p:sldId id="276" r:id="rId8"/>
-    <p:sldId id="271" r:id="rId9"/>
-    <p:sldId id="261" r:id="rId10"/>
-    <p:sldId id="256" r:id="rId11"/>
-    <p:sldId id="257" r:id="rId12"/>
-    <p:sldId id="277" r:id="rId13"/>
-    <p:sldId id="262" r:id="rId14"/>
-    <p:sldId id="263" r:id="rId15"/>
-    <p:sldId id="264" r:id="rId16"/>
-    <p:sldId id="267" r:id="rId17"/>
-    <p:sldId id="258" r:id="rId18"/>
-    <p:sldId id="265" r:id="rId19"/>
-    <p:sldId id="266" r:id="rId20"/>
-    <p:sldId id="270" r:id="rId21"/>
-    <p:sldId id="282" r:id="rId22"/>
-    <p:sldId id="269" r:id="rId23"/>
-    <p:sldId id="278" r:id="rId24"/>
-    <p:sldId id="279" r:id="rId25"/>
-    <p:sldId id="281" r:id="rId26"/>
-    <p:sldId id="280" r:id="rId27"/>
+    <p:sldId id="283" r:id="rId7"/>
+    <p:sldId id="268" r:id="rId8"/>
+    <p:sldId id="276" r:id="rId9"/>
+    <p:sldId id="271" r:id="rId10"/>
+    <p:sldId id="261" r:id="rId11"/>
+    <p:sldId id="256" r:id="rId12"/>
+    <p:sldId id="257" r:id="rId13"/>
+    <p:sldId id="277" r:id="rId14"/>
+    <p:sldId id="262" r:id="rId15"/>
+    <p:sldId id="263" r:id="rId16"/>
+    <p:sldId id="264" r:id="rId17"/>
+    <p:sldId id="267" r:id="rId18"/>
+    <p:sldId id="258" r:id="rId19"/>
+    <p:sldId id="265" r:id="rId20"/>
+    <p:sldId id="266" r:id="rId21"/>
+    <p:sldId id="270" r:id="rId22"/>
+    <p:sldId id="282" r:id="rId23"/>
+    <p:sldId id="269" r:id="rId24"/>
+    <p:sldId id="278" r:id="rId25"/>
+    <p:sldId id="279" r:id="rId26"/>
+    <p:sldId id="281" r:id="rId27"/>
+    <p:sldId id="280" r:id="rId28"/>
   </p:sldIdLst>
   <p:sldSz cx="12192000" cy="6858000"/>
   <p:notesSz cx="6858000" cy="9144000"/>
@@ -222,7 +223,7 @@
           <a:p>
             <a:fld id="{88E52045-756B-384E-A6E6-7F3ED1EF79B4}" type="datetimeFigureOut">
               <a:rPr lang="en-US" smtClean="0"/>
-              <a:t>2/25/25</a:t>
+              <a:t>3/7/25</a:t>
             </a:fld>
             <a:endParaRPr lang="en-US"/>
           </a:p>
@@ -618,7 +619,7 @@
           <a:p>
             <a:fld id="{B99DC7AF-117D-0D44-9887-15AB809462D7}" type="datetimeFigureOut">
               <a:rPr lang="en-US" smtClean="0"/>
-              <a:t>2/25/25</a:t>
+              <a:t>3/7/25</a:t>
             </a:fld>
             <a:endParaRPr lang="en-US"/>
           </a:p>
@@ -786,7 +787,7 @@
           <a:p>
             <a:fld id="{B99DC7AF-117D-0D44-9887-15AB809462D7}" type="datetimeFigureOut">
               <a:rPr lang="en-US" smtClean="0"/>
-              <a:t>2/25/25</a:t>
+              <a:t>3/7/25</a:t>
             </a:fld>
             <a:endParaRPr lang="en-US"/>
           </a:p>
@@ -964,7 +965,7 @@
           <a:p>
             <a:fld id="{B99DC7AF-117D-0D44-9887-15AB809462D7}" type="datetimeFigureOut">
               <a:rPr lang="en-US" smtClean="0"/>
-              <a:t>2/25/25</a:t>
+              <a:t>3/7/25</a:t>
             </a:fld>
             <a:endParaRPr lang="en-US"/>
           </a:p>
@@ -1132,7 +1133,7 @@
           <a:p>
             <a:fld id="{B99DC7AF-117D-0D44-9887-15AB809462D7}" type="datetimeFigureOut">
               <a:rPr lang="en-US" smtClean="0"/>
-              <a:t>2/25/25</a:t>
+              <a:t>3/7/25</a:t>
             </a:fld>
             <a:endParaRPr lang="en-US"/>
           </a:p>
@@ -1377,7 +1378,7 @@
           <a:p>
             <a:fld id="{B99DC7AF-117D-0D44-9887-15AB809462D7}" type="datetimeFigureOut">
               <a:rPr lang="en-US" smtClean="0"/>
-              <a:t>2/25/25</a:t>
+              <a:t>3/7/25</a:t>
             </a:fld>
             <a:endParaRPr lang="en-US"/>
           </a:p>
@@ -1606,7 +1607,7 @@
           <a:p>
             <a:fld id="{B99DC7AF-117D-0D44-9887-15AB809462D7}" type="datetimeFigureOut">
               <a:rPr lang="en-US" smtClean="0"/>
-              <a:t>2/25/25</a:t>
+              <a:t>3/7/25</a:t>
             </a:fld>
             <a:endParaRPr lang="en-US"/>
           </a:p>
@@ -1970,7 +1971,7 @@
           <a:p>
             <a:fld id="{B99DC7AF-117D-0D44-9887-15AB809462D7}" type="datetimeFigureOut">
               <a:rPr lang="en-US" smtClean="0"/>
-              <a:t>2/25/25</a:t>
+              <a:t>3/7/25</a:t>
             </a:fld>
             <a:endParaRPr lang="en-US"/>
           </a:p>
@@ -2087,7 +2088,7 @@
           <a:p>
             <a:fld id="{B99DC7AF-117D-0D44-9887-15AB809462D7}" type="datetimeFigureOut">
               <a:rPr lang="en-US" smtClean="0"/>
-              <a:t>2/25/25</a:t>
+              <a:t>3/7/25</a:t>
             </a:fld>
             <a:endParaRPr lang="en-US"/>
           </a:p>
@@ -2182,7 +2183,7 @@
           <a:p>
             <a:fld id="{B99DC7AF-117D-0D44-9887-15AB809462D7}" type="datetimeFigureOut">
               <a:rPr lang="en-US" smtClean="0"/>
-              <a:t>2/25/25</a:t>
+              <a:t>3/7/25</a:t>
             </a:fld>
             <a:endParaRPr lang="en-US"/>
           </a:p>
@@ -2457,7 +2458,7 @@
           <a:p>
             <a:fld id="{B99DC7AF-117D-0D44-9887-15AB809462D7}" type="datetimeFigureOut">
               <a:rPr lang="en-US" smtClean="0"/>
-              <a:t>2/25/25</a:t>
+              <a:t>3/7/25</a:t>
             </a:fld>
             <a:endParaRPr lang="en-US"/>
           </a:p>
@@ -2709,7 +2710,7 @@
           <a:p>
             <a:fld id="{B99DC7AF-117D-0D44-9887-15AB809462D7}" type="datetimeFigureOut">
               <a:rPr lang="en-US" smtClean="0"/>
-              <a:t>2/25/25</a:t>
+              <a:t>3/7/25</a:t>
             </a:fld>
             <a:endParaRPr lang="en-US"/>
           </a:p>
@@ -2920,7 +2921,7 @@
           <a:p>
             <a:fld id="{B99DC7AF-117D-0D44-9887-15AB809462D7}" type="datetimeFigureOut">
               <a:rPr lang="en-US" smtClean="0"/>
-              <a:t>2/25/25</a:t>
+              <a:t>3/7/25</a:t>
             </a:fld>
             <a:endParaRPr lang="en-US"/>
           </a:p>
@@ -3758,6 +3759,805 @@
       </p:grpSpPr>
       <p:sp>
         <p:nvSpPr>
+          <p:cNvPr id="2" name="TextBox 1"/>
+          <p:cNvSpPr txBox="1"/>
+          <p:nvPr/>
+        </p:nvSpPr>
+        <p:spPr>
+          <a:xfrm>
+            <a:off x="138546" y="42678"/>
+            <a:ext cx="10096836" cy="6555641"/>
+          </a:xfrm>
+          <a:prstGeom prst="rect">
+            <a:avLst/>
+          </a:prstGeom>
+          <a:noFill/>
+        </p:spPr>
+        <p:txBody>
+          <a:bodyPr wrap="square" rtlCol="0">
+            <a:spAutoFit/>
+          </a:bodyPr>
+          <a:lstStyle/>
+          <a:p>
+            <a:r>
+              <a:rPr lang="en-US" altLang="x-none" sz="2000" b="1" dirty="0">
+                <a:latin typeface="Arial" charset="0"/>
+              </a:rPr>
+              <a:t>Notes:</a:t>
+            </a:r>
+            <a:br>
+              <a:rPr lang="x-none" altLang="x-none" sz="2000" b="1" dirty="0">
+                <a:latin typeface="Arial" charset="0"/>
+              </a:rPr>
+            </a:br>
+            <a:r>
+              <a:rPr lang="x-none" altLang="x-none" sz="1600" dirty="0">
+                <a:latin typeface="Arial" charset="0"/>
+              </a:rPr>
+              <a:t>-- losing weight on </a:t>
+            </a:r>
+            <a:r>
+              <a:rPr lang="x-none" altLang="x-none" sz="1600" b="1" dirty="0">
+                <a:solidFill>
+                  <a:srgbClr val="FF0000"/>
+                </a:solidFill>
+                <a:latin typeface="Arial" charset="0"/>
+              </a:rPr>
+              <a:t>"will power" doesn't work long term</a:t>
+            </a:r>
+            <a:r>
+              <a:rPr lang="x-none" altLang="x-none" sz="1600" dirty="0">
+                <a:latin typeface="Arial" charset="0"/>
+              </a:rPr>
+              <a:t> </a:t>
+            </a:r>
+            <a:endParaRPr lang="en-US" altLang="x-none" sz="1600" dirty="0">
+              <a:latin typeface="Arial" charset="0"/>
+            </a:endParaRPr>
+          </a:p>
+          <a:p>
+            <a:r>
+              <a:rPr lang="x-none" altLang="x-none" sz="1600" dirty="0">
+                <a:latin typeface="Arial" charset="0"/>
+              </a:rPr>
+              <a:t>-- </a:t>
+            </a:r>
+            <a:r>
+              <a:rPr lang="x-none" altLang="x-none" sz="1600" b="1" dirty="0">
+                <a:solidFill>
+                  <a:srgbClr val="FF0000"/>
+                </a:solidFill>
+                <a:latin typeface="Arial" charset="0"/>
+              </a:rPr>
+              <a:t>"eat less, exercise more" formula doesn't work long term</a:t>
+            </a:r>
+            <a:r>
+              <a:rPr lang="x-none" altLang="x-none" sz="1600" dirty="0">
+                <a:latin typeface="Arial" charset="0"/>
+              </a:rPr>
+              <a:t>: </a:t>
+            </a:r>
+            <a:br>
+              <a:rPr lang="x-none" altLang="x-none" sz="1600" dirty="0">
+                <a:latin typeface="Arial" charset="0"/>
+              </a:rPr>
+            </a:br>
+            <a:r>
+              <a:rPr lang="x-none" altLang="x-none" sz="1600" dirty="0">
+                <a:latin typeface="Arial" charset="0"/>
+              </a:rPr>
+              <a:t>    -- eating less - causes metabolism slowdown and doesn't work long term for 95% </a:t>
+            </a:r>
+            <a:r>
+              <a:rPr lang="x-none" altLang="x-none" sz="1600">
+                <a:latin typeface="Arial" charset="0"/>
+              </a:rPr>
+              <a:t>of people</a:t>
+            </a:r>
+            <a:endParaRPr lang="en-US" altLang="x-none" sz="1600" dirty="0">
+              <a:latin typeface="Arial" charset="0"/>
+            </a:endParaRPr>
+          </a:p>
+          <a:p>
+            <a:r>
+              <a:rPr lang="en-US" altLang="x-none" sz="1600" dirty="0">
+                <a:latin typeface="Arial" charset="0"/>
+              </a:rPr>
+              <a:t>       But ... </a:t>
+            </a:r>
+            <a:r>
+              <a:rPr lang="x-none" altLang="x-none" sz="1600" b="1">
+                <a:solidFill>
+                  <a:srgbClr val="0070C0"/>
+                </a:solidFill>
+                <a:latin typeface="Arial" charset="0"/>
+              </a:rPr>
+              <a:t>intermitting</a:t>
+            </a:r>
+            <a:r>
+              <a:rPr lang="en-US" altLang="x-none" sz="1600" b="1" dirty="0">
+                <a:solidFill>
+                  <a:srgbClr val="0070C0"/>
+                </a:solidFill>
+                <a:latin typeface="Arial" charset="0"/>
+              </a:rPr>
+              <a:t> fasting does NOT cause metabolism slowdown</a:t>
+            </a:r>
+            <a:r>
+              <a:rPr lang="en-US" altLang="x-none" sz="1600" dirty="0">
+                <a:latin typeface="Arial" charset="0"/>
+              </a:rPr>
+              <a:t> </a:t>
+            </a:r>
+            <a:br>
+              <a:rPr lang="x-none" altLang="x-none" sz="1600" dirty="0">
+                <a:latin typeface="Arial" charset="0"/>
+              </a:rPr>
+            </a:br>
+            <a:r>
+              <a:rPr lang="x-none" altLang="x-none" sz="1600" dirty="0">
+                <a:latin typeface="Arial" charset="0"/>
+              </a:rPr>
+              <a:t>    -- exercise - contributes less than 5% (if any) if you consider </a:t>
+            </a:r>
+            <a:r>
+              <a:rPr lang="x-none" altLang="x-none" sz="1600">
+                <a:latin typeface="Arial" charset="0"/>
+              </a:rPr>
+              <a:t>long term</a:t>
+            </a:r>
+            <a:br>
+              <a:rPr lang="x-none" altLang="x-none" sz="1600" dirty="0">
+                <a:latin typeface="Arial" charset="0"/>
+              </a:rPr>
+            </a:br>
+            <a:r>
+              <a:rPr lang="x-none" altLang="x-none" sz="1600" dirty="0">
+                <a:latin typeface="Arial" charset="0"/>
+              </a:rPr>
+              <a:t>-- </a:t>
+            </a:r>
+            <a:r>
+              <a:rPr lang="x-none" altLang="x-none" sz="1600" b="1" dirty="0">
+                <a:solidFill>
+                  <a:srgbClr val="00B050"/>
+                </a:solidFill>
+                <a:latin typeface="Arial" charset="0"/>
+              </a:rPr>
+              <a:t>eat lots of vegetables</a:t>
+            </a:r>
+            <a:r>
+              <a:rPr lang="x-none" altLang="x-none" sz="1600" dirty="0">
+                <a:latin typeface="Arial" charset="0"/>
+              </a:rPr>
+              <a:t>. Find a way to add a big serving of salad / vegetables to each meal. </a:t>
+            </a:r>
+            <a:br>
+              <a:rPr lang="x-none" altLang="x-none" sz="1600" dirty="0">
+                <a:latin typeface="Arial" charset="0"/>
+              </a:rPr>
+            </a:br>
+            <a:r>
+              <a:rPr lang="x-none" altLang="x-none" sz="1600" dirty="0">
+                <a:latin typeface="Arial" charset="0"/>
+              </a:rPr>
+              <a:t>   You can eat lots of cabbage, spinach, etc. </a:t>
+            </a:r>
+            <a:br>
+              <a:rPr lang="x-none" altLang="x-none" sz="1600" dirty="0">
+                <a:latin typeface="Arial" charset="0"/>
+              </a:rPr>
+            </a:br>
+            <a:r>
+              <a:rPr lang="en-US" altLang="x-none" sz="1600" dirty="0">
+                <a:latin typeface="Arial" charset="0"/>
+              </a:rPr>
+              <a:t>-- </a:t>
+            </a:r>
+            <a:r>
+              <a:rPr lang="en-US" altLang="x-none" sz="1600" b="1" dirty="0">
+                <a:solidFill>
+                  <a:srgbClr val="00B050"/>
+                </a:solidFill>
+                <a:latin typeface="Arial" charset="0"/>
+              </a:rPr>
+              <a:t>you don’t need extra protein from meat</a:t>
+            </a:r>
+            <a:r>
+              <a:rPr lang="en-US" altLang="x-none" sz="1600" dirty="0">
+                <a:latin typeface="Arial" charset="0"/>
+              </a:rPr>
+              <a:t>, etc. You get it from vegetables and beans.</a:t>
+            </a:r>
+          </a:p>
+          <a:p>
+            <a:r>
+              <a:rPr lang="en-US" altLang="x-none" sz="1600" dirty="0">
+                <a:latin typeface="Arial" charset="0"/>
+              </a:rPr>
+              <a:t>-- </a:t>
+            </a:r>
+            <a:r>
+              <a:rPr lang="en-US" altLang="x-none" sz="1600" b="1" dirty="0">
+                <a:solidFill>
+                  <a:srgbClr val="00B050"/>
+                </a:solidFill>
+                <a:latin typeface="Arial" charset="0"/>
+              </a:rPr>
+              <a:t>you don’t need milk for calcium</a:t>
+            </a:r>
+            <a:r>
+              <a:rPr lang="en-US" altLang="x-none" sz="1600" dirty="0">
+                <a:latin typeface="Arial" charset="0"/>
+              </a:rPr>
+              <a:t>. In fact you should stay off milk products (or use only goat or sheep milk).</a:t>
+            </a:r>
+          </a:p>
+          <a:p>
+            <a:r>
+              <a:rPr lang="en-US" altLang="x-none" sz="1600" dirty="0">
+                <a:latin typeface="Arial" charset="0"/>
+              </a:rPr>
+              <a:t>-- </a:t>
+            </a:r>
+            <a:r>
+              <a:rPr lang="en-US" altLang="x-none" sz="1600" b="1" dirty="0">
+                <a:solidFill>
+                  <a:srgbClr val="00B050"/>
+                </a:solidFill>
+                <a:latin typeface="Arial" charset="0"/>
+              </a:rPr>
+              <a:t>you don’t need vitamin pills</a:t>
+            </a:r>
+            <a:r>
+              <a:rPr lang="en-US" altLang="x-none" sz="1600" dirty="0">
+                <a:latin typeface="Arial" charset="0"/>
+              </a:rPr>
+              <a:t> </a:t>
+            </a:r>
+            <a:r>
+              <a:rPr lang="mr-IN" altLang="x-none" sz="1600" dirty="0">
+                <a:latin typeface="Arial" charset="0"/>
+              </a:rPr>
+              <a:t>–</a:t>
+            </a:r>
+            <a:r>
+              <a:rPr lang="en-US" altLang="x-none" sz="1600" dirty="0">
+                <a:latin typeface="Arial" charset="0"/>
+              </a:rPr>
+              <a:t> you will get everything from food. </a:t>
+            </a:r>
+            <a:br>
+              <a:rPr lang="x-none" altLang="x-none" sz="1600" dirty="0">
+                <a:latin typeface="Arial" charset="0"/>
+              </a:rPr>
+            </a:br>
+            <a:r>
+              <a:rPr lang="en-US" altLang="x-none" sz="1600" dirty="0">
+                <a:latin typeface="Arial" charset="0"/>
+              </a:rPr>
+              <a:t>   (you do need some sun for vitamin D, and you need vitamin B12 supplements)</a:t>
+            </a:r>
+          </a:p>
+          <a:p>
+            <a:r>
+              <a:rPr lang="x-none" altLang="x-none" sz="1600" dirty="0">
+                <a:latin typeface="Arial" charset="0"/>
+              </a:rPr>
+              <a:t>-- </a:t>
+            </a:r>
+            <a:r>
+              <a:rPr lang="x-none" altLang="x-none" sz="1600" b="1" dirty="0">
+                <a:solidFill>
+                  <a:srgbClr val="FF0000"/>
+                </a:solidFill>
+                <a:latin typeface="Arial" charset="0"/>
+              </a:rPr>
+              <a:t>eating snacks between meals is bad</a:t>
+            </a:r>
+            <a:r>
+              <a:rPr lang="x-none" altLang="x-none" sz="1600" dirty="0">
+                <a:latin typeface="Arial" charset="0"/>
+              </a:rPr>
+              <a:t>. You should </a:t>
+            </a:r>
+            <a:r>
+              <a:rPr lang="en-US" altLang="x-none" sz="1600" dirty="0">
+                <a:latin typeface="Arial" charset="0"/>
+              </a:rPr>
+              <a:t>eat </a:t>
+            </a:r>
+            <a:r>
+              <a:rPr lang="x-none" altLang="x-none" sz="1600" dirty="0">
+                <a:latin typeface="Arial" charset="0"/>
+              </a:rPr>
+              <a:t>at maximum 3 times per day. </a:t>
+            </a:r>
+            <a:br>
+              <a:rPr lang="x-none" altLang="x-none" sz="1600" dirty="0">
+                <a:latin typeface="Arial" charset="0"/>
+              </a:rPr>
+            </a:br>
+            <a:r>
+              <a:rPr lang="x-none" altLang="x-none" sz="1600" dirty="0">
+                <a:latin typeface="Arial" charset="0"/>
+              </a:rPr>
+              <a:t>   </a:t>
+            </a:r>
+            <a:r>
+              <a:rPr lang="en-US" altLang="x-none" sz="1600" dirty="0">
+                <a:latin typeface="Arial" charset="0"/>
+              </a:rPr>
+              <a:t>S</a:t>
+            </a:r>
+            <a:r>
+              <a:rPr lang="x-none" altLang="x-none" sz="1600" dirty="0">
+                <a:latin typeface="Arial" charset="0"/>
+              </a:rPr>
+              <a:t>nacks are more harmful than eating big meals. </a:t>
+            </a:r>
+            <a:br>
+              <a:rPr lang="x-none" altLang="x-none" sz="1600" dirty="0">
+                <a:latin typeface="Arial" charset="0"/>
+              </a:rPr>
+            </a:br>
+            <a:r>
+              <a:rPr lang="x-none" altLang="x-none" sz="1600" dirty="0">
+                <a:latin typeface="Arial" charset="0"/>
+              </a:rPr>
+              <a:t>   It is very important to </a:t>
+            </a:r>
+            <a:r>
+              <a:rPr lang="x-none" altLang="x-none" sz="1600" b="1" dirty="0">
+                <a:solidFill>
+                  <a:srgbClr val="FF0000"/>
+                </a:solidFill>
+                <a:latin typeface="Arial" charset="0"/>
+              </a:rPr>
+              <a:t>avoid snacking between meals</a:t>
+            </a:r>
+            <a:r>
+              <a:rPr lang="x-none" altLang="x-none" sz="1600" dirty="0">
+                <a:latin typeface="Arial" charset="0"/>
+              </a:rPr>
+              <a:t> - to allow insulin levels to decrease. </a:t>
+            </a:r>
+            <a:br>
+              <a:rPr lang="x-none" altLang="x-none" sz="1600" dirty="0">
+                <a:latin typeface="Arial" charset="0"/>
+              </a:rPr>
+            </a:br>
+            <a:r>
+              <a:rPr lang="x-none" altLang="x-none" sz="1600" dirty="0">
+                <a:latin typeface="Arial" charset="0"/>
+              </a:rPr>
+              <a:t>   - </a:t>
+            </a:r>
+            <a:r>
+              <a:rPr lang="x-none" altLang="x-none" sz="1600" dirty="0">
+                <a:latin typeface="Arial" charset="0"/>
+                <a:hlinkClick r:id="rId2"/>
+              </a:rPr>
+              <a:t>https://intensivedietarymanagement.com/perils-snacking-hormonal-obesity-xiii/</a:t>
+            </a:r>
+            <a:r>
+              <a:rPr lang="x-none" altLang="x-none" sz="1600" dirty="0">
+                <a:latin typeface="Arial" charset="0"/>
+              </a:rPr>
+              <a:t> </a:t>
+            </a:r>
+            <a:br>
+              <a:rPr lang="x-none" altLang="x-none" sz="1600" dirty="0">
+                <a:latin typeface="Arial" charset="0"/>
+              </a:rPr>
+            </a:br>
+            <a:r>
+              <a:rPr lang="x-none" altLang="x-none" sz="1600">
+                <a:latin typeface="Arial" charset="0"/>
+              </a:rPr>
+              <a:t>- </a:t>
+            </a:r>
+            <a:r>
+              <a:rPr lang="x-none" altLang="x-none" sz="1600" b="1">
+                <a:solidFill>
+                  <a:srgbClr val="FF0000"/>
+                </a:solidFill>
+                <a:latin typeface="Arial" charset="0"/>
+              </a:rPr>
+              <a:t>intermittent fasting</a:t>
+            </a:r>
+            <a:r>
+              <a:rPr lang="x-none" altLang="x-none" sz="1600">
+                <a:latin typeface="Arial" charset="0"/>
+              </a:rPr>
+              <a:t> works</a:t>
+            </a:r>
+            <a:r>
+              <a:rPr lang="en-US" altLang="x-none" sz="1600" dirty="0">
+                <a:latin typeface="Arial" charset="0"/>
+              </a:rPr>
+              <a:t> (make long pauses between meals)</a:t>
+            </a:r>
+          </a:p>
+          <a:p>
+            <a:r>
+              <a:rPr lang="x-none" altLang="x-none" sz="1600">
+                <a:latin typeface="Arial" charset="0"/>
+              </a:rPr>
+              <a:t>  </a:t>
+            </a:r>
+            <a:r>
+              <a:rPr lang="en-US" altLang="x-none" sz="1600" b="1" dirty="0">
+                <a:solidFill>
+                  <a:srgbClr val="FF0000"/>
+                </a:solidFill>
+                <a:latin typeface="Arial" charset="0"/>
+              </a:rPr>
+              <a:t>intermittent fasting</a:t>
+            </a:r>
+            <a:r>
+              <a:rPr lang="en-US" altLang="x-none" sz="1600" dirty="0">
+                <a:latin typeface="Arial" charset="0"/>
+              </a:rPr>
+              <a:t> </a:t>
+            </a:r>
+            <a:r>
+              <a:rPr lang="x-none" altLang="x-none" sz="1600">
+                <a:latin typeface="Arial" charset="0"/>
+              </a:rPr>
+              <a:t>does</a:t>
+            </a:r>
+            <a:r>
+              <a:rPr lang="en-US" altLang="x-none" sz="1600" dirty="0">
+                <a:latin typeface="Arial" charset="0"/>
+              </a:rPr>
+              <a:t> NOT </a:t>
+            </a:r>
+            <a:r>
+              <a:rPr lang="x-none" altLang="x-none" sz="1600">
+                <a:latin typeface="Arial" charset="0"/>
+              </a:rPr>
+              <a:t>cause </a:t>
+            </a:r>
+            <a:r>
+              <a:rPr lang="x-none" altLang="x-none" sz="1600" dirty="0">
+                <a:latin typeface="Arial" charset="0"/>
+              </a:rPr>
+              <a:t>metabolic slowdown</a:t>
+            </a:r>
+            <a:r>
+              <a:rPr lang="x-none" altLang="x-none" sz="1600">
+                <a:latin typeface="Arial" charset="0"/>
+              </a:rPr>
+              <a:t>. </a:t>
+            </a:r>
+            <a:endParaRPr lang="en-US" altLang="x-none" sz="1600" dirty="0">
+              <a:latin typeface="Arial" charset="0"/>
+            </a:endParaRPr>
+          </a:p>
+          <a:p>
+            <a:r>
+              <a:rPr lang="en-US" altLang="x-none" sz="1600" dirty="0">
+                <a:latin typeface="Arial" charset="0"/>
+              </a:rPr>
+              <a:t>   It doesn’t make you hungry. You feel energetic, alert, and focused.</a:t>
+            </a:r>
+          </a:p>
+          <a:p>
+            <a:r>
+              <a:rPr lang="en-US" altLang="x-none" sz="1600" dirty="0">
+                <a:latin typeface="Arial" charset="0"/>
+              </a:rPr>
+              <a:t>- </a:t>
+            </a:r>
+            <a:r>
+              <a:rPr lang="x-none" altLang="x-none" sz="1600" dirty="0">
+                <a:latin typeface="Arial" charset="0"/>
+              </a:rPr>
+              <a:t>Note (important!) - </a:t>
+            </a:r>
+            <a:r>
+              <a:rPr lang="x-none" altLang="x-none" sz="1600" b="1" dirty="0">
+                <a:solidFill>
+                  <a:srgbClr val="FF0000"/>
+                </a:solidFill>
+                <a:latin typeface="Arial" charset="0"/>
+              </a:rPr>
+              <a:t>the world record in long fasting is 382 days</a:t>
+            </a:r>
+            <a:r>
+              <a:rPr lang="x-none" altLang="x-none" sz="1600" dirty="0">
+                <a:latin typeface="Arial" charset="0"/>
+              </a:rPr>
+              <a:t> ! </a:t>
+            </a:r>
+            <a:br>
+              <a:rPr lang="x-none" altLang="x-none" sz="1600" dirty="0">
+                <a:latin typeface="Arial" charset="0"/>
+              </a:rPr>
+            </a:br>
+            <a:r>
+              <a:rPr lang="en-US" altLang="x-none" sz="1600" dirty="0">
+                <a:latin typeface="Arial" charset="0"/>
+              </a:rPr>
+              <a:t>    </a:t>
+            </a:r>
+            <a:r>
+              <a:rPr lang="x-none" altLang="x-none" sz="1600" dirty="0">
+                <a:latin typeface="Arial" charset="0"/>
+              </a:rPr>
+              <a:t>- </a:t>
+            </a:r>
+            <a:r>
+              <a:rPr lang="x-none" altLang="x-none" sz="1600" dirty="0">
+                <a:latin typeface="Arial" charset="0"/>
+                <a:hlinkClick r:id="rId3"/>
+              </a:rPr>
+              <a:t>http://www.ncbi.nlm.nih.gov/pmc/articles/PMC2495396/</a:t>
+            </a:r>
+            <a:r>
+              <a:rPr lang="x-none" altLang="x-none" sz="1600" dirty="0">
+                <a:latin typeface="Arial" charset="0"/>
+              </a:rPr>
+              <a:t> - </a:t>
+            </a:r>
+            <a:br>
+              <a:rPr lang="x-none" altLang="x-none" sz="1600" dirty="0">
+                <a:latin typeface="Arial" charset="0"/>
+              </a:rPr>
+            </a:br>
+            <a:r>
+              <a:rPr lang="en-US" altLang="x-none" sz="1600" dirty="0">
+                <a:latin typeface="Arial" charset="0"/>
+              </a:rPr>
+              <a:t>    </a:t>
+            </a:r>
+            <a:r>
+              <a:rPr lang="x-none" altLang="x-none" sz="1600" dirty="0">
+                <a:latin typeface="Arial" charset="0"/>
+              </a:rPr>
+              <a:t>- </a:t>
+            </a:r>
+            <a:r>
+              <a:rPr lang="x-none" altLang="x-none" sz="1600" dirty="0">
+                <a:latin typeface="Arial" charset="0"/>
+                <a:hlinkClick r:id="rId4"/>
+              </a:rPr>
+              <a:t>https://www.ncbi.nlm.nih.gov/pmc/articles/PMC2495396/pdf/postmedj00315-0056.pdf</a:t>
+            </a:r>
+            <a:r>
+              <a:rPr lang="x-none" altLang="x-none" sz="1600" dirty="0">
+                <a:latin typeface="Arial" charset="0"/>
+              </a:rPr>
+              <a:t> </a:t>
+            </a:r>
+            <a:r>
+              <a:rPr lang="x-none" altLang="x-none" sz="1600">
+                <a:latin typeface="Arial" charset="0"/>
+              </a:rPr>
+              <a:t>- </a:t>
+            </a:r>
+            <a:endParaRPr lang="en-US" altLang="x-none" sz="1600" dirty="0">
+              <a:latin typeface="Arial" charset="0"/>
+            </a:endParaRPr>
+          </a:p>
+          <a:p>
+            <a:r>
+              <a:rPr lang="x-none" altLang="x-none" sz="1600">
+                <a:latin typeface="Arial" charset="0"/>
+              </a:rPr>
+              <a:t>You </a:t>
+            </a:r>
+            <a:r>
+              <a:rPr lang="x-none" altLang="x-none" sz="1600" b="1" dirty="0">
+                <a:solidFill>
+                  <a:srgbClr val="FF0000"/>
+                </a:solidFill>
+                <a:latin typeface="Arial" charset="0"/>
+              </a:rPr>
+              <a:t>need to have long periods of not-eating</a:t>
+            </a:r>
+            <a:r>
+              <a:rPr lang="x-none" altLang="x-none" sz="1600" dirty="0">
+                <a:latin typeface="Arial" charset="0"/>
+              </a:rPr>
+              <a:t> to allow body to lose weight. </a:t>
+            </a:r>
+            <a:br>
+              <a:rPr lang="x-none" altLang="x-none" sz="1600" dirty="0">
+                <a:latin typeface="Arial" charset="0"/>
+              </a:rPr>
+            </a:br>
+            <a:r>
+              <a:rPr lang="x-none" altLang="x-none" sz="1600" dirty="0">
+                <a:latin typeface="Arial" charset="0"/>
+              </a:rPr>
+              <a:t>Recommended lengths of regular fasting are </a:t>
+            </a:r>
+            <a:r>
+              <a:rPr lang="en-US" altLang="x-none" sz="1600" dirty="0">
+                <a:latin typeface="Arial" charset="0"/>
+              </a:rPr>
+              <a:t>anywhere between </a:t>
+            </a:r>
+            <a:r>
+              <a:rPr lang="x-none" altLang="x-none" sz="1600" dirty="0">
+                <a:latin typeface="Arial" charset="0"/>
+              </a:rPr>
+              <a:t>12 hours to several days. </a:t>
+            </a:r>
+            <a:br>
+              <a:rPr lang="x-none" altLang="x-none" sz="1600" dirty="0">
+                <a:latin typeface="Arial" charset="0"/>
+              </a:rPr>
+            </a:br>
+            <a:r>
+              <a:rPr lang="x-none" altLang="x-none" sz="1600" dirty="0">
+                <a:latin typeface="Arial" charset="0"/>
+              </a:rPr>
+              <a:t>- </a:t>
+            </a:r>
+            <a:r>
+              <a:rPr lang="x-none" altLang="x-none" sz="1600" dirty="0">
+                <a:latin typeface="Arial" charset="0"/>
+                <a:hlinkClick r:id="rId5"/>
+              </a:rPr>
+              <a:t>https://intensivedietarymanagement.com/fasting-regimens-part-6/</a:t>
+            </a:r>
+            <a:r>
+              <a:rPr lang="x-none" altLang="x-none" sz="1600" dirty="0">
+                <a:latin typeface="Arial" charset="0"/>
+              </a:rPr>
+              <a:t> - </a:t>
+            </a:r>
+            <a:br>
+              <a:rPr lang="x-none" altLang="x-none" sz="1600" dirty="0">
+                <a:latin typeface="Arial" charset="0"/>
+              </a:rPr>
+            </a:br>
+            <a:r>
+              <a:rPr lang="x-none" altLang="x-none" sz="1600" dirty="0">
+                <a:latin typeface="Arial" charset="0"/>
+              </a:rPr>
+              <a:t>- </a:t>
+            </a:r>
+            <a:r>
+              <a:rPr lang="x-none" altLang="x-none" sz="1600" dirty="0">
+                <a:latin typeface="Arial" charset="0"/>
+                <a:hlinkClick r:id="rId6"/>
+              </a:rPr>
+              <a:t>https://intensivedietarymanagement.com/longer-fasting-regimens-part-7/</a:t>
+            </a:r>
+            <a:r>
+              <a:rPr lang="x-none" altLang="x-none" sz="1600" dirty="0">
+                <a:latin typeface="Arial" charset="0"/>
+              </a:rPr>
+              <a:t> -</a:t>
+            </a:r>
+            <a:r>
+              <a:rPr lang="en-US" altLang="x-none" sz="1600" dirty="0">
+                <a:latin typeface="Arial" charset="0"/>
+              </a:rPr>
+              <a:t> </a:t>
+            </a:r>
+            <a:endParaRPr lang="en-US" sz="1600" dirty="0"/>
+          </a:p>
+        </p:txBody>
+      </p:sp>
+      <p:pic>
+        <p:nvPicPr>
+          <p:cNvPr id="3" name="Picture 2">
+            <a:extLst>
+              <a:ext uri="{FF2B5EF4-FFF2-40B4-BE49-F238E27FC236}">
+                <a16:creationId xmlns:a16="http://schemas.microsoft.com/office/drawing/2014/main" id="{5CB1A6A3-7531-304A-BB45-3E4691C9D67F}"/>
+              </a:ext>
+            </a:extLst>
+          </p:cNvPr>
+          <p:cNvPicPr>
+            <a:picLocks noChangeAspect="1"/>
+          </p:cNvPicPr>
+          <p:nvPr/>
+        </p:nvPicPr>
+        <p:blipFill>
+          <a:blip r:embed="rId7" cstate="email">
+            <a:extLst>
+              <a:ext uri="{28A0092B-C50C-407E-A947-70E740481C1C}">
+                <a14:useLocalDpi xmlns:a14="http://schemas.microsoft.com/office/drawing/2010/main"/>
+              </a:ext>
+            </a:extLst>
+          </a:blip>
+          <a:stretch>
+            <a:fillRect/>
+          </a:stretch>
+        </p:blipFill>
+        <p:spPr>
+          <a:xfrm>
+            <a:off x="9144000" y="3149583"/>
+            <a:ext cx="3048000" cy="1714500"/>
+          </a:xfrm>
+          <a:prstGeom prst="rect">
+            <a:avLst/>
+          </a:prstGeom>
+        </p:spPr>
+      </p:pic>
+      <p:sp>
+        <p:nvSpPr>
+          <p:cNvPr id="4" name="Right Arrow 3">
+            <a:extLst>
+              <a:ext uri="{FF2B5EF4-FFF2-40B4-BE49-F238E27FC236}">
+                <a16:creationId xmlns:a16="http://schemas.microsoft.com/office/drawing/2014/main" id="{C3B3FC1A-E050-A84B-AB07-4AE52C678591}"/>
+              </a:ext>
+            </a:extLst>
+          </p:cNvPr>
+          <p:cNvSpPr/>
+          <p:nvPr/>
+        </p:nvSpPr>
+        <p:spPr>
+          <a:xfrm rot="20294715">
+            <a:off x="7462684" y="4291777"/>
+            <a:ext cx="1504335" cy="280219"/>
+          </a:xfrm>
+          <a:prstGeom prst="rightArrow">
+            <a:avLst/>
+          </a:prstGeom>
+        </p:spPr>
+        <p:style>
+          <a:lnRef idx="2">
+            <a:schemeClr val="accent1">
+              <a:shade val="50000"/>
+            </a:schemeClr>
+          </a:lnRef>
+          <a:fillRef idx="1">
+            <a:schemeClr val="accent1"/>
+          </a:fillRef>
+          <a:effectRef idx="0">
+            <a:schemeClr val="accent1"/>
+          </a:effectRef>
+          <a:fontRef idx="minor">
+            <a:schemeClr val="lt1"/>
+          </a:fontRef>
+        </p:style>
+        <p:txBody>
+          <a:bodyPr rtlCol="0" anchor="ctr"/>
+          <a:lstStyle/>
+          <a:p>
+            <a:pPr algn="ctr"/>
+            <a:endParaRPr lang="en-US"/>
+          </a:p>
+        </p:txBody>
+      </p:sp>
+    </p:spTree>
+    <p:extLst>
+      <p:ext uri="{BB962C8B-B14F-4D97-AF65-F5344CB8AC3E}">
+        <p14:creationId xmlns:p14="http://schemas.microsoft.com/office/powerpoint/2010/main" val="434787585"/>
+      </p:ext>
+    </p:extLst>
+  </p:cSld>
+  <p:clrMapOvr>
+    <a:masterClrMapping/>
+  </p:clrMapOvr>
+</p:sld>
+</file>
+
+<file path=ppt/slides/slide11.xml><?xml version="1.0" encoding="utf-8"?>
+<p:sld xmlns:a="http://schemas.openxmlformats.org/drawingml/2006/main" xmlns:r="http://schemas.openxmlformats.org/officeDocument/2006/relationships" xmlns:p="http://schemas.openxmlformats.org/presentationml/2006/main">
+  <p:cSld>
+    <p:spTree>
+      <p:nvGrpSpPr>
+        <p:cNvPr id="1" name=""/>
+        <p:cNvGrpSpPr/>
+        <p:nvPr/>
+      </p:nvGrpSpPr>
+      <p:grpSpPr>
+        <a:xfrm>
+          <a:off x="0" y="0"/>
+          <a:ext cx="0" cy="0"/>
+          <a:chOff x="0" y="0"/>
+          <a:chExt cx="0" cy="0"/>
+        </a:xfrm>
+      </p:grpSpPr>
+      <p:sp>
+        <p:nvSpPr>
           <p:cNvPr id="5" name="Rectangle 1"/>
           <p:cNvSpPr>
             <a:spLocks noChangeArrowheads="1"/>
@@ -5065,7 +5865,7 @@
 </p:sld>
 </file>
 
-<file path=ppt/slides/slide11.xml><?xml version="1.0" encoding="utf-8"?>
+<file path=ppt/slides/slide12.xml><?xml version="1.0" encoding="utf-8"?>
 <p:sld xmlns:a="http://schemas.openxmlformats.org/drawingml/2006/main" xmlns:r="http://schemas.openxmlformats.org/officeDocument/2006/relationships" xmlns:p="http://schemas.openxmlformats.org/presentationml/2006/main">
   <p:cSld>
     <p:spTree>
@@ -6318,7 +7118,7 @@
 </p:sld>
 </file>
 
-<file path=ppt/slides/slide12.xml><?xml version="1.0" encoding="utf-8"?>
+<file path=ppt/slides/slide13.xml><?xml version="1.0" encoding="utf-8"?>
 <p:sld xmlns:a="http://schemas.openxmlformats.org/drawingml/2006/main" xmlns:r="http://schemas.openxmlformats.org/officeDocument/2006/relationships" xmlns:p="http://schemas.openxmlformats.org/presentationml/2006/main">
   <p:cSld>
     <p:spTree>
@@ -6600,7 +7400,7 @@
 </p:sld>
 </file>
 
-<file path=ppt/slides/slide13.xml><?xml version="1.0" encoding="utf-8"?>
+<file path=ppt/slides/slide14.xml><?xml version="1.0" encoding="utf-8"?>
 <p:sld xmlns:a="http://schemas.openxmlformats.org/drawingml/2006/main" xmlns:r="http://schemas.openxmlformats.org/officeDocument/2006/relationships" xmlns:p="http://schemas.openxmlformats.org/presentationml/2006/main">
   <p:cSld>
     <p:spTree>
@@ -6660,7 +7460,7 @@
 </p:sld>
 </file>
 
-<file path=ppt/slides/slide14.xml><?xml version="1.0" encoding="utf-8"?>
+<file path=ppt/slides/slide15.xml><?xml version="1.0" encoding="utf-8"?>
 <p:sld xmlns:a="http://schemas.openxmlformats.org/drawingml/2006/main" xmlns:r="http://schemas.openxmlformats.org/officeDocument/2006/relationships" xmlns:p="http://schemas.openxmlformats.org/presentationml/2006/main">
   <p:cSld>
     <p:spTree>
@@ -6928,7 +7728,7 @@
 </p:sld>
 </file>
 
-<file path=ppt/slides/slide15.xml><?xml version="1.0" encoding="utf-8"?>
+<file path=ppt/slides/slide16.xml><?xml version="1.0" encoding="utf-8"?>
 <p:sld xmlns:a="http://schemas.openxmlformats.org/drawingml/2006/main" xmlns:r="http://schemas.openxmlformats.org/officeDocument/2006/relationships" xmlns:p="http://schemas.openxmlformats.org/presentationml/2006/main">
   <p:cSld>
     <p:spTree>
@@ -7105,7 +7905,7 @@
 </p:sld>
 </file>
 
-<file path=ppt/slides/slide16.xml><?xml version="1.0" encoding="utf-8"?>
+<file path=ppt/slides/slide17.xml><?xml version="1.0" encoding="utf-8"?>
 <p:sld xmlns:a="http://schemas.openxmlformats.org/drawingml/2006/main" xmlns:r="http://schemas.openxmlformats.org/officeDocument/2006/relationships" xmlns:p="http://schemas.openxmlformats.org/presentationml/2006/main">
   <p:cSld>
     <p:spTree>
@@ -7568,7 +8368,7 @@
 </p:sld>
 </file>
 
-<file path=ppt/slides/slide17.xml><?xml version="1.0" encoding="utf-8"?>
+<file path=ppt/slides/slide18.xml><?xml version="1.0" encoding="utf-8"?>
 <p:sld xmlns:a="http://schemas.openxmlformats.org/drawingml/2006/main" xmlns:r="http://schemas.openxmlformats.org/officeDocument/2006/relationships" xmlns:p="http://schemas.openxmlformats.org/presentationml/2006/main">
   <p:cSld>
     <p:spTree>
@@ -8207,7 +9007,7 @@
 </p:sld>
 </file>
 
-<file path=ppt/slides/slide18.xml><?xml version="1.0" encoding="utf-8"?>
+<file path=ppt/slides/slide19.xml><?xml version="1.0" encoding="utf-8"?>
 <p:sld xmlns:a="http://schemas.openxmlformats.org/drawingml/2006/main" xmlns:r="http://schemas.openxmlformats.org/officeDocument/2006/relationships" xmlns:p="http://schemas.openxmlformats.org/presentationml/2006/main">
   <p:cSld>
     <p:spTree>
@@ -8506,456 +9306,6 @@
     <p:extLst>
       <p:ext uri="{BB962C8B-B14F-4D97-AF65-F5344CB8AC3E}">
         <p14:creationId xmlns:p14="http://schemas.microsoft.com/office/powerpoint/2010/main" val="1848881918"/>
-      </p:ext>
-    </p:extLst>
-  </p:cSld>
-  <p:clrMapOvr>
-    <a:masterClrMapping/>
-  </p:clrMapOvr>
-</p:sld>
-</file>
-
-<file path=ppt/slides/slide19.xml><?xml version="1.0" encoding="utf-8"?>
-<p:sld xmlns:a="http://schemas.openxmlformats.org/drawingml/2006/main" xmlns:r="http://schemas.openxmlformats.org/officeDocument/2006/relationships" xmlns:p="http://schemas.openxmlformats.org/presentationml/2006/main">
-  <p:cSld>
-    <p:spTree>
-      <p:nvGrpSpPr>
-        <p:cNvPr id="1" name=""/>
-        <p:cNvGrpSpPr/>
-        <p:nvPr/>
-      </p:nvGrpSpPr>
-      <p:grpSpPr>
-        <a:xfrm>
-          <a:off x="0" y="0"/>
-          <a:ext cx="0" cy="0"/>
-          <a:chOff x="0" y="0"/>
-          <a:chExt cx="0" cy="0"/>
-        </a:xfrm>
-      </p:grpSpPr>
-      <p:sp>
-        <p:nvSpPr>
-          <p:cNvPr id="2" name="TextBox 1"/>
-          <p:cNvSpPr txBox="1"/>
-          <p:nvPr/>
-        </p:nvSpPr>
-        <p:spPr>
-          <a:xfrm>
-            <a:off x="110841" y="96985"/>
-            <a:ext cx="11762503" cy="6863417"/>
-          </a:xfrm>
-          <a:prstGeom prst="rect">
-            <a:avLst/>
-          </a:prstGeom>
-          <a:noFill/>
-        </p:spPr>
-        <p:txBody>
-          <a:bodyPr wrap="square" rtlCol="0">
-            <a:spAutoFit/>
-          </a:bodyPr>
-          <a:lstStyle/>
-          <a:p>
-            <a:r>
-              <a:rPr lang="en-US" altLang="x-none" sz="2800" b="1" dirty="0">
-                <a:latin typeface="Arial" charset="0"/>
-              </a:rPr>
-              <a:t>More links:</a:t>
-            </a:r>
-            <a:endParaRPr lang="en-US" sz="2800" b="1" dirty="0">
-              <a:latin typeface="Arial" charset="0"/>
-            </a:endParaRPr>
-          </a:p>
-          <a:p>
-            <a:endParaRPr lang="en-US" sz="800" dirty="0">
-              <a:latin typeface="Arial" panose="020B0604020202020204" pitchFamily="34" charset="0"/>
-              <a:cs typeface="Arial" panose="020B0604020202020204" pitchFamily="34" charset="0"/>
-            </a:endParaRPr>
-          </a:p>
-          <a:p>
-            <a:r>
-              <a:rPr lang="en-US" sz="1600" dirty="0">
-                <a:latin typeface="Arial" panose="020B0604020202020204" pitchFamily="34" charset="0"/>
-                <a:cs typeface="Arial" panose="020B0604020202020204" pitchFamily="34" charset="0"/>
-              </a:rPr>
-              <a:t> - </a:t>
-            </a:r>
-            <a:r>
-              <a:rPr lang="en-US" sz="1600" dirty="0">
-                <a:latin typeface="Arial" panose="020B0604020202020204" pitchFamily="34" charset="0"/>
-                <a:cs typeface="Arial" panose="020B0604020202020204" pitchFamily="34" charset="0"/>
-                <a:hlinkClick r:id="rId2"/>
-              </a:rPr>
-              <a:t>https://www.veghealth.com</a:t>
-            </a:r>
-            <a:r>
-              <a:rPr lang="en-US" sz="1600" dirty="0">
-                <a:latin typeface="Arial" panose="020B0604020202020204" pitchFamily="34" charset="0"/>
-                <a:cs typeface="Arial" panose="020B0604020202020204" pitchFamily="34" charset="0"/>
-              </a:rPr>
-              <a:t> - Discover How to Thrive on a Vegetarian Diet</a:t>
-            </a:r>
-          </a:p>
-          <a:p>
-            <a:r>
-              <a:rPr lang="en-US" sz="1600" dirty="0">
-                <a:latin typeface="Arial" panose="020B0604020202020204" pitchFamily="34" charset="0"/>
-                <a:cs typeface="Arial" panose="020B0604020202020204" pitchFamily="34" charset="0"/>
-              </a:rPr>
-              <a:t> - </a:t>
-            </a:r>
-            <a:r>
-              <a:rPr lang="en-US" sz="1600" dirty="0">
-                <a:latin typeface="Arial" panose="020B0604020202020204" pitchFamily="34" charset="0"/>
-                <a:cs typeface="Arial" panose="020B0604020202020204" pitchFamily="34" charset="0"/>
-                <a:hlinkClick r:id="rId3"/>
-              </a:rPr>
-              <a:t>https://youtu.be/LkXwfTsqQgQ</a:t>
-            </a:r>
-            <a:r>
-              <a:rPr lang="en-US" sz="1600" dirty="0">
-                <a:latin typeface="Arial" panose="020B0604020202020204" pitchFamily="34" charset="0"/>
-                <a:cs typeface="Arial" panose="020B0604020202020204" pitchFamily="34" charset="0"/>
-              </a:rPr>
-              <a:t> - muscles matter</a:t>
-            </a:r>
-          </a:p>
-          <a:p>
-            <a:r>
-              <a:rPr lang="en-US" sz="1600" dirty="0">
-                <a:latin typeface="Arial" panose="020B0604020202020204" pitchFamily="34" charset="0"/>
-                <a:cs typeface="Arial" panose="020B0604020202020204" pitchFamily="34" charset="0"/>
-              </a:rPr>
-              <a:t> - </a:t>
-            </a:r>
-            <a:r>
-              <a:rPr lang="en-US" sz="1600" dirty="0">
-                <a:latin typeface="Arial" panose="020B0604020202020204" pitchFamily="34" charset="0"/>
-                <a:cs typeface="Arial" panose="020B0604020202020204" pitchFamily="34" charset="0"/>
-                <a:hlinkClick r:id="rId4"/>
-              </a:rPr>
-              <a:t>https://youtu.be/0z03xkwFbw4</a:t>
-            </a:r>
-            <a:r>
-              <a:rPr lang="en-US" sz="1600" dirty="0">
-                <a:latin typeface="Arial" panose="020B0604020202020204" pitchFamily="34" charset="0"/>
-                <a:cs typeface="Arial" panose="020B0604020202020204" pitchFamily="34" charset="0"/>
-              </a:rPr>
-              <a:t> - custom diets for different people (depends on microbiome)</a:t>
-            </a:r>
-          </a:p>
-          <a:p>
-            <a:r>
-              <a:rPr lang="en-US" sz="1600" dirty="0">
-                <a:latin typeface="Arial" panose="020B0604020202020204" pitchFamily="34" charset="0"/>
-                <a:cs typeface="Arial" panose="020B0604020202020204" pitchFamily="34" charset="0"/>
-              </a:rPr>
-              <a:t> - </a:t>
-            </a:r>
-            <a:r>
-              <a:rPr lang="en-US" sz="1600" dirty="0">
-                <a:latin typeface="Arial" panose="020B0604020202020204" pitchFamily="34" charset="0"/>
-                <a:cs typeface="Arial" panose="020B0604020202020204" pitchFamily="34" charset="0"/>
-                <a:hlinkClick r:id="rId5"/>
-              </a:rPr>
-              <a:t>http://www.npr.org/sections/thesalt/2015/04/11/398325030/eating-to-break-100-longevity-diet-tips-from-the-blue-zones</a:t>
-            </a:r>
-            <a:r>
-              <a:rPr lang="en-US" sz="1600" dirty="0">
-                <a:latin typeface="Arial" panose="020B0604020202020204" pitchFamily="34" charset="0"/>
-                <a:cs typeface="Arial" panose="020B0604020202020204" pitchFamily="34" charset="0"/>
-              </a:rPr>
-              <a:t> - </a:t>
-            </a:r>
-          </a:p>
-          <a:p>
-            <a:r>
-              <a:rPr lang="en-US" sz="1600" dirty="0">
-                <a:latin typeface="Arial" panose="020B0604020202020204" pitchFamily="34" charset="0"/>
-                <a:cs typeface="Arial" panose="020B0604020202020204" pitchFamily="34" charset="0"/>
-              </a:rPr>
-              <a:t>    from the book “</a:t>
-            </a:r>
-            <a:r>
-              <a:rPr lang="en-US" sz="1600" dirty="0">
-                <a:solidFill>
-                  <a:srgbClr val="00B0F0"/>
-                </a:solidFill>
-                <a:latin typeface="Arial" panose="020B0604020202020204" pitchFamily="34" charset="0"/>
-                <a:cs typeface="Arial" panose="020B0604020202020204" pitchFamily="34" charset="0"/>
-              </a:rPr>
-              <a:t>The Blue Zones Solution</a:t>
-            </a:r>
-            <a:r>
-              <a:rPr lang="en-US" sz="1600" dirty="0">
-                <a:latin typeface="Arial" panose="020B0604020202020204" pitchFamily="34" charset="0"/>
-                <a:cs typeface="Arial" panose="020B0604020202020204" pitchFamily="34" charset="0"/>
-              </a:rPr>
-              <a:t>” by  Dan </a:t>
-            </a:r>
-            <a:r>
-              <a:rPr lang="en-US" sz="1600" dirty="0" err="1">
-                <a:latin typeface="Arial" panose="020B0604020202020204" pitchFamily="34" charset="0"/>
-                <a:cs typeface="Arial" panose="020B0604020202020204" pitchFamily="34" charset="0"/>
-              </a:rPr>
-              <a:t>Buettner</a:t>
-            </a:r>
-            <a:r>
-              <a:rPr lang="en-US" sz="1600" dirty="0">
-                <a:latin typeface="Arial" panose="020B0604020202020204" pitchFamily="34" charset="0"/>
-                <a:cs typeface="Arial" panose="020B0604020202020204" pitchFamily="34" charset="0"/>
-              </a:rPr>
-              <a:t>, National Geographic explorer</a:t>
-            </a:r>
-          </a:p>
-          <a:p>
-            <a:pPr marL="1200150" lvl="2" indent="-285750">
-              <a:buFont typeface="Arial" panose="020B0604020202020204" pitchFamily="34" charset="0"/>
-              <a:buChar char="•"/>
-            </a:pPr>
-            <a:r>
-              <a:rPr lang="en-US" sz="1600" dirty="0">
-                <a:latin typeface="Arial" panose="020B0604020202020204" pitchFamily="34" charset="0"/>
-                <a:cs typeface="Arial" panose="020B0604020202020204" pitchFamily="34" charset="0"/>
-              </a:rPr>
-              <a:t>Stop eating when your stomach is 80 percent full to avoid weight gain</a:t>
-            </a:r>
-          </a:p>
-          <a:p>
-            <a:pPr marL="1200150" lvl="2" indent="-285750">
-              <a:buFont typeface="Arial" panose="020B0604020202020204" pitchFamily="34" charset="0"/>
-              <a:buChar char="•"/>
-            </a:pPr>
-            <a:r>
-              <a:rPr lang="en-US" sz="1600" dirty="0">
-                <a:latin typeface="Arial" panose="020B0604020202020204" pitchFamily="34" charset="0"/>
-                <a:cs typeface="Arial" panose="020B0604020202020204" pitchFamily="34" charset="0"/>
-              </a:rPr>
-              <a:t>Eat the smallest meal of the day in the late afternoon or evening</a:t>
-            </a:r>
-          </a:p>
-          <a:p>
-            <a:pPr marL="1200150" lvl="2" indent="-285750">
-              <a:buFont typeface="Arial" panose="020B0604020202020204" pitchFamily="34" charset="0"/>
-              <a:buChar char="•"/>
-            </a:pPr>
-            <a:r>
-              <a:rPr lang="en-US" sz="1600" dirty="0">
-                <a:latin typeface="Arial" panose="020B0604020202020204" pitchFamily="34" charset="0"/>
-                <a:cs typeface="Arial" panose="020B0604020202020204" pitchFamily="34" charset="0"/>
-              </a:rPr>
-              <a:t>Eat mostly plants, especially beans. </a:t>
-            </a:r>
-          </a:p>
-          <a:p>
-            <a:pPr marL="1200150" lvl="2" indent="-285750">
-              <a:buFont typeface="Arial" panose="020B0604020202020204" pitchFamily="34" charset="0"/>
-              <a:buChar char="•"/>
-            </a:pPr>
-            <a:r>
-              <a:rPr lang="en-US" sz="1600" dirty="0">
-                <a:latin typeface="Arial" panose="020B0604020202020204" pitchFamily="34" charset="0"/>
-                <a:cs typeface="Arial" panose="020B0604020202020204" pitchFamily="34" charset="0"/>
-              </a:rPr>
-              <a:t>Eat meat rarely (once a week, small portion of 3 to 4 ounces)</a:t>
-            </a:r>
-          </a:p>
-          <a:p>
-            <a:pPr marL="1200150" lvl="2" indent="-285750">
-              <a:buFont typeface="Arial" panose="020B0604020202020204" pitchFamily="34" charset="0"/>
-              <a:buChar char="•"/>
-            </a:pPr>
-            <a:r>
-              <a:rPr lang="en-US" sz="1600" dirty="0">
-                <a:latin typeface="Arial" panose="020B0604020202020204" pitchFamily="34" charset="0"/>
-                <a:cs typeface="Arial" panose="020B0604020202020204" pitchFamily="34" charset="0"/>
-              </a:rPr>
-              <a:t>Drink alcohol moderately and regularly, i.e. 1-2 glasses a day.</a:t>
-            </a:r>
-          </a:p>
-          <a:p>
-            <a:endParaRPr lang="en-US" sz="800" dirty="0">
-              <a:latin typeface="Arial" panose="020B0604020202020204" pitchFamily="34" charset="0"/>
-              <a:cs typeface="Arial" panose="020B0604020202020204" pitchFamily="34" charset="0"/>
-            </a:endParaRPr>
-          </a:p>
-          <a:p>
-            <a:r>
-              <a:rPr lang="en-US" sz="2800" b="1" dirty="0">
-                <a:latin typeface="Arial" panose="020B0604020202020204" pitchFamily="34" charset="0"/>
-                <a:cs typeface="Arial" panose="020B0604020202020204" pitchFamily="34" charset="0"/>
-              </a:rPr>
-              <a:t>Five Blue Zones:</a:t>
-            </a:r>
-          </a:p>
-          <a:p>
-            <a:pPr marL="285750" indent="-285750">
-              <a:buFont typeface="Arial" panose="020B0604020202020204" pitchFamily="34" charset="0"/>
-              <a:buChar char="•"/>
-            </a:pPr>
-            <a:r>
-              <a:rPr lang="en-US" sz="1600" dirty="0">
-                <a:latin typeface="Arial" panose="020B0604020202020204" pitchFamily="34" charset="0"/>
-                <a:cs typeface="Arial" panose="020B0604020202020204" pitchFamily="34" charset="0"/>
-              </a:rPr>
-              <a:t> </a:t>
-            </a:r>
-            <a:r>
-              <a:rPr lang="en-US" sz="1600" dirty="0">
-                <a:solidFill>
-                  <a:srgbClr val="FF0000"/>
-                </a:solidFill>
-                <a:latin typeface="Arial" panose="020B0604020202020204" pitchFamily="34" charset="0"/>
-                <a:cs typeface="Arial" panose="020B0604020202020204" pitchFamily="34" charset="0"/>
-              </a:rPr>
-              <a:t>Ikaria, Greece </a:t>
-            </a:r>
-            <a:r>
-              <a:rPr lang="en-US" sz="1600" dirty="0">
-                <a:latin typeface="Arial" panose="020B0604020202020204" pitchFamily="34" charset="0"/>
-                <a:cs typeface="Arial" panose="020B0604020202020204" pitchFamily="34" charset="0"/>
-              </a:rPr>
-              <a:t>- potatoes, goat's milk, honey, legumes (especially garbanzo beans, black-eyed peas, and lentils), wild greens, some fruit and relatively small amounts of fish, feta cheese, lemons and herbs like sage and marjoram. Rarely goat meat</a:t>
-            </a:r>
-          </a:p>
-          <a:p>
-            <a:pPr marL="285750" indent="-285750">
-              <a:buFont typeface="Arial" panose="020B0604020202020204" pitchFamily="34" charset="0"/>
-              <a:buChar char="•"/>
-            </a:pPr>
-            <a:r>
-              <a:rPr lang="en-US" sz="1600" dirty="0">
-                <a:latin typeface="Arial" panose="020B0604020202020204" pitchFamily="34" charset="0"/>
-                <a:cs typeface="Arial" panose="020B0604020202020204" pitchFamily="34" charset="0"/>
-              </a:rPr>
-              <a:t> </a:t>
-            </a:r>
-            <a:r>
-              <a:rPr lang="en-US" sz="1600" dirty="0">
-                <a:solidFill>
-                  <a:srgbClr val="FF0000"/>
-                </a:solidFill>
-                <a:latin typeface="Arial" panose="020B0604020202020204" pitchFamily="34" charset="0"/>
-                <a:cs typeface="Arial" panose="020B0604020202020204" pitchFamily="34" charset="0"/>
-              </a:rPr>
-              <a:t>Okinawa, Japan </a:t>
-            </a:r>
-            <a:r>
-              <a:rPr lang="en-US" sz="1600" dirty="0">
-                <a:latin typeface="Arial" panose="020B0604020202020204" pitchFamily="34" charset="0"/>
-                <a:cs typeface="Arial" panose="020B0604020202020204" pitchFamily="34" charset="0"/>
-              </a:rPr>
-              <a:t>- seaweed, turmeric and sweet potato, bitter melons, tofu, garlic, brown rice, green tea and shitake mushrooms.</a:t>
-            </a:r>
-          </a:p>
-          <a:p>
-            <a:pPr marL="285750" indent="-285750">
-              <a:buFont typeface="Arial" panose="020B0604020202020204" pitchFamily="34" charset="0"/>
-              <a:buChar char="•"/>
-            </a:pPr>
-            <a:r>
-              <a:rPr lang="en-US" sz="1600" dirty="0">
-                <a:latin typeface="Arial" panose="020B0604020202020204" pitchFamily="34" charset="0"/>
-                <a:cs typeface="Arial" panose="020B0604020202020204" pitchFamily="34" charset="0"/>
-              </a:rPr>
-              <a:t> </a:t>
-            </a:r>
-            <a:r>
-              <a:rPr lang="en-US" sz="1600" dirty="0">
-                <a:solidFill>
-                  <a:srgbClr val="FF0000"/>
-                </a:solidFill>
-                <a:latin typeface="Arial" panose="020B0604020202020204" pitchFamily="34" charset="0"/>
-                <a:cs typeface="Arial" panose="020B0604020202020204" pitchFamily="34" charset="0"/>
-              </a:rPr>
-              <a:t>Sardinia, Italy </a:t>
-            </a:r>
-            <a:r>
-              <a:rPr lang="en-US" sz="1600" dirty="0">
-                <a:latin typeface="Arial" panose="020B0604020202020204" pitchFamily="34" charset="0"/>
-                <a:cs typeface="Arial" panose="020B0604020202020204" pitchFamily="34" charset="0"/>
-              </a:rPr>
-              <a:t>- goat's milk and sheep's cheese, flat bread, sourdough bread and barley, plenty of fennel, fava beans, chickpeas, tomatoes, almonds, milk thistle tea and wine from Grenache grapes.</a:t>
-            </a:r>
-          </a:p>
-          <a:p>
-            <a:pPr marL="285750" indent="-285750">
-              <a:buFont typeface="Arial" panose="020B0604020202020204" pitchFamily="34" charset="0"/>
-              <a:buChar char="•"/>
-            </a:pPr>
-            <a:r>
-              <a:rPr lang="en-US" sz="1600" dirty="0">
-                <a:latin typeface="Arial" panose="020B0604020202020204" pitchFamily="34" charset="0"/>
-                <a:cs typeface="Arial" panose="020B0604020202020204" pitchFamily="34" charset="0"/>
-              </a:rPr>
-              <a:t> </a:t>
-            </a:r>
-            <a:r>
-              <a:rPr lang="en-US" sz="1600" dirty="0">
-                <a:solidFill>
-                  <a:srgbClr val="FF0000"/>
-                </a:solidFill>
-                <a:latin typeface="Arial" panose="020B0604020202020204" pitchFamily="34" charset="0"/>
-                <a:cs typeface="Arial" panose="020B0604020202020204" pitchFamily="34" charset="0"/>
-              </a:rPr>
-              <a:t>Loma Linda, Calif </a:t>
-            </a:r>
-            <a:r>
-              <a:rPr lang="en-US" sz="1600" dirty="0">
-                <a:latin typeface="Arial" panose="020B0604020202020204" pitchFamily="34" charset="0"/>
-                <a:cs typeface="Arial" panose="020B0604020202020204" pitchFamily="34" charset="0"/>
-              </a:rPr>
-              <a:t>- Seventh-day Adventists - mostly plant-based diet (grains, fruits, nuts and vegetables, and drink only water. Some of them eat small amounts of meat and fish.) Sugar is taboo. Their top foods include avocados, salmon, nuts, beans, oatmeal, whole wheat bread and soy milk. </a:t>
-            </a:r>
-            <a:r>
-              <a:rPr lang="en-US" sz="1600" dirty="0" err="1">
-                <a:latin typeface="Arial" panose="020B0604020202020204" pitchFamily="34" charset="0"/>
-                <a:cs typeface="Arial" panose="020B0604020202020204" pitchFamily="34" charset="0"/>
-              </a:rPr>
-              <a:t>Pesco</a:t>
-            </a:r>
-            <a:r>
-              <a:rPr lang="en-US" sz="1600" dirty="0">
-                <a:latin typeface="Arial" panose="020B0604020202020204" pitchFamily="34" charset="0"/>
-                <a:cs typeface="Arial" panose="020B0604020202020204" pitchFamily="34" charset="0"/>
-              </a:rPr>
-              <a:t>-vegetarians in the community, who ate a plant-based diet with up to one serving of fish a day, lived longer than vegan Adventists</a:t>
-            </a:r>
-          </a:p>
-          <a:p>
-            <a:pPr marL="285750" indent="-285750">
-              <a:buFont typeface="Arial" panose="020B0604020202020204" pitchFamily="34" charset="0"/>
-              <a:buChar char="•"/>
-            </a:pPr>
-            <a:r>
-              <a:rPr lang="en-US" sz="1600" dirty="0">
-                <a:latin typeface="Arial" panose="020B0604020202020204" pitchFamily="34" charset="0"/>
-                <a:cs typeface="Arial" panose="020B0604020202020204" pitchFamily="34" charset="0"/>
-              </a:rPr>
-              <a:t> </a:t>
-            </a:r>
-            <a:r>
-              <a:rPr lang="en-US" sz="1600" dirty="0">
-                <a:solidFill>
-                  <a:srgbClr val="FF0000"/>
-                </a:solidFill>
-                <a:latin typeface="Arial" panose="020B0604020202020204" pitchFamily="34" charset="0"/>
-                <a:cs typeface="Arial" panose="020B0604020202020204" pitchFamily="34" charset="0"/>
-              </a:rPr>
-              <a:t>Nicoya Peninsula, Costa Rica </a:t>
-            </a:r>
-            <a:r>
-              <a:rPr lang="en-US" sz="1600" dirty="0">
-                <a:latin typeface="Arial" panose="020B0604020202020204" pitchFamily="34" charset="0"/>
-                <a:cs typeface="Arial" panose="020B0604020202020204" pitchFamily="34" charset="0"/>
-              </a:rPr>
-              <a:t>- beans, corn and squash. papayas, yams, bananas and peach palms (fruit).</a:t>
-            </a:r>
-          </a:p>
-        </p:txBody>
-      </p:sp>
-    </p:spTree>
-    <p:extLst>
-      <p:ext uri="{BB962C8B-B14F-4D97-AF65-F5344CB8AC3E}">
-        <p14:creationId xmlns:p14="http://schemas.microsoft.com/office/powerpoint/2010/main" val="1515992185"/>
       </p:ext>
     </p:extLst>
   </p:cSld>
@@ -9230,6 +9580,456 @@
         </p:nvSpPr>
         <p:spPr>
           <a:xfrm>
+            <a:off x="110841" y="96985"/>
+            <a:ext cx="11762503" cy="6863417"/>
+          </a:xfrm>
+          <a:prstGeom prst="rect">
+            <a:avLst/>
+          </a:prstGeom>
+          <a:noFill/>
+        </p:spPr>
+        <p:txBody>
+          <a:bodyPr wrap="square" rtlCol="0">
+            <a:spAutoFit/>
+          </a:bodyPr>
+          <a:lstStyle/>
+          <a:p>
+            <a:r>
+              <a:rPr lang="en-US" altLang="x-none" sz="2800" b="1" dirty="0">
+                <a:latin typeface="Arial" charset="0"/>
+              </a:rPr>
+              <a:t>More links:</a:t>
+            </a:r>
+            <a:endParaRPr lang="en-US" sz="2800" b="1" dirty="0">
+              <a:latin typeface="Arial" charset="0"/>
+            </a:endParaRPr>
+          </a:p>
+          <a:p>
+            <a:endParaRPr lang="en-US" sz="800" dirty="0">
+              <a:latin typeface="Arial" panose="020B0604020202020204" pitchFamily="34" charset="0"/>
+              <a:cs typeface="Arial" panose="020B0604020202020204" pitchFamily="34" charset="0"/>
+            </a:endParaRPr>
+          </a:p>
+          <a:p>
+            <a:r>
+              <a:rPr lang="en-US" sz="1600" dirty="0">
+                <a:latin typeface="Arial" panose="020B0604020202020204" pitchFamily="34" charset="0"/>
+                <a:cs typeface="Arial" panose="020B0604020202020204" pitchFamily="34" charset="0"/>
+              </a:rPr>
+              <a:t> - </a:t>
+            </a:r>
+            <a:r>
+              <a:rPr lang="en-US" sz="1600" dirty="0">
+                <a:latin typeface="Arial" panose="020B0604020202020204" pitchFamily="34" charset="0"/>
+                <a:cs typeface="Arial" panose="020B0604020202020204" pitchFamily="34" charset="0"/>
+                <a:hlinkClick r:id="rId2"/>
+              </a:rPr>
+              <a:t>https://www.veghealth.com</a:t>
+            </a:r>
+            <a:r>
+              <a:rPr lang="en-US" sz="1600" dirty="0">
+                <a:latin typeface="Arial" panose="020B0604020202020204" pitchFamily="34" charset="0"/>
+                <a:cs typeface="Arial" panose="020B0604020202020204" pitchFamily="34" charset="0"/>
+              </a:rPr>
+              <a:t> - Discover How to Thrive on a Vegetarian Diet</a:t>
+            </a:r>
+          </a:p>
+          <a:p>
+            <a:r>
+              <a:rPr lang="en-US" sz="1600" dirty="0">
+                <a:latin typeface="Arial" panose="020B0604020202020204" pitchFamily="34" charset="0"/>
+                <a:cs typeface="Arial" panose="020B0604020202020204" pitchFamily="34" charset="0"/>
+              </a:rPr>
+              <a:t> - </a:t>
+            </a:r>
+            <a:r>
+              <a:rPr lang="en-US" sz="1600" dirty="0">
+                <a:latin typeface="Arial" panose="020B0604020202020204" pitchFamily="34" charset="0"/>
+                <a:cs typeface="Arial" panose="020B0604020202020204" pitchFamily="34" charset="0"/>
+                <a:hlinkClick r:id="rId3"/>
+              </a:rPr>
+              <a:t>https://youtu.be/LkXwfTsqQgQ</a:t>
+            </a:r>
+            <a:r>
+              <a:rPr lang="en-US" sz="1600" dirty="0">
+                <a:latin typeface="Arial" panose="020B0604020202020204" pitchFamily="34" charset="0"/>
+                <a:cs typeface="Arial" panose="020B0604020202020204" pitchFamily="34" charset="0"/>
+              </a:rPr>
+              <a:t> - muscles matter</a:t>
+            </a:r>
+          </a:p>
+          <a:p>
+            <a:r>
+              <a:rPr lang="en-US" sz="1600" dirty="0">
+                <a:latin typeface="Arial" panose="020B0604020202020204" pitchFamily="34" charset="0"/>
+                <a:cs typeface="Arial" panose="020B0604020202020204" pitchFamily="34" charset="0"/>
+              </a:rPr>
+              <a:t> - </a:t>
+            </a:r>
+            <a:r>
+              <a:rPr lang="en-US" sz="1600" dirty="0">
+                <a:latin typeface="Arial" panose="020B0604020202020204" pitchFamily="34" charset="0"/>
+                <a:cs typeface="Arial" panose="020B0604020202020204" pitchFamily="34" charset="0"/>
+                <a:hlinkClick r:id="rId4"/>
+              </a:rPr>
+              <a:t>https://youtu.be/0z03xkwFbw4</a:t>
+            </a:r>
+            <a:r>
+              <a:rPr lang="en-US" sz="1600" dirty="0">
+                <a:latin typeface="Arial" panose="020B0604020202020204" pitchFamily="34" charset="0"/>
+                <a:cs typeface="Arial" panose="020B0604020202020204" pitchFamily="34" charset="0"/>
+              </a:rPr>
+              <a:t> - custom diets for different people (depends on microbiome)</a:t>
+            </a:r>
+          </a:p>
+          <a:p>
+            <a:r>
+              <a:rPr lang="en-US" sz="1600" dirty="0">
+                <a:latin typeface="Arial" panose="020B0604020202020204" pitchFamily="34" charset="0"/>
+                <a:cs typeface="Arial" panose="020B0604020202020204" pitchFamily="34" charset="0"/>
+              </a:rPr>
+              <a:t> - </a:t>
+            </a:r>
+            <a:r>
+              <a:rPr lang="en-US" sz="1600" dirty="0">
+                <a:latin typeface="Arial" panose="020B0604020202020204" pitchFamily="34" charset="0"/>
+                <a:cs typeface="Arial" panose="020B0604020202020204" pitchFamily="34" charset="0"/>
+                <a:hlinkClick r:id="rId5"/>
+              </a:rPr>
+              <a:t>http://www.npr.org/sections/thesalt/2015/04/11/398325030/eating-to-break-100-longevity-diet-tips-from-the-blue-zones</a:t>
+            </a:r>
+            <a:r>
+              <a:rPr lang="en-US" sz="1600" dirty="0">
+                <a:latin typeface="Arial" panose="020B0604020202020204" pitchFamily="34" charset="0"/>
+                <a:cs typeface="Arial" panose="020B0604020202020204" pitchFamily="34" charset="0"/>
+              </a:rPr>
+              <a:t> - </a:t>
+            </a:r>
+          </a:p>
+          <a:p>
+            <a:r>
+              <a:rPr lang="en-US" sz="1600" dirty="0">
+                <a:latin typeface="Arial" panose="020B0604020202020204" pitchFamily="34" charset="0"/>
+                <a:cs typeface="Arial" panose="020B0604020202020204" pitchFamily="34" charset="0"/>
+              </a:rPr>
+              <a:t>    from the book “</a:t>
+            </a:r>
+            <a:r>
+              <a:rPr lang="en-US" sz="1600" dirty="0">
+                <a:solidFill>
+                  <a:srgbClr val="00B0F0"/>
+                </a:solidFill>
+                <a:latin typeface="Arial" panose="020B0604020202020204" pitchFamily="34" charset="0"/>
+                <a:cs typeface="Arial" panose="020B0604020202020204" pitchFamily="34" charset="0"/>
+              </a:rPr>
+              <a:t>The Blue Zones Solution</a:t>
+            </a:r>
+            <a:r>
+              <a:rPr lang="en-US" sz="1600" dirty="0">
+                <a:latin typeface="Arial" panose="020B0604020202020204" pitchFamily="34" charset="0"/>
+                <a:cs typeface="Arial" panose="020B0604020202020204" pitchFamily="34" charset="0"/>
+              </a:rPr>
+              <a:t>” by  Dan </a:t>
+            </a:r>
+            <a:r>
+              <a:rPr lang="en-US" sz="1600" dirty="0" err="1">
+                <a:latin typeface="Arial" panose="020B0604020202020204" pitchFamily="34" charset="0"/>
+                <a:cs typeface="Arial" panose="020B0604020202020204" pitchFamily="34" charset="0"/>
+              </a:rPr>
+              <a:t>Buettner</a:t>
+            </a:r>
+            <a:r>
+              <a:rPr lang="en-US" sz="1600" dirty="0">
+                <a:latin typeface="Arial" panose="020B0604020202020204" pitchFamily="34" charset="0"/>
+                <a:cs typeface="Arial" panose="020B0604020202020204" pitchFamily="34" charset="0"/>
+              </a:rPr>
+              <a:t>, National Geographic explorer</a:t>
+            </a:r>
+          </a:p>
+          <a:p>
+            <a:pPr marL="1200150" lvl="2" indent="-285750">
+              <a:buFont typeface="Arial" panose="020B0604020202020204" pitchFamily="34" charset="0"/>
+              <a:buChar char="•"/>
+            </a:pPr>
+            <a:r>
+              <a:rPr lang="en-US" sz="1600" dirty="0">
+                <a:latin typeface="Arial" panose="020B0604020202020204" pitchFamily="34" charset="0"/>
+                <a:cs typeface="Arial" panose="020B0604020202020204" pitchFamily="34" charset="0"/>
+              </a:rPr>
+              <a:t>Stop eating when your stomach is 80 percent full to avoid weight gain</a:t>
+            </a:r>
+          </a:p>
+          <a:p>
+            <a:pPr marL="1200150" lvl="2" indent="-285750">
+              <a:buFont typeface="Arial" panose="020B0604020202020204" pitchFamily="34" charset="0"/>
+              <a:buChar char="•"/>
+            </a:pPr>
+            <a:r>
+              <a:rPr lang="en-US" sz="1600" dirty="0">
+                <a:latin typeface="Arial" panose="020B0604020202020204" pitchFamily="34" charset="0"/>
+                <a:cs typeface="Arial" panose="020B0604020202020204" pitchFamily="34" charset="0"/>
+              </a:rPr>
+              <a:t>Eat the smallest meal of the day in the late afternoon or evening</a:t>
+            </a:r>
+          </a:p>
+          <a:p>
+            <a:pPr marL="1200150" lvl="2" indent="-285750">
+              <a:buFont typeface="Arial" panose="020B0604020202020204" pitchFamily="34" charset="0"/>
+              <a:buChar char="•"/>
+            </a:pPr>
+            <a:r>
+              <a:rPr lang="en-US" sz="1600" dirty="0">
+                <a:latin typeface="Arial" panose="020B0604020202020204" pitchFamily="34" charset="0"/>
+                <a:cs typeface="Arial" panose="020B0604020202020204" pitchFamily="34" charset="0"/>
+              </a:rPr>
+              <a:t>Eat mostly plants, especially beans. </a:t>
+            </a:r>
+          </a:p>
+          <a:p>
+            <a:pPr marL="1200150" lvl="2" indent="-285750">
+              <a:buFont typeface="Arial" panose="020B0604020202020204" pitchFamily="34" charset="0"/>
+              <a:buChar char="•"/>
+            </a:pPr>
+            <a:r>
+              <a:rPr lang="en-US" sz="1600" dirty="0">
+                <a:latin typeface="Arial" panose="020B0604020202020204" pitchFamily="34" charset="0"/>
+                <a:cs typeface="Arial" panose="020B0604020202020204" pitchFamily="34" charset="0"/>
+              </a:rPr>
+              <a:t>Eat meat rarely (once a week, small portion of 3 to 4 ounces)</a:t>
+            </a:r>
+          </a:p>
+          <a:p>
+            <a:pPr marL="1200150" lvl="2" indent="-285750">
+              <a:buFont typeface="Arial" panose="020B0604020202020204" pitchFamily="34" charset="0"/>
+              <a:buChar char="•"/>
+            </a:pPr>
+            <a:r>
+              <a:rPr lang="en-US" sz="1600" dirty="0">
+                <a:latin typeface="Arial" panose="020B0604020202020204" pitchFamily="34" charset="0"/>
+                <a:cs typeface="Arial" panose="020B0604020202020204" pitchFamily="34" charset="0"/>
+              </a:rPr>
+              <a:t>Drink alcohol moderately and regularly, i.e. 1-2 glasses a day.</a:t>
+            </a:r>
+          </a:p>
+          <a:p>
+            <a:endParaRPr lang="en-US" sz="800" dirty="0">
+              <a:latin typeface="Arial" panose="020B0604020202020204" pitchFamily="34" charset="0"/>
+              <a:cs typeface="Arial" panose="020B0604020202020204" pitchFamily="34" charset="0"/>
+            </a:endParaRPr>
+          </a:p>
+          <a:p>
+            <a:r>
+              <a:rPr lang="en-US" sz="2800" b="1" dirty="0">
+                <a:latin typeface="Arial" panose="020B0604020202020204" pitchFamily="34" charset="0"/>
+                <a:cs typeface="Arial" panose="020B0604020202020204" pitchFamily="34" charset="0"/>
+              </a:rPr>
+              <a:t>Five Blue Zones:</a:t>
+            </a:r>
+          </a:p>
+          <a:p>
+            <a:pPr marL="285750" indent="-285750">
+              <a:buFont typeface="Arial" panose="020B0604020202020204" pitchFamily="34" charset="0"/>
+              <a:buChar char="•"/>
+            </a:pPr>
+            <a:r>
+              <a:rPr lang="en-US" sz="1600" dirty="0">
+                <a:latin typeface="Arial" panose="020B0604020202020204" pitchFamily="34" charset="0"/>
+                <a:cs typeface="Arial" panose="020B0604020202020204" pitchFamily="34" charset="0"/>
+              </a:rPr>
+              <a:t> </a:t>
+            </a:r>
+            <a:r>
+              <a:rPr lang="en-US" sz="1600" dirty="0">
+                <a:solidFill>
+                  <a:srgbClr val="FF0000"/>
+                </a:solidFill>
+                <a:latin typeface="Arial" panose="020B0604020202020204" pitchFamily="34" charset="0"/>
+                <a:cs typeface="Arial" panose="020B0604020202020204" pitchFamily="34" charset="0"/>
+              </a:rPr>
+              <a:t>Ikaria, Greece </a:t>
+            </a:r>
+            <a:r>
+              <a:rPr lang="en-US" sz="1600" dirty="0">
+                <a:latin typeface="Arial" panose="020B0604020202020204" pitchFamily="34" charset="0"/>
+                <a:cs typeface="Arial" panose="020B0604020202020204" pitchFamily="34" charset="0"/>
+              </a:rPr>
+              <a:t>- potatoes, goat's milk, honey, legumes (especially garbanzo beans, black-eyed peas, and lentils), wild greens, some fruit and relatively small amounts of fish, feta cheese, lemons and herbs like sage and marjoram. Rarely goat meat</a:t>
+            </a:r>
+          </a:p>
+          <a:p>
+            <a:pPr marL="285750" indent="-285750">
+              <a:buFont typeface="Arial" panose="020B0604020202020204" pitchFamily="34" charset="0"/>
+              <a:buChar char="•"/>
+            </a:pPr>
+            <a:r>
+              <a:rPr lang="en-US" sz="1600" dirty="0">
+                <a:latin typeface="Arial" panose="020B0604020202020204" pitchFamily="34" charset="0"/>
+                <a:cs typeface="Arial" panose="020B0604020202020204" pitchFamily="34" charset="0"/>
+              </a:rPr>
+              <a:t> </a:t>
+            </a:r>
+            <a:r>
+              <a:rPr lang="en-US" sz="1600" dirty="0">
+                <a:solidFill>
+                  <a:srgbClr val="FF0000"/>
+                </a:solidFill>
+                <a:latin typeface="Arial" panose="020B0604020202020204" pitchFamily="34" charset="0"/>
+                <a:cs typeface="Arial" panose="020B0604020202020204" pitchFamily="34" charset="0"/>
+              </a:rPr>
+              <a:t>Okinawa, Japan </a:t>
+            </a:r>
+            <a:r>
+              <a:rPr lang="en-US" sz="1600" dirty="0">
+                <a:latin typeface="Arial" panose="020B0604020202020204" pitchFamily="34" charset="0"/>
+                <a:cs typeface="Arial" panose="020B0604020202020204" pitchFamily="34" charset="0"/>
+              </a:rPr>
+              <a:t>- seaweed, turmeric and sweet potato, bitter melons, tofu, garlic, brown rice, green tea and shitake mushrooms.</a:t>
+            </a:r>
+          </a:p>
+          <a:p>
+            <a:pPr marL="285750" indent="-285750">
+              <a:buFont typeface="Arial" panose="020B0604020202020204" pitchFamily="34" charset="0"/>
+              <a:buChar char="•"/>
+            </a:pPr>
+            <a:r>
+              <a:rPr lang="en-US" sz="1600" dirty="0">
+                <a:latin typeface="Arial" panose="020B0604020202020204" pitchFamily="34" charset="0"/>
+                <a:cs typeface="Arial" panose="020B0604020202020204" pitchFamily="34" charset="0"/>
+              </a:rPr>
+              <a:t> </a:t>
+            </a:r>
+            <a:r>
+              <a:rPr lang="en-US" sz="1600" dirty="0">
+                <a:solidFill>
+                  <a:srgbClr val="FF0000"/>
+                </a:solidFill>
+                <a:latin typeface="Arial" panose="020B0604020202020204" pitchFamily="34" charset="0"/>
+                <a:cs typeface="Arial" panose="020B0604020202020204" pitchFamily="34" charset="0"/>
+              </a:rPr>
+              <a:t>Sardinia, Italy </a:t>
+            </a:r>
+            <a:r>
+              <a:rPr lang="en-US" sz="1600" dirty="0">
+                <a:latin typeface="Arial" panose="020B0604020202020204" pitchFamily="34" charset="0"/>
+                <a:cs typeface="Arial" panose="020B0604020202020204" pitchFamily="34" charset="0"/>
+              </a:rPr>
+              <a:t>- goat's milk and sheep's cheese, flat bread, sourdough bread and barley, plenty of fennel, fava beans, chickpeas, tomatoes, almonds, milk thistle tea and wine from Grenache grapes.</a:t>
+            </a:r>
+          </a:p>
+          <a:p>
+            <a:pPr marL="285750" indent="-285750">
+              <a:buFont typeface="Arial" panose="020B0604020202020204" pitchFamily="34" charset="0"/>
+              <a:buChar char="•"/>
+            </a:pPr>
+            <a:r>
+              <a:rPr lang="en-US" sz="1600" dirty="0">
+                <a:latin typeface="Arial" panose="020B0604020202020204" pitchFamily="34" charset="0"/>
+                <a:cs typeface="Arial" panose="020B0604020202020204" pitchFamily="34" charset="0"/>
+              </a:rPr>
+              <a:t> </a:t>
+            </a:r>
+            <a:r>
+              <a:rPr lang="en-US" sz="1600" dirty="0">
+                <a:solidFill>
+                  <a:srgbClr val="FF0000"/>
+                </a:solidFill>
+                <a:latin typeface="Arial" panose="020B0604020202020204" pitchFamily="34" charset="0"/>
+                <a:cs typeface="Arial" panose="020B0604020202020204" pitchFamily="34" charset="0"/>
+              </a:rPr>
+              <a:t>Loma Linda, Calif </a:t>
+            </a:r>
+            <a:r>
+              <a:rPr lang="en-US" sz="1600" dirty="0">
+                <a:latin typeface="Arial" panose="020B0604020202020204" pitchFamily="34" charset="0"/>
+                <a:cs typeface="Arial" panose="020B0604020202020204" pitchFamily="34" charset="0"/>
+              </a:rPr>
+              <a:t>- Seventh-day Adventists - mostly plant-based diet (grains, fruits, nuts and vegetables, and drink only water. Some of them eat small amounts of meat and fish.) Sugar is taboo. Their top foods include avocados, salmon, nuts, beans, oatmeal, whole wheat bread and soy milk. </a:t>
+            </a:r>
+            <a:r>
+              <a:rPr lang="en-US" sz="1600" dirty="0" err="1">
+                <a:latin typeface="Arial" panose="020B0604020202020204" pitchFamily="34" charset="0"/>
+                <a:cs typeface="Arial" panose="020B0604020202020204" pitchFamily="34" charset="0"/>
+              </a:rPr>
+              <a:t>Pesco</a:t>
+            </a:r>
+            <a:r>
+              <a:rPr lang="en-US" sz="1600" dirty="0">
+                <a:latin typeface="Arial" panose="020B0604020202020204" pitchFamily="34" charset="0"/>
+                <a:cs typeface="Arial" panose="020B0604020202020204" pitchFamily="34" charset="0"/>
+              </a:rPr>
+              <a:t>-vegetarians in the community, who ate a plant-based diet with up to one serving of fish a day, lived longer than vegan Adventists</a:t>
+            </a:r>
+          </a:p>
+          <a:p>
+            <a:pPr marL="285750" indent="-285750">
+              <a:buFont typeface="Arial" panose="020B0604020202020204" pitchFamily="34" charset="0"/>
+              <a:buChar char="•"/>
+            </a:pPr>
+            <a:r>
+              <a:rPr lang="en-US" sz="1600" dirty="0">
+                <a:latin typeface="Arial" panose="020B0604020202020204" pitchFamily="34" charset="0"/>
+                <a:cs typeface="Arial" panose="020B0604020202020204" pitchFamily="34" charset="0"/>
+              </a:rPr>
+              <a:t> </a:t>
+            </a:r>
+            <a:r>
+              <a:rPr lang="en-US" sz="1600" dirty="0">
+                <a:solidFill>
+                  <a:srgbClr val="FF0000"/>
+                </a:solidFill>
+                <a:latin typeface="Arial" panose="020B0604020202020204" pitchFamily="34" charset="0"/>
+                <a:cs typeface="Arial" panose="020B0604020202020204" pitchFamily="34" charset="0"/>
+              </a:rPr>
+              <a:t>Nicoya Peninsula, Costa Rica </a:t>
+            </a:r>
+            <a:r>
+              <a:rPr lang="en-US" sz="1600" dirty="0">
+                <a:latin typeface="Arial" panose="020B0604020202020204" pitchFamily="34" charset="0"/>
+                <a:cs typeface="Arial" panose="020B0604020202020204" pitchFamily="34" charset="0"/>
+              </a:rPr>
+              <a:t>- beans, corn and squash. papayas, yams, bananas and peach palms (fruit).</a:t>
+            </a:r>
+          </a:p>
+        </p:txBody>
+      </p:sp>
+    </p:spTree>
+    <p:extLst>
+      <p:ext uri="{BB962C8B-B14F-4D97-AF65-F5344CB8AC3E}">
+        <p14:creationId xmlns:p14="http://schemas.microsoft.com/office/powerpoint/2010/main" val="1515992185"/>
+      </p:ext>
+    </p:extLst>
+  </p:cSld>
+  <p:clrMapOvr>
+    <a:masterClrMapping/>
+  </p:clrMapOvr>
+</p:sld>
+</file>
+
+<file path=ppt/slides/slide21.xml><?xml version="1.0" encoding="utf-8"?>
+<p:sld xmlns:a="http://schemas.openxmlformats.org/drawingml/2006/main" xmlns:r="http://schemas.openxmlformats.org/officeDocument/2006/relationships" xmlns:p="http://schemas.openxmlformats.org/presentationml/2006/main">
+  <p:cSld>
+    <p:spTree>
+      <p:nvGrpSpPr>
+        <p:cNvPr id="1" name=""/>
+        <p:cNvGrpSpPr/>
+        <p:nvPr/>
+      </p:nvGrpSpPr>
+      <p:grpSpPr>
+        <a:xfrm>
+          <a:off x="0" y="0"/>
+          <a:ext cx="0" cy="0"/>
+          <a:chOff x="0" y="0"/>
+          <a:chExt cx="0" cy="0"/>
+        </a:xfrm>
+      </p:grpSpPr>
+      <p:sp>
+        <p:nvSpPr>
+          <p:cNvPr id="2" name="TextBox 1"/>
+          <p:cNvSpPr txBox="1"/>
+          <p:nvPr/>
+        </p:nvSpPr>
+        <p:spPr>
+          <a:xfrm>
             <a:off x="0" y="0"/>
             <a:ext cx="4047893" cy="523220"/>
           </a:xfrm>
@@ -9525,7 +10325,7 @@
 </p:sld>
 </file>
 
-<file path=ppt/slides/slide21.xml><?xml version="1.0" encoding="utf-8"?>
+<file path=ppt/slides/slide22.xml><?xml version="1.0" encoding="utf-8"?>
 <p:sld xmlns:a="http://schemas.openxmlformats.org/drawingml/2006/main" xmlns:r="http://schemas.openxmlformats.org/officeDocument/2006/relationships" xmlns:p="http://schemas.openxmlformats.org/presentationml/2006/main">
   <p:cSld>
     <p:spTree>
@@ -10405,7 +11205,7 @@
 </p:sld>
 </file>
 
-<file path=ppt/slides/slide22.xml><?xml version="1.0" encoding="utf-8"?>
+<file path=ppt/slides/slide23.xml><?xml version="1.0" encoding="utf-8"?>
 <p:sld xmlns:a="http://schemas.openxmlformats.org/drawingml/2006/main" xmlns:r="http://schemas.openxmlformats.org/officeDocument/2006/relationships" xmlns:p="http://schemas.openxmlformats.org/presentationml/2006/main">
   <p:cSld>
     <p:spTree>
@@ -11279,7 +12079,7 @@
 </p:sld>
 </file>
 
-<file path=ppt/slides/slide23.xml><?xml version="1.0" encoding="utf-8"?>
+<file path=ppt/slides/slide24.xml><?xml version="1.0" encoding="utf-8"?>
 <p:sld xmlns:a="http://schemas.openxmlformats.org/drawingml/2006/main" xmlns:r="http://schemas.openxmlformats.org/officeDocument/2006/relationships" xmlns:p="http://schemas.openxmlformats.org/presentationml/2006/main">
   <p:cSld>
     <p:spTree>
@@ -12192,7 +12992,7 @@
 </p:sld>
 </file>
 
-<file path=ppt/slides/slide24.xml><?xml version="1.0" encoding="utf-8"?>
+<file path=ppt/slides/slide25.xml><?xml version="1.0" encoding="utf-8"?>
 <p:sld xmlns:a="http://schemas.openxmlformats.org/drawingml/2006/main" xmlns:r="http://schemas.openxmlformats.org/officeDocument/2006/relationships" xmlns:p="http://schemas.openxmlformats.org/presentationml/2006/main">
   <p:cSld>
     <p:spTree>
@@ -12761,7 +13561,7 @@
 </p:sld>
 </file>
 
-<file path=ppt/slides/slide25.xml><?xml version="1.0" encoding="utf-8"?>
+<file path=ppt/slides/slide26.xml><?xml version="1.0" encoding="utf-8"?>
 <p:sld xmlns:a="http://schemas.openxmlformats.org/drawingml/2006/main" xmlns:r="http://schemas.openxmlformats.org/officeDocument/2006/relationships" xmlns:p="http://schemas.openxmlformats.org/presentationml/2006/main">
   <p:cSld>
     <p:spTree>
@@ -13286,7 +14086,7 @@
 </p:sld>
 </file>
 
-<file path=ppt/slides/slide26.xml><?xml version="1.0" encoding="utf-8"?>
+<file path=ppt/slides/slide27.xml><?xml version="1.0" encoding="utf-8"?>
 <p:sld xmlns:a="http://schemas.openxmlformats.org/drawingml/2006/main" xmlns:r="http://schemas.openxmlformats.org/officeDocument/2006/relationships" xmlns:p="http://schemas.openxmlformats.org/presentationml/2006/main">
   <p:cSld>
     <p:spTree>
@@ -14943,6 +15743,475 @@
         </p:nvSpPr>
         <p:spPr>
           <a:xfrm>
+            <a:off x="1041649" y="950813"/>
+            <a:ext cx="6175717" cy="5262979"/>
+          </a:xfrm>
+          <a:prstGeom prst="rect">
+            <a:avLst/>
+          </a:prstGeom>
+          <a:solidFill>
+            <a:schemeClr val="accent4">
+              <a:lumMod val="20000"/>
+              <a:lumOff val="80000"/>
+            </a:schemeClr>
+          </a:solidFill>
+          <a:ln>
+            <a:solidFill>
+              <a:srgbClr val="FF0000"/>
+            </a:solidFill>
+          </a:ln>
+        </p:spPr>
+        <p:txBody>
+          <a:bodyPr wrap="square" rtlCol="0">
+            <a:spAutoFit/>
+          </a:bodyPr>
+          <a:lstStyle/>
+          <a:p>
+            <a:pPr marL="171450" indent="-171450">
+              <a:buFont typeface="Arial" panose="020B0604020202020204" pitchFamily="34" charset="0"/>
+              <a:buChar char="•"/>
+            </a:pPr>
+            <a:r>
+              <a:rPr lang="en-US" sz="1200" dirty="0">
+                <a:latin typeface="Calibri" panose="020F0502020204030204" pitchFamily="34" charset="0"/>
+                <a:cs typeface="Calibri" panose="020F0502020204030204" pitchFamily="34" charset="0"/>
+              </a:rPr>
+              <a:t>Here's a summary of the video:  The Glucose Expert: The Only Proven Way To Lose Weight Fast! Calorie Counting Is A Load of BS! - </a:t>
+            </a:r>
+            <a:r>
+              <a:rPr lang="en-US" altLang="x-none" sz="1200" dirty="0">
+                <a:latin typeface="Calibri" panose="020F0502020204030204" pitchFamily="34" charset="0"/>
+                <a:cs typeface="Calibri" panose="020F0502020204030204" pitchFamily="34" charset="0"/>
+              </a:rPr>
+              <a:t>Dr. Robert Lustig - </a:t>
+            </a:r>
+            <a:r>
+              <a:rPr lang="en-US" sz="1200" dirty="0">
+                <a:latin typeface="Calibri" panose="020F0502020204030204" pitchFamily="34" charset="0"/>
+                <a:cs typeface="Calibri" panose="020F0502020204030204" pitchFamily="34" charset="0"/>
+                <a:hlinkClick r:id="rId2"/>
+              </a:rPr>
+              <a:t>https://</a:t>
+            </a:r>
+            <a:r>
+              <a:rPr lang="en-US" sz="1200" dirty="0" err="1">
+                <a:latin typeface="Calibri" panose="020F0502020204030204" pitchFamily="34" charset="0"/>
+                <a:cs typeface="Calibri" panose="020F0502020204030204" pitchFamily="34" charset="0"/>
+                <a:hlinkClick r:id="rId2"/>
+              </a:rPr>
+              <a:t>www.youtube.com</a:t>
+            </a:r>
+            <a:r>
+              <a:rPr lang="en-US" sz="1200" dirty="0">
+                <a:latin typeface="Calibri" panose="020F0502020204030204" pitchFamily="34" charset="0"/>
+                <a:cs typeface="Calibri" panose="020F0502020204030204" pitchFamily="34" charset="0"/>
+                <a:hlinkClick r:id="rId2"/>
+              </a:rPr>
+              <a:t>/</a:t>
+            </a:r>
+            <a:r>
+              <a:rPr lang="en-US" sz="1200" dirty="0" err="1">
+                <a:latin typeface="Calibri" panose="020F0502020204030204" pitchFamily="34" charset="0"/>
+                <a:cs typeface="Calibri" panose="020F0502020204030204" pitchFamily="34" charset="0"/>
+                <a:hlinkClick r:id="rId2"/>
+              </a:rPr>
+              <a:t>watch?v</a:t>
+            </a:r>
+            <a:r>
+              <a:rPr lang="en-US" sz="1200" dirty="0">
+                <a:latin typeface="Calibri" panose="020F0502020204030204" pitchFamily="34" charset="0"/>
+                <a:cs typeface="Calibri" panose="020F0502020204030204" pitchFamily="34" charset="0"/>
+                <a:hlinkClick r:id="rId2"/>
+              </a:rPr>
+              <a:t>=4DWKf5RqU-s</a:t>
+            </a:r>
+            <a:br>
+              <a:rPr lang="en-US" sz="1200" dirty="0">
+                <a:latin typeface="Calibri" panose="020F0502020204030204" pitchFamily="34" charset="0"/>
+                <a:cs typeface="Calibri" panose="020F0502020204030204" pitchFamily="34" charset="0"/>
+              </a:rPr>
+            </a:br>
+            <a:endParaRPr lang="en-US" sz="1200" dirty="0">
+              <a:latin typeface="Calibri" panose="020F0502020204030204" pitchFamily="34" charset="0"/>
+              <a:cs typeface="Calibri" panose="020F0502020204030204" pitchFamily="34" charset="0"/>
+            </a:endParaRPr>
+          </a:p>
+          <a:p>
+            <a:pPr marL="171450" indent="-171450">
+              <a:buFont typeface="Arial" panose="020B0604020202020204" pitchFamily="34" charset="0"/>
+              <a:buChar char="•"/>
+            </a:pPr>
+            <a:r>
+              <a:rPr lang="en-US" sz="1200" dirty="0">
+                <a:latin typeface="Calibri" panose="020F0502020204030204" pitchFamily="34" charset="0"/>
+                <a:cs typeface="Calibri" panose="020F0502020204030204" pitchFamily="34" charset="0"/>
+              </a:rPr>
+              <a:t>High sugar intake increases the risk of diabetes, mental health issues, cognitive decline, and even early death. Sugar is addictive and pervasive in processed foods</a:t>
+            </a:r>
+          </a:p>
+          <a:p>
+            <a:pPr marL="171450" indent="-171450">
+              <a:buFont typeface="Arial" panose="020B0604020202020204" pitchFamily="34" charset="0"/>
+              <a:buChar char="•"/>
+            </a:pPr>
+            <a:r>
+              <a:rPr lang="en-US" sz="1200" dirty="0">
+                <a:latin typeface="Calibri" panose="020F0502020204030204" pitchFamily="34" charset="0"/>
+                <a:cs typeface="Calibri" panose="020F0502020204030204" pitchFamily="34" charset="0"/>
+              </a:rPr>
+              <a:t>Pleasure is short-lived and dopamine-driven, while happiness is long-lasting and serotonin-driven. Seeking excessive pleasure can lead to addiction and reduce overall happiness</a:t>
+            </a:r>
+          </a:p>
+          <a:p>
+            <a:pPr marL="171450" indent="-171450">
+              <a:buFont typeface="Arial" panose="020B0604020202020204" pitchFamily="34" charset="0"/>
+              <a:buChar char="•"/>
+            </a:pPr>
+            <a:r>
+              <a:rPr lang="en-US" sz="1200" dirty="0">
+                <a:latin typeface="Calibri" panose="020F0502020204030204" pitchFamily="34" charset="0"/>
+                <a:cs typeface="Calibri" panose="020F0502020204030204" pitchFamily="34" charset="0"/>
+              </a:rPr>
+              <a:t>Fructose in high doses is toxic and metabolized similarly to alcohol</a:t>
+            </a:r>
+          </a:p>
+          <a:p>
+            <a:pPr marL="171450" indent="-171450">
+              <a:buFont typeface="Arial" panose="020B0604020202020204" pitchFamily="34" charset="0"/>
+              <a:buChar char="•"/>
+            </a:pPr>
+            <a:r>
+              <a:rPr lang="en-US" sz="1200" dirty="0">
+                <a:latin typeface="Calibri" panose="020F0502020204030204" pitchFamily="34" charset="0"/>
+                <a:cs typeface="Calibri" panose="020F0502020204030204" pitchFamily="34" charset="0"/>
+              </a:rPr>
+              <a:t>Added sugars are hidden in most processed foods, leading to consumption levels far exceeding the recommended limits</a:t>
+            </a:r>
+          </a:p>
+          <a:p>
+            <a:pPr marL="171450" indent="-171450">
+              <a:buFont typeface="Arial" panose="020B0604020202020204" pitchFamily="34" charset="0"/>
+              <a:buChar char="•"/>
+            </a:pPr>
+            <a:r>
+              <a:rPr lang="en-US" sz="1200" dirty="0">
+                <a:latin typeface="Calibri" panose="020F0502020204030204" pitchFamily="34" charset="0"/>
+                <a:cs typeface="Calibri" panose="020F0502020204030204" pitchFamily="34" charset="0"/>
+              </a:rPr>
+              <a:t>Studies demonstrate the negative effects of sugar on children's behavior and metabolic health </a:t>
+            </a:r>
+          </a:p>
+          <a:p>
+            <a:pPr marL="171450" indent="-171450">
+              <a:buFont typeface="Arial" panose="020B0604020202020204" pitchFamily="34" charset="0"/>
+              <a:buChar char="•"/>
+            </a:pPr>
+            <a:r>
+              <a:rPr lang="en-US" sz="1200" dirty="0">
+                <a:latin typeface="Calibri" panose="020F0502020204030204" pitchFamily="34" charset="0"/>
+                <a:cs typeface="Calibri" panose="020F0502020204030204" pitchFamily="34" charset="0"/>
+              </a:rPr>
+              <a:t>Consuming one sugar-sweetened beverage a day significantly increases the risk of </a:t>
+            </a:r>
+            <a:r>
+              <a:rPr lang="en-US" sz="1200" dirty="0" err="1">
+                <a:latin typeface="Calibri" panose="020F0502020204030204" pitchFamily="34" charset="0"/>
+                <a:cs typeface="Calibri" panose="020F0502020204030204" pitchFamily="34" charset="0"/>
+              </a:rPr>
+              <a:t>diabete</a:t>
+            </a:r>
+            <a:endParaRPr lang="en-US" sz="1200" dirty="0">
+              <a:latin typeface="Calibri" panose="020F0502020204030204" pitchFamily="34" charset="0"/>
+              <a:cs typeface="Calibri" panose="020F0502020204030204" pitchFamily="34" charset="0"/>
+            </a:endParaRPr>
+          </a:p>
+          <a:p>
+            <a:pPr marL="171450" indent="-171450">
+              <a:buFont typeface="Arial" panose="020B0604020202020204" pitchFamily="34" charset="0"/>
+              <a:buChar char="•"/>
+            </a:pPr>
+            <a:r>
+              <a:rPr lang="en-US" sz="1200" dirty="0">
+                <a:latin typeface="Calibri" panose="020F0502020204030204" pitchFamily="34" charset="0"/>
+                <a:cs typeface="Calibri" panose="020F0502020204030204" pitchFamily="34" charset="0"/>
+              </a:rPr>
+              <a:t>Different types of sugars have varying effects on the body’s metabolism and mitochondrial function</a:t>
+            </a:r>
+          </a:p>
+          <a:p>
+            <a:pPr marL="171450" indent="-171450">
+              <a:buFont typeface="Arial" panose="020B0604020202020204" pitchFamily="34" charset="0"/>
+              <a:buChar char="•"/>
+            </a:pPr>
+            <a:r>
+              <a:rPr lang="en-US" sz="1200" dirty="0">
+                <a:latin typeface="Calibri" panose="020F0502020204030204" pitchFamily="34" charset="0"/>
+                <a:cs typeface="Calibri" panose="020F0502020204030204" pitchFamily="34" charset="0"/>
+              </a:rPr>
+              <a:t>Managing insulin levels, rather than just counting calories, is crucial for weight loss</a:t>
+            </a:r>
+          </a:p>
+          <a:p>
+            <a:pPr marL="171450" indent="-171450">
+              <a:buFont typeface="Arial" panose="020B0604020202020204" pitchFamily="34" charset="0"/>
+              <a:buChar char="•"/>
+            </a:pPr>
+            <a:r>
+              <a:rPr lang="en-US" sz="1200" dirty="0">
+                <a:latin typeface="Calibri" panose="020F0502020204030204" pitchFamily="34" charset="0"/>
+                <a:cs typeface="Calibri" panose="020F0502020204030204" pitchFamily="34" charset="0"/>
+              </a:rPr>
+              <a:t>Practical Advice: Eat "real food" - foods that come from the ground or animals that ate from the ground - to avoid hidden sugars and maintain metabolic health</a:t>
+            </a:r>
+          </a:p>
+          <a:p>
+            <a:pPr marL="171450" indent="-171450">
+              <a:buFont typeface="Arial" panose="020B0604020202020204" pitchFamily="34" charset="0"/>
+              <a:buChar char="•"/>
+            </a:pPr>
+            <a:r>
+              <a:rPr lang="en-US" sz="1200" dirty="0">
+                <a:latin typeface="Calibri" panose="020F0502020204030204" pitchFamily="34" charset="0"/>
+                <a:cs typeface="Calibri" panose="020F0502020204030204" pitchFamily="34" charset="0"/>
+              </a:rPr>
+              <a:t>The food industry is accused of deceptive advertising and mislabeling</a:t>
+            </a:r>
+          </a:p>
+          <a:p>
+            <a:pPr marL="171450" indent="-171450">
+              <a:buFont typeface="Arial" panose="020B0604020202020204" pitchFamily="34" charset="0"/>
+              <a:buChar char="•"/>
+            </a:pPr>
+            <a:r>
+              <a:rPr lang="en-US" sz="1200" dirty="0">
+                <a:latin typeface="Calibri" panose="020F0502020204030204" pitchFamily="34" charset="0"/>
+                <a:cs typeface="Calibri" panose="020F0502020204030204" pitchFamily="34" charset="0"/>
+              </a:rPr>
+              <a:t>Environmental </a:t>
+            </a:r>
+            <a:r>
+              <a:rPr lang="en-US" sz="1200" dirty="0" err="1">
+                <a:latin typeface="Calibri" panose="020F0502020204030204" pitchFamily="34" charset="0"/>
+                <a:cs typeface="Calibri" panose="020F0502020204030204" pitchFamily="34" charset="0"/>
+              </a:rPr>
+              <a:t>Obesogens</a:t>
+            </a:r>
+            <a:r>
+              <a:rPr lang="en-US" sz="1200" dirty="0">
+                <a:latin typeface="Calibri" panose="020F0502020204030204" pitchFamily="34" charset="0"/>
+                <a:cs typeface="Calibri" panose="020F0502020204030204" pitchFamily="34" charset="0"/>
+              </a:rPr>
+              <a:t> - chemicals that can cause weight gain by affecting fat cell development </a:t>
+            </a:r>
+          </a:p>
+          <a:p>
+            <a:pPr marL="171450" indent="-171450">
+              <a:buFont typeface="Arial" panose="020B0604020202020204" pitchFamily="34" charset="0"/>
+              <a:buChar char="•"/>
+            </a:pPr>
+            <a:r>
+              <a:rPr lang="en-US" sz="1200" dirty="0">
+                <a:latin typeface="Calibri" panose="020F0502020204030204" pitchFamily="34" charset="0"/>
+                <a:cs typeface="Calibri" panose="020F0502020204030204" pitchFamily="34" charset="0"/>
+              </a:rPr>
+              <a:t>Fiber's Importance: Fiber is essential for feeding the gut microbiome</a:t>
+            </a:r>
+          </a:p>
+          <a:p>
+            <a:pPr marL="171450" indent="-171450">
+              <a:buFont typeface="Arial" panose="020B0604020202020204" pitchFamily="34" charset="0"/>
+              <a:buChar char="•"/>
+            </a:pPr>
+            <a:r>
+              <a:rPr lang="en-US" sz="1200" dirty="0">
+                <a:latin typeface="Calibri" panose="020F0502020204030204" pitchFamily="34" charset="0"/>
+                <a:cs typeface="Calibri" panose="020F0502020204030204" pitchFamily="34" charset="0"/>
+              </a:rPr>
+              <a:t>Personal Responsibility vs. Societal Factors: The addictive nature of sugar and the pervasive presence of unhealthy foods limit individual control</a:t>
+            </a:r>
+          </a:p>
+          <a:p>
+            <a:pPr marL="171450" indent="-171450">
+              <a:buFont typeface="Arial" panose="020B0604020202020204" pitchFamily="34" charset="0"/>
+              <a:buChar char="•"/>
+            </a:pPr>
+            <a:r>
+              <a:rPr lang="en-US" sz="1200" dirty="0">
+                <a:latin typeface="Calibri" panose="020F0502020204030204" pitchFamily="34" charset="0"/>
+                <a:cs typeface="Calibri" panose="020F0502020204030204" pitchFamily="34" charset="0"/>
+              </a:rPr>
+              <a:t>The Four C's for Contentment:** Connect, contribute, cope, and cook are presented as ways to improve mental and metabolic health</a:t>
+            </a:r>
+          </a:p>
+          <a:p>
+            <a:pPr marL="171450" indent="-171450">
+              <a:buFont typeface="Arial" panose="020B0604020202020204" pitchFamily="34" charset="0"/>
+              <a:buChar char="•"/>
+            </a:pPr>
+            <a:r>
+              <a:rPr lang="en-US" sz="1200" dirty="0">
+                <a:latin typeface="Calibri" panose="020F0502020204030204" pitchFamily="34" charset="0"/>
+                <a:cs typeface="Calibri" panose="020F0502020204030204" pitchFamily="34" charset="0"/>
+              </a:rPr>
+              <a:t>The Root Cause of Multiple Crises: A dysfunctional amygdala, driven by factors like stress and poor diet, underlies many of today's health and societal crises</a:t>
+            </a:r>
+          </a:p>
+        </p:txBody>
+      </p:sp>
+      <p:pic>
+        <p:nvPicPr>
+          <p:cNvPr id="3" name="Picture 2">
+            <a:extLst>
+              <a:ext uri="{FF2B5EF4-FFF2-40B4-BE49-F238E27FC236}">
+                <a16:creationId xmlns:a16="http://schemas.microsoft.com/office/drawing/2014/main" id="{D940C82E-3D71-24CD-C32A-8977FF9563B3}"/>
+              </a:ext>
+            </a:extLst>
+          </p:cNvPr>
+          <p:cNvPicPr>
+            <a:picLocks noChangeAspect="1"/>
+          </p:cNvPicPr>
+          <p:nvPr/>
+        </p:nvPicPr>
+        <p:blipFill>
+          <a:blip r:embed="rId3" cstate="email">
+            <a:extLst>
+              <a:ext uri="{28A0092B-C50C-407E-A947-70E740481C1C}">
+                <a14:useLocalDpi xmlns:a14="http://schemas.microsoft.com/office/drawing/2010/main"/>
+              </a:ext>
+            </a:extLst>
+          </a:blip>
+          <a:stretch>
+            <a:fillRect/>
+          </a:stretch>
+        </p:blipFill>
+        <p:spPr>
+          <a:xfrm>
+            <a:off x="8422639" y="787400"/>
+            <a:ext cx="1735797" cy="2004057"/>
+          </a:xfrm>
+          <a:prstGeom prst="rect">
+            <a:avLst/>
+          </a:prstGeom>
+        </p:spPr>
+      </p:pic>
+      <p:sp>
+        <p:nvSpPr>
+          <p:cNvPr id="4" name="TextBox 3">
+            <a:extLst>
+              <a:ext uri="{FF2B5EF4-FFF2-40B4-BE49-F238E27FC236}">
+                <a16:creationId xmlns:a16="http://schemas.microsoft.com/office/drawing/2014/main" id="{84CF19D5-4C8B-8897-32D3-170CADAA4268}"/>
+              </a:ext>
+            </a:extLst>
+          </p:cNvPr>
+          <p:cNvSpPr txBox="1"/>
+          <p:nvPr/>
+        </p:nvSpPr>
+        <p:spPr>
+          <a:xfrm>
+            <a:off x="7843519" y="2901533"/>
+            <a:ext cx="3088641" cy="830997"/>
+          </a:xfrm>
+          <a:prstGeom prst="rect">
+            <a:avLst/>
+          </a:prstGeom>
+          <a:solidFill>
+            <a:schemeClr val="accent4">
+              <a:lumMod val="20000"/>
+              <a:lumOff val="80000"/>
+            </a:schemeClr>
+          </a:solidFill>
+          <a:ln>
+            <a:solidFill>
+              <a:srgbClr val="FF0000"/>
+            </a:solidFill>
+          </a:ln>
+        </p:spPr>
+        <p:txBody>
+          <a:bodyPr wrap="square" rtlCol="0">
+            <a:spAutoFit/>
+          </a:bodyPr>
+          <a:lstStyle/>
+          <a:p>
+            <a:r>
+              <a:rPr lang="en-US" sz="1200" dirty="0"/>
+              <a:t>The "only proven way" to lose weight fast </a:t>
+            </a:r>
+          </a:p>
+          <a:p>
+            <a:r>
+              <a:rPr lang="en-US" sz="1200" dirty="0"/>
+              <a:t>is to lower your insulin levels by reducing </a:t>
+            </a:r>
+          </a:p>
+          <a:p>
+            <a:r>
+              <a:rPr lang="en-US" sz="1200" dirty="0"/>
+              <a:t>the consumption of refined carbs and sugars </a:t>
+            </a:r>
+          </a:p>
+          <a:p>
+            <a:r>
+              <a:rPr lang="en-US" sz="1200" dirty="0"/>
+              <a:t>- </a:t>
+            </a:r>
+            <a:r>
+              <a:rPr lang="en-US" altLang="x-none" sz="1200" dirty="0"/>
+              <a:t>Dr. Robert Lustig </a:t>
+            </a:r>
+            <a:endParaRPr lang="en-US" sz="1200" dirty="0"/>
+          </a:p>
+        </p:txBody>
+      </p:sp>
+    </p:spTree>
+    <p:extLst>
+      <p:ext uri="{BB962C8B-B14F-4D97-AF65-F5344CB8AC3E}">
+        <p14:creationId xmlns:p14="http://schemas.microsoft.com/office/powerpoint/2010/main" val="2270795664"/>
+      </p:ext>
+    </p:extLst>
+  </p:cSld>
+  <p:clrMapOvr>
+    <a:masterClrMapping/>
+  </p:clrMapOvr>
+</p:sld>
+</file>
+
+<file path=ppt/slides/slide6.xml><?xml version="1.0" encoding="utf-8"?>
+<p:sld xmlns:a="http://schemas.openxmlformats.org/drawingml/2006/main" xmlns:r="http://schemas.openxmlformats.org/officeDocument/2006/relationships" xmlns:p="http://schemas.openxmlformats.org/presentationml/2006/main">
+  <p:cSld>
+    <p:spTree>
+      <p:nvGrpSpPr>
+        <p:cNvPr id="1" name="">
+          <a:extLst>
+            <a:ext uri="{FF2B5EF4-FFF2-40B4-BE49-F238E27FC236}">
+              <a16:creationId xmlns:a16="http://schemas.microsoft.com/office/drawing/2014/main" id="{004AF346-BEAA-7287-29BE-D21FC782471B}"/>
+            </a:ext>
+          </a:extLst>
+        </p:cNvPr>
+        <p:cNvGrpSpPr/>
+        <p:nvPr/>
+      </p:nvGrpSpPr>
+      <p:grpSpPr>
+        <a:xfrm>
+          <a:off x="0" y="0"/>
+          <a:ext cx="0" cy="0"/>
+          <a:chOff x="0" y="0"/>
+          <a:chExt cx="0" cy="0"/>
+        </a:xfrm>
+      </p:grpSpPr>
+      <p:sp>
+        <p:nvSpPr>
+          <p:cNvPr id="20" name="TextBox 19">
+            <a:extLst>
+              <a:ext uri="{FF2B5EF4-FFF2-40B4-BE49-F238E27FC236}">
+                <a16:creationId xmlns:a16="http://schemas.microsoft.com/office/drawing/2014/main" id="{C0D101FC-9B0D-A810-5E9C-D2FF6681EA20}"/>
+              </a:ext>
+            </a:extLst>
+          </p:cNvPr>
+          <p:cNvSpPr txBox="1"/>
+          <p:nvPr/>
+        </p:nvSpPr>
+        <p:spPr>
+          <a:xfrm>
             <a:off x="198369" y="422493"/>
             <a:ext cx="6175717" cy="6186309"/>
           </a:xfrm>
@@ -15183,7 +16452,7 @@
           <p:cNvPr id="5" name="Picture 4">
             <a:extLst>
               <a:ext uri="{FF2B5EF4-FFF2-40B4-BE49-F238E27FC236}">
-                <a16:creationId xmlns:a16="http://schemas.microsoft.com/office/drawing/2014/main" id="{D32729F0-93DF-8A4F-9E88-8E51E6178AA3}"/>
+                <a16:creationId xmlns:a16="http://schemas.microsoft.com/office/drawing/2014/main" id="{B50DD60F-EC16-4123-DE50-9FA36EA4295C}"/>
               </a:ext>
             </a:extLst>
           </p:cNvPr>
@@ -15219,7 +16488,7 @@
           <p:cNvPr id="6" name="Right Arrow 5">
             <a:extLst>
               <a:ext uri="{FF2B5EF4-FFF2-40B4-BE49-F238E27FC236}">
-                <a16:creationId xmlns:a16="http://schemas.microsoft.com/office/drawing/2014/main" id="{5576E39F-80D4-A943-A3AF-44F322152744}"/>
+                <a16:creationId xmlns:a16="http://schemas.microsoft.com/office/drawing/2014/main" id="{D2A24914-95FF-3ACA-503E-AA715CF7399C}"/>
               </a:ext>
             </a:extLst>
           </p:cNvPr>
@@ -15273,7 +16542,7 @@
           <p:cNvPr id="2" name="TextBox 1">
             <a:extLst>
               <a:ext uri="{FF2B5EF4-FFF2-40B4-BE49-F238E27FC236}">
-                <a16:creationId xmlns:a16="http://schemas.microsoft.com/office/drawing/2014/main" id="{BC71D3B3-B417-CD4B-9BFD-5C376856A425}"/>
+                <a16:creationId xmlns:a16="http://schemas.microsoft.com/office/drawing/2014/main" id="{73C22C85-1F71-4302-FE33-FF1812EB6791}"/>
               </a:ext>
             </a:extLst>
           </p:cNvPr>
@@ -15314,7 +16583,7 @@
     </p:spTree>
     <p:extLst>
       <p:ext uri="{BB962C8B-B14F-4D97-AF65-F5344CB8AC3E}">
-        <p14:creationId xmlns:p14="http://schemas.microsoft.com/office/powerpoint/2010/main" val="2270795664"/>
+        <p14:creationId xmlns:p14="http://schemas.microsoft.com/office/powerpoint/2010/main" val="4227306967"/>
       </p:ext>
     </p:extLst>
   </p:cSld>
@@ -15324,7 +16593,7 @@
 </p:sld>
 </file>
 
-<file path=ppt/slides/slide6.xml><?xml version="1.0" encoding="utf-8"?>
+<file path=ppt/slides/slide7.xml><?xml version="1.0" encoding="utf-8"?>
 <p:sld xmlns:a="http://schemas.openxmlformats.org/drawingml/2006/main" xmlns:r="http://schemas.openxmlformats.org/officeDocument/2006/relationships" xmlns:p="http://schemas.openxmlformats.org/presentationml/2006/main">
   <p:cSld>
     <p:spTree>
@@ -16004,7 +17273,7 @@
 </p:sld>
 </file>
 
-<file path=ppt/slides/slide7.xml><?xml version="1.0" encoding="utf-8"?>
+<file path=ppt/slides/slide8.xml><?xml version="1.0" encoding="utf-8"?>
 <p:sld xmlns:a="http://schemas.openxmlformats.org/drawingml/2006/main" xmlns:r="http://schemas.openxmlformats.org/officeDocument/2006/relationships" xmlns:p="http://schemas.openxmlformats.org/presentationml/2006/main">
   <p:cSld>
     <p:spTree>
@@ -16036,7 +17305,7 @@
         <p:spPr>
           <a:xfrm>
             <a:off x="1383323" y="1396577"/>
-            <a:ext cx="8932985" cy="4401205"/>
+            <a:ext cx="8932985" cy="4616648"/>
           </a:xfrm>
           <a:prstGeom prst="rect">
             <a:avLst/>
@@ -16215,17 +17484,26 @@
               <a:rPr lang="en-US" altLang="x-none" sz="1400" dirty="0">
                 <a:latin typeface="Arial" charset="0"/>
               </a:rPr>
-              <a:t>Dr. Dean </a:t>
-            </a:r>
-            <a:r>
-              <a:rPr lang="en-US" altLang="x-none" sz="1400" dirty="0" err="1">
-                <a:latin typeface="Arial" charset="0"/>
-              </a:rPr>
-              <a:t>Ornish</a:t>
-            </a:r>
-            <a:endParaRPr lang="en-US" altLang="x-none" sz="1400" dirty="0">
-              <a:latin typeface="Arial" charset="0"/>
-            </a:endParaRPr>
+              <a:t>Dr. Dean Ornish</a:t>
+            </a:r>
+          </a:p>
+          <a:p>
+            <a:pPr marL="285750" lvl="0" indent="-285750" eaLnBrk="0" fontAlgn="base" hangingPunct="0">
+              <a:spcBef>
+                <a:spcPct val="0"/>
+              </a:spcBef>
+              <a:spcAft>
+                <a:spcPct val="0"/>
+              </a:spcAft>
+              <a:buFont typeface="Arial" panose="020B0604020202020204" pitchFamily="34" charset="0"/>
+              <a:buChar char="•"/>
+            </a:pPr>
+            <a:r>
+              <a:rPr lang="en-US" altLang="x-none" sz="1400" dirty="0">
+                <a:latin typeface="Arial" charset="0"/>
+              </a:rPr>
+              <a:t>Dr. Robert Lustig</a:t>
+            </a:r>
           </a:p>
           <a:p>
             <a:pPr lvl="0" eaLnBrk="0" fontAlgn="base" hangingPunct="0">
@@ -16507,7 +17785,7 @@
 </p:sld>
 </file>
 
-<file path=ppt/slides/slide8.xml><?xml version="1.0" encoding="utf-8"?>
+<file path=ppt/slides/slide9.xml><?xml version="1.0" encoding="utf-8"?>
 <p:sld xmlns:a="http://schemas.openxmlformats.org/drawingml/2006/main" xmlns:r="http://schemas.openxmlformats.org/officeDocument/2006/relationships" xmlns:p="http://schemas.openxmlformats.org/presentationml/2006/main">
   <p:cSld>
     <p:spTree>
@@ -17301,805 +18579,6 @@
     <p:extLst>
       <p:ext uri="{BB962C8B-B14F-4D97-AF65-F5344CB8AC3E}">
         <p14:creationId xmlns:p14="http://schemas.microsoft.com/office/powerpoint/2010/main" val="268684965"/>
-      </p:ext>
-    </p:extLst>
-  </p:cSld>
-  <p:clrMapOvr>
-    <a:masterClrMapping/>
-  </p:clrMapOvr>
-</p:sld>
-</file>
-
-<file path=ppt/slides/slide9.xml><?xml version="1.0" encoding="utf-8"?>
-<p:sld xmlns:a="http://schemas.openxmlformats.org/drawingml/2006/main" xmlns:r="http://schemas.openxmlformats.org/officeDocument/2006/relationships" xmlns:p="http://schemas.openxmlformats.org/presentationml/2006/main">
-  <p:cSld>
-    <p:spTree>
-      <p:nvGrpSpPr>
-        <p:cNvPr id="1" name=""/>
-        <p:cNvGrpSpPr/>
-        <p:nvPr/>
-      </p:nvGrpSpPr>
-      <p:grpSpPr>
-        <a:xfrm>
-          <a:off x="0" y="0"/>
-          <a:ext cx="0" cy="0"/>
-          <a:chOff x="0" y="0"/>
-          <a:chExt cx="0" cy="0"/>
-        </a:xfrm>
-      </p:grpSpPr>
-      <p:sp>
-        <p:nvSpPr>
-          <p:cNvPr id="2" name="TextBox 1"/>
-          <p:cNvSpPr txBox="1"/>
-          <p:nvPr/>
-        </p:nvSpPr>
-        <p:spPr>
-          <a:xfrm>
-            <a:off x="138546" y="42678"/>
-            <a:ext cx="10096836" cy="6555641"/>
-          </a:xfrm>
-          <a:prstGeom prst="rect">
-            <a:avLst/>
-          </a:prstGeom>
-          <a:noFill/>
-        </p:spPr>
-        <p:txBody>
-          <a:bodyPr wrap="square" rtlCol="0">
-            <a:spAutoFit/>
-          </a:bodyPr>
-          <a:lstStyle/>
-          <a:p>
-            <a:r>
-              <a:rPr lang="en-US" altLang="x-none" sz="2000" b="1" dirty="0">
-                <a:latin typeface="Arial" charset="0"/>
-              </a:rPr>
-              <a:t>Notes:</a:t>
-            </a:r>
-            <a:br>
-              <a:rPr lang="x-none" altLang="x-none" sz="2000" b="1" dirty="0">
-                <a:latin typeface="Arial" charset="0"/>
-              </a:rPr>
-            </a:br>
-            <a:r>
-              <a:rPr lang="x-none" altLang="x-none" sz="1600" dirty="0">
-                <a:latin typeface="Arial" charset="0"/>
-              </a:rPr>
-              <a:t>-- losing weight on </a:t>
-            </a:r>
-            <a:r>
-              <a:rPr lang="x-none" altLang="x-none" sz="1600" b="1" dirty="0">
-                <a:solidFill>
-                  <a:srgbClr val="FF0000"/>
-                </a:solidFill>
-                <a:latin typeface="Arial" charset="0"/>
-              </a:rPr>
-              <a:t>"will power" doesn't work long term</a:t>
-            </a:r>
-            <a:r>
-              <a:rPr lang="x-none" altLang="x-none" sz="1600" dirty="0">
-                <a:latin typeface="Arial" charset="0"/>
-              </a:rPr>
-              <a:t> </a:t>
-            </a:r>
-            <a:endParaRPr lang="en-US" altLang="x-none" sz="1600" dirty="0">
-              <a:latin typeface="Arial" charset="0"/>
-            </a:endParaRPr>
-          </a:p>
-          <a:p>
-            <a:r>
-              <a:rPr lang="x-none" altLang="x-none" sz="1600" dirty="0">
-                <a:latin typeface="Arial" charset="0"/>
-              </a:rPr>
-              <a:t>-- </a:t>
-            </a:r>
-            <a:r>
-              <a:rPr lang="x-none" altLang="x-none" sz="1600" b="1" dirty="0">
-                <a:solidFill>
-                  <a:srgbClr val="FF0000"/>
-                </a:solidFill>
-                <a:latin typeface="Arial" charset="0"/>
-              </a:rPr>
-              <a:t>"eat less, exercise more" formula doesn't work long term</a:t>
-            </a:r>
-            <a:r>
-              <a:rPr lang="x-none" altLang="x-none" sz="1600" dirty="0">
-                <a:latin typeface="Arial" charset="0"/>
-              </a:rPr>
-              <a:t>: </a:t>
-            </a:r>
-            <a:br>
-              <a:rPr lang="x-none" altLang="x-none" sz="1600" dirty="0">
-                <a:latin typeface="Arial" charset="0"/>
-              </a:rPr>
-            </a:br>
-            <a:r>
-              <a:rPr lang="x-none" altLang="x-none" sz="1600" dirty="0">
-                <a:latin typeface="Arial" charset="0"/>
-              </a:rPr>
-              <a:t>    -- eating less - causes metabolism slowdown and doesn't work long term for 95% </a:t>
-            </a:r>
-            <a:r>
-              <a:rPr lang="x-none" altLang="x-none" sz="1600">
-                <a:latin typeface="Arial" charset="0"/>
-              </a:rPr>
-              <a:t>of people</a:t>
-            </a:r>
-            <a:endParaRPr lang="en-US" altLang="x-none" sz="1600" dirty="0">
-              <a:latin typeface="Arial" charset="0"/>
-            </a:endParaRPr>
-          </a:p>
-          <a:p>
-            <a:r>
-              <a:rPr lang="en-US" altLang="x-none" sz="1600" dirty="0">
-                <a:latin typeface="Arial" charset="0"/>
-              </a:rPr>
-              <a:t>       But ... </a:t>
-            </a:r>
-            <a:r>
-              <a:rPr lang="x-none" altLang="x-none" sz="1600" b="1">
-                <a:solidFill>
-                  <a:srgbClr val="0070C0"/>
-                </a:solidFill>
-                <a:latin typeface="Arial" charset="0"/>
-              </a:rPr>
-              <a:t>intermitting</a:t>
-            </a:r>
-            <a:r>
-              <a:rPr lang="en-US" altLang="x-none" sz="1600" b="1" dirty="0">
-                <a:solidFill>
-                  <a:srgbClr val="0070C0"/>
-                </a:solidFill>
-                <a:latin typeface="Arial" charset="0"/>
-              </a:rPr>
-              <a:t> fasting does NOT cause metabolism slowdown</a:t>
-            </a:r>
-            <a:r>
-              <a:rPr lang="en-US" altLang="x-none" sz="1600" dirty="0">
-                <a:latin typeface="Arial" charset="0"/>
-              </a:rPr>
-              <a:t> </a:t>
-            </a:r>
-            <a:br>
-              <a:rPr lang="x-none" altLang="x-none" sz="1600" dirty="0">
-                <a:latin typeface="Arial" charset="0"/>
-              </a:rPr>
-            </a:br>
-            <a:r>
-              <a:rPr lang="x-none" altLang="x-none" sz="1600" dirty="0">
-                <a:latin typeface="Arial" charset="0"/>
-              </a:rPr>
-              <a:t>    -- exercise - contributes less than 5% (if any) if you consider </a:t>
-            </a:r>
-            <a:r>
-              <a:rPr lang="x-none" altLang="x-none" sz="1600">
-                <a:latin typeface="Arial" charset="0"/>
-              </a:rPr>
-              <a:t>long term</a:t>
-            </a:r>
-            <a:br>
-              <a:rPr lang="x-none" altLang="x-none" sz="1600" dirty="0">
-                <a:latin typeface="Arial" charset="0"/>
-              </a:rPr>
-            </a:br>
-            <a:r>
-              <a:rPr lang="x-none" altLang="x-none" sz="1600" dirty="0">
-                <a:latin typeface="Arial" charset="0"/>
-              </a:rPr>
-              <a:t>-- </a:t>
-            </a:r>
-            <a:r>
-              <a:rPr lang="x-none" altLang="x-none" sz="1600" b="1" dirty="0">
-                <a:solidFill>
-                  <a:srgbClr val="00B050"/>
-                </a:solidFill>
-                <a:latin typeface="Arial" charset="0"/>
-              </a:rPr>
-              <a:t>eat lots of vegetables</a:t>
-            </a:r>
-            <a:r>
-              <a:rPr lang="x-none" altLang="x-none" sz="1600" dirty="0">
-                <a:latin typeface="Arial" charset="0"/>
-              </a:rPr>
-              <a:t>. Find a way to add a big serving of salad / vegetables to each meal. </a:t>
-            </a:r>
-            <a:br>
-              <a:rPr lang="x-none" altLang="x-none" sz="1600" dirty="0">
-                <a:latin typeface="Arial" charset="0"/>
-              </a:rPr>
-            </a:br>
-            <a:r>
-              <a:rPr lang="x-none" altLang="x-none" sz="1600" dirty="0">
-                <a:latin typeface="Arial" charset="0"/>
-              </a:rPr>
-              <a:t>   You can eat lots of cabbage, spinach, etc. </a:t>
-            </a:r>
-            <a:br>
-              <a:rPr lang="x-none" altLang="x-none" sz="1600" dirty="0">
-                <a:latin typeface="Arial" charset="0"/>
-              </a:rPr>
-            </a:br>
-            <a:r>
-              <a:rPr lang="en-US" altLang="x-none" sz="1600" dirty="0">
-                <a:latin typeface="Arial" charset="0"/>
-              </a:rPr>
-              <a:t>-- </a:t>
-            </a:r>
-            <a:r>
-              <a:rPr lang="en-US" altLang="x-none" sz="1600" b="1" dirty="0">
-                <a:solidFill>
-                  <a:srgbClr val="00B050"/>
-                </a:solidFill>
-                <a:latin typeface="Arial" charset="0"/>
-              </a:rPr>
-              <a:t>you don’t need extra protein from meat</a:t>
-            </a:r>
-            <a:r>
-              <a:rPr lang="en-US" altLang="x-none" sz="1600" dirty="0">
-                <a:latin typeface="Arial" charset="0"/>
-              </a:rPr>
-              <a:t>, etc. You get it from vegetables and beans.</a:t>
-            </a:r>
-          </a:p>
-          <a:p>
-            <a:r>
-              <a:rPr lang="en-US" altLang="x-none" sz="1600" dirty="0">
-                <a:latin typeface="Arial" charset="0"/>
-              </a:rPr>
-              <a:t>-- </a:t>
-            </a:r>
-            <a:r>
-              <a:rPr lang="en-US" altLang="x-none" sz="1600" b="1" dirty="0">
-                <a:solidFill>
-                  <a:srgbClr val="00B050"/>
-                </a:solidFill>
-                <a:latin typeface="Arial" charset="0"/>
-              </a:rPr>
-              <a:t>you don’t need milk for calcium</a:t>
-            </a:r>
-            <a:r>
-              <a:rPr lang="en-US" altLang="x-none" sz="1600" dirty="0">
-                <a:latin typeface="Arial" charset="0"/>
-              </a:rPr>
-              <a:t>. In fact you should stay off milk products (or use only goat or sheep milk).</a:t>
-            </a:r>
-          </a:p>
-          <a:p>
-            <a:r>
-              <a:rPr lang="en-US" altLang="x-none" sz="1600" dirty="0">
-                <a:latin typeface="Arial" charset="0"/>
-              </a:rPr>
-              <a:t>-- </a:t>
-            </a:r>
-            <a:r>
-              <a:rPr lang="en-US" altLang="x-none" sz="1600" b="1" dirty="0">
-                <a:solidFill>
-                  <a:srgbClr val="00B050"/>
-                </a:solidFill>
-                <a:latin typeface="Arial" charset="0"/>
-              </a:rPr>
-              <a:t>you don’t need vitamin pills</a:t>
-            </a:r>
-            <a:r>
-              <a:rPr lang="en-US" altLang="x-none" sz="1600" dirty="0">
-                <a:latin typeface="Arial" charset="0"/>
-              </a:rPr>
-              <a:t> </a:t>
-            </a:r>
-            <a:r>
-              <a:rPr lang="mr-IN" altLang="x-none" sz="1600" dirty="0">
-                <a:latin typeface="Arial" charset="0"/>
-              </a:rPr>
-              <a:t>–</a:t>
-            </a:r>
-            <a:r>
-              <a:rPr lang="en-US" altLang="x-none" sz="1600" dirty="0">
-                <a:latin typeface="Arial" charset="0"/>
-              </a:rPr>
-              <a:t> you will get everything from food. </a:t>
-            </a:r>
-            <a:br>
-              <a:rPr lang="x-none" altLang="x-none" sz="1600" dirty="0">
-                <a:latin typeface="Arial" charset="0"/>
-              </a:rPr>
-            </a:br>
-            <a:r>
-              <a:rPr lang="en-US" altLang="x-none" sz="1600" dirty="0">
-                <a:latin typeface="Arial" charset="0"/>
-              </a:rPr>
-              <a:t>   (you do need some sun for vitamin D, and you need vitamin B12 supplements)</a:t>
-            </a:r>
-          </a:p>
-          <a:p>
-            <a:r>
-              <a:rPr lang="x-none" altLang="x-none" sz="1600" dirty="0">
-                <a:latin typeface="Arial" charset="0"/>
-              </a:rPr>
-              <a:t>-- </a:t>
-            </a:r>
-            <a:r>
-              <a:rPr lang="x-none" altLang="x-none" sz="1600" b="1" dirty="0">
-                <a:solidFill>
-                  <a:srgbClr val="FF0000"/>
-                </a:solidFill>
-                <a:latin typeface="Arial" charset="0"/>
-              </a:rPr>
-              <a:t>eating snacks between meals is bad</a:t>
-            </a:r>
-            <a:r>
-              <a:rPr lang="x-none" altLang="x-none" sz="1600" dirty="0">
-                <a:latin typeface="Arial" charset="0"/>
-              </a:rPr>
-              <a:t>. You should </a:t>
-            </a:r>
-            <a:r>
-              <a:rPr lang="en-US" altLang="x-none" sz="1600" dirty="0">
-                <a:latin typeface="Arial" charset="0"/>
-              </a:rPr>
-              <a:t>eat </a:t>
-            </a:r>
-            <a:r>
-              <a:rPr lang="x-none" altLang="x-none" sz="1600" dirty="0">
-                <a:latin typeface="Arial" charset="0"/>
-              </a:rPr>
-              <a:t>at maximum 3 times per day. </a:t>
-            </a:r>
-            <a:br>
-              <a:rPr lang="x-none" altLang="x-none" sz="1600" dirty="0">
-                <a:latin typeface="Arial" charset="0"/>
-              </a:rPr>
-            </a:br>
-            <a:r>
-              <a:rPr lang="x-none" altLang="x-none" sz="1600" dirty="0">
-                <a:latin typeface="Arial" charset="0"/>
-              </a:rPr>
-              <a:t>   </a:t>
-            </a:r>
-            <a:r>
-              <a:rPr lang="en-US" altLang="x-none" sz="1600" dirty="0">
-                <a:latin typeface="Arial" charset="0"/>
-              </a:rPr>
-              <a:t>S</a:t>
-            </a:r>
-            <a:r>
-              <a:rPr lang="x-none" altLang="x-none" sz="1600" dirty="0">
-                <a:latin typeface="Arial" charset="0"/>
-              </a:rPr>
-              <a:t>nacks are more harmful than eating big meals. </a:t>
-            </a:r>
-            <a:br>
-              <a:rPr lang="x-none" altLang="x-none" sz="1600" dirty="0">
-                <a:latin typeface="Arial" charset="0"/>
-              </a:rPr>
-            </a:br>
-            <a:r>
-              <a:rPr lang="x-none" altLang="x-none" sz="1600" dirty="0">
-                <a:latin typeface="Arial" charset="0"/>
-              </a:rPr>
-              <a:t>   It is very important to </a:t>
-            </a:r>
-            <a:r>
-              <a:rPr lang="x-none" altLang="x-none" sz="1600" b="1" dirty="0">
-                <a:solidFill>
-                  <a:srgbClr val="FF0000"/>
-                </a:solidFill>
-                <a:latin typeface="Arial" charset="0"/>
-              </a:rPr>
-              <a:t>avoid snacking between meals</a:t>
-            </a:r>
-            <a:r>
-              <a:rPr lang="x-none" altLang="x-none" sz="1600" dirty="0">
-                <a:latin typeface="Arial" charset="0"/>
-              </a:rPr>
-              <a:t> - to allow insulin levels to decrease. </a:t>
-            </a:r>
-            <a:br>
-              <a:rPr lang="x-none" altLang="x-none" sz="1600" dirty="0">
-                <a:latin typeface="Arial" charset="0"/>
-              </a:rPr>
-            </a:br>
-            <a:r>
-              <a:rPr lang="x-none" altLang="x-none" sz="1600" dirty="0">
-                <a:latin typeface="Arial" charset="0"/>
-              </a:rPr>
-              <a:t>   - </a:t>
-            </a:r>
-            <a:r>
-              <a:rPr lang="x-none" altLang="x-none" sz="1600" dirty="0">
-                <a:latin typeface="Arial" charset="0"/>
-                <a:hlinkClick r:id="rId2"/>
-              </a:rPr>
-              <a:t>https://intensivedietarymanagement.com/perils-snacking-hormonal-obesity-xiii/</a:t>
-            </a:r>
-            <a:r>
-              <a:rPr lang="x-none" altLang="x-none" sz="1600" dirty="0">
-                <a:latin typeface="Arial" charset="0"/>
-              </a:rPr>
-              <a:t> </a:t>
-            </a:r>
-            <a:br>
-              <a:rPr lang="x-none" altLang="x-none" sz="1600" dirty="0">
-                <a:latin typeface="Arial" charset="0"/>
-              </a:rPr>
-            </a:br>
-            <a:r>
-              <a:rPr lang="x-none" altLang="x-none" sz="1600">
-                <a:latin typeface="Arial" charset="0"/>
-              </a:rPr>
-              <a:t>- </a:t>
-            </a:r>
-            <a:r>
-              <a:rPr lang="x-none" altLang="x-none" sz="1600" b="1">
-                <a:solidFill>
-                  <a:srgbClr val="FF0000"/>
-                </a:solidFill>
-                <a:latin typeface="Arial" charset="0"/>
-              </a:rPr>
-              <a:t>intermittent fasting</a:t>
-            </a:r>
-            <a:r>
-              <a:rPr lang="x-none" altLang="x-none" sz="1600">
-                <a:latin typeface="Arial" charset="0"/>
-              </a:rPr>
-              <a:t> works</a:t>
-            </a:r>
-            <a:r>
-              <a:rPr lang="en-US" altLang="x-none" sz="1600" dirty="0">
-                <a:latin typeface="Arial" charset="0"/>
-              </a:rPr>
-              <a:t> (make long pauses between meals)</a:t>
-            </a:r>
-          </a:p>
-          <a:p>
-            <a:r>
-              <a:rPr lang="x-none" altLang="x-none" sz="1600">
-                <a:latin typeface="Arial" charset="0"/>
-              </a:rPr>
-              <a:t>  </a:t>
-            </a:r>
-            <a:r>
-              <a:rPr lang="en-US" altLang="x-none" sz="1600" b="1" dirty="0">
-                <a:solidFill>
-                  <a:srgbClr val="FF0000"/>
-                </a:solidFill>
-                <a:latin typeface="Arial" charset="0"/>
-              </a:rPr>
-              <a:t>intermittent fasting</a:t>
-            </a:r>
-            <a:r>
-              <a:rPr lang="en-US" altLang="x-none" sz="1600" dirty="0">
-                <a:latin typeface="Arial" charset="0"/>
-              </a:rPr>
-              <a:t> </a:t>
-            </a:r>
-            <a:r>
-              <a:rPr lang="x-none" altLang="x-none" sz="1600">
-                <a:latin typeface="Arial" charset="0"/>
-              </a:rPr>
-              <a:t>does</a:t>
-            </a:r>
-            <a:r>
-              <a:rPr lang="en-US" altLang="x-none" sz="1600" dirty="0">
-                <a:latin typeface="Arial" charset="0"/>
-              </a:rPr>
-              <a:t> NOT </a:t>
-            </a:r>
-            <a:r>
-              <a:rPr lang="x-none" altLang="x-none" sz="1600">
-                <a:latin typeface="Arial" charset="0"/>
-              </a:rPr>
-              <a:t>cause </a:t>
-            </a:r>
-            <a:r>
-              <a:rPr lang="x-none" altLang="x-none" sz="1600" dirty="0">
-                <a:latin typeface="Arial" charset="0"/>
-              </a:rPr>
-              <a:t>metabolic slowdown</a:t>
-            </a:r>
-            <a:r>
-              <a:rPr lang="x-none" altLang="x-none" sz="1600">
-                <a:latin typeface="Arial" charset="0"/>
-              </a:rPr>
-              <a:t>. </a:t>
-            </a:r>
-            <a:endParaRPr lang="en-US" altLang="x-none" sz="1600" dirty="0">
-              <a:latin typeface="Arial" charset="0"/>
-            </a:endParaRPr>
-          </a:p>
-          <a:p>
-            <a:r>
-              <a:rPr lang="en-US" altLang="x-none" sz="1600" dirty="0">
-                <a:latin typeface="Arial" charset="0"/>
-              </a:rPr>
-              <a:t>   It doesn’t make you hungry. You feel energetic, alert, and focused.</a:t>
-            </a:r>
-          </a:p>
-          <a:p>
-            <a:r>
-              <a:rPr lang="en-US" altLang="x-none" sz="1600" dirty="0">
-                <a:latin typeface="Arial" charset="0"/>
-              </a:rPr>
-              <a:t>- </a:t>
-            </a:r>
-            <a:r>
-              <a:rPr lang="x-none" altLang="x-none" sz="1600" dirty="0">
-                <a:latin typeface="Arial" charset="0"/>
-              </a:rPr>
-              <a:t>Note (important!) - </a:t>
-            </a:r>
-            <a:r>
-              <a:rPr lang="x-none" altLang="x-none" sz="1600" b="1" dirty="0">
-                <a:solidFill>
-                  <a:srgbClr val="FF0000"/>
-                </a:solidFill>
-                <a:latin typeface="Arial" charset="0"/>
-              </a:rPr>
-              <a:t>the world record in long fasting is 382 days</a:t>
-            </a:r>
-            <a:r>
-              <a:rPr lang="x-none" altLang="x-none" sz="1600" dirty="0">
-                <a:latin typeface="Arial" charset="0"/>
-              </a:rPr>
-              <a:t> ! </a:t>
-            </a:r>
-            <a:br>
-              <a:rPr lang="x-none" altLang="x-none" sz="1600" dirty="0">
-                <a:latin typeface="Arial" charset="0"/>
-              </a:rPr>
-            </a:br>
-            <a:r>
-              <a:rPr lang="en-US" altLang="x-none" sz="1600" dirty="0">
-                <a:latin typeface="Arial" charset="0"/>
-              </a:rPr>
-              <a:t>    </a:t>
-            </a:r>
-            <a:r>
-              <a:rPr lang="x-none" altLang="x-none" sz="1600" dirty="0">
-                <a:latin typeface="Arial" charset="0"/>
-              </a:rPr>
-              <a:t>- </a:t>
-            </a:r>
-            <a:r>
-              <a:rPr lang="x-none" altLang="x-none" sz="1600" dirty="0">
-                <a:latin typeface="Arial" charset="0"/>
-                <a:hlinkClick r:id="rId3"/>
-              </a:rPr>
-              <a:t>http://www.ncbi.nlm.nih.gov/pmc/articles/PMC2495396/</a:t>
-            </a:r>
-            <a:r>
-              <a:rPr lang="x-none" altLang="x-none" sz="1600" dirty="0">
-                <a:latin typeface="Arial" charset="0"/>
-              </a:rPr>
-              <a:t> - </a:t>
-            </a:r>
-            <a:br>
-              <a:rPr lang="x-none" altLang="x-none" sz="1600" dirty="0">
-                <a:latin typeface="Arial" charset="0"/>
-              </a:rPr>
-            </a:br>
-            <a:r>
-              <a:rPr lang="en-US" altLang="x-none" sz="1600" dirty="0">
-                <a:latin typeface="Arial" charset="0"/>
-              </a:rPr>
-              <a:t>    </a:t>
-            </a:r>
-            <a:r>
-              <a:rPr lang="x-none" altLang="x-none" sz="1600" dirty="0">
-                <a:latin typeface="Arial" charset="0"/>
-              </a:rPr>
-              <a:t>- </a:t>
-            </a:r>
-            <a:r>
-              <a:rPr lang="x-none" altLang="x-none" sz="1600" dirty="0">
-                <a:latin typeface="Arial" charset="0"/>
-                <a:hlinkClick r:id="rId4"/>
-              </a:rPr>
-              <a:t>https://www.ncbi.nlm.nih.gov/pmc/articles/PMC2495396/pdf/postmedj00315-0056.pdf</a:t>
-            </a:r>
-            <a:r>
-              <a:rPr lang="x-none" altLang="x-none" sz="1600" dirty="0">
-                <a:latin typeface="Arial" charset="0"/>
-              </a:rPr>
-              <a:t> </a:t>
-            </a:r>
-            <a:r>
-              <a:rPr lang="x-none" altLang="x-none" sz="1600">
-                <a:latin typeface="Arial" charset="0"/>
-              </a:rPr>
-              <a:t>- </a:t>
-            </a:r>
-            <a:endParaRPr lang="en-US" altLang="x-none" sz="1600" dirty="0">
-              <a:latin typeface="Arial" charset="0"/>
-            </a:endParaRPr>
-          </a:p>
-          <a:p>
-            <a:r>
-              <a:rPr lang="x-none" altLang="x-none" sz="1600">
-                <a:latin typeface="Arial" charset="0"/>
-              </a:rPr>
-              <a:t>You </a:t>
-            </a:r>
-            <a:r>
-              <a:rPr lang="x-none" altLang="x-none" sz="1600" b="1" dirty="0">
-                <a:solidFill>
-                  <a:srgbClr val="FF0000"/>
-                </a:solidFill>
-                <a:latin typeface="Arial" charset="0"/>
-              </a:rPr>
-              <a:t>need to have long periods of not-eating</a:t>
-            </a:r>
-            <a:r>
-              <a:rPr lang="x-none" altLang="x-none" sz="1600" dirty="0">
-                <a:latin typeface="Arial" charset="0"/>
-              </a:rPr>
-              <a:t> to allow body to lose weight. </a:t>
-            </a:r>
-            <a:br>
-              <a:rPr lang="x-none" altLang="x-none" sz="1600" dirty="0">
-                <a:latin typeface="Arial" charset="0"/>
-              </a:rPr>
-            </a:br>
-            <a:r>
-              <a:rPr lang="x-none" altLang="x-none" sz="1600" dirty="0">
-                <a:latin typeface="Arial" charset="0"/>
-              </a:rPr>
-              <a:t>Recommended lengths of regular fasting are </a:t>
-            </a:r>
-            <a:r>
-              <a:rPr lang="en-US" altLang="x-none" sz="1600" dirty="0">
-                <a:latin typeface="Arial" charset="0"/>
-              </a:rPr>
-              <a:t>anywhere between </a:t>
-            </a:r>
-            <a:r>
-              <a:rPr lang="x-none" altLang="x-none" sz="1600" dirty="0">
-                <a:latin typeface="Arial" charset="0"/>
-              </a:rPr>
-              <a:t>12 hours to several days. </a:t>
-            </a:r>
-            <a:br>
-              <a:rPr lang="x-none" altLang="x-none" sz="1600" dirty="0">
-                <a:latin typeface="Arial" charset="0"/>
-              </a:rPr>
-            </a:br>
-            <a:r>
-              <a:rPr lang="x-none" altLang="x-none" sz="1600" dirty="0">
-                <a:latin typeface="Arial" charset="0"/>
-              </a:rPr>
-              <a:t>- </a:t>
-            </a:r>
-            <a:r>
-              <a:rPr lang="x-none" altLang="x-none" sz="1600" dirty="0">
-                <a:latin typeface="Arial" charset="0"/>
-                <a:hlinkClick r:id="rId5"/>
-              </a:rPr>
-              <a:t>https://intensivedietarymanagement.com/fasting-regimens-part-6/</a:t>
-            </a:r>
-            <a:r>
-              <a:rPr lang="x-none" altLang="x-none" sz="1600" dirty="0">
-                <a:latin typeface="Arial" charset="0"/>
-              </a:rPr>
-              <a:t> - </a:t>
-            </a:r>
-            <a:br>
-              <a:rPr lang="x-none" altLang="x-none" sz="1600" dirty="0">
-                <a:latin typeface="Arial" charset="0"/>
-              </a:rPr>
-            </a:br>
-            <a:r>
-              <a:rPr lang="x-none" altLang="x-none" sz="1600" dirty="0">
-                <a:latin typeface="Arial" charset="0"/>
-              </a:rPr>
-              <a:t>- </a:t>
-            </a:r>
-            <a:r>
-              <a:rPr lang="x-none" altLang="x-none" sz="1600" dirty="0">
-                <a:latin typeface="Arial" charset="0"/>
-                <a:hlinkClick r:id="rId6"/>
-              </a:rPr>
-              <a:t>https://intensivedietarymanagement.com/longer-fasting-regimens-part-7/</a:t>
-            </a:r>
-            <a:r>
-              <a:rPr lang="x-none" altLang="x-none" sz="1600" dirty="0">
-                <a:latin typeface="Arial" charset="0"/>
-              </a:rPr>
-              <a:t> -</a:t>
-            </a:r>
-            <a:r>
-              <a:rPr lang="en-US" altLang="x-none" sz="1600" dirty="0">
-                <a:latin typeface="Arial" charset="0"/>
-              </a:rPr>
-              <a:t> </a:t>
-            </a:r>
-            <a:endParaRPr lang="en-US" sz="1600" dirty="0"/>
-          </a:p>
-        </p:txBody>
-      </p:sp>
-      <p:pic>
-        <p:nvPicPr>
-          <p:cNvPr id="3" name="Picture 2">
-            <a:extLst>
-              <a:ext uri="{FF2B5EF4-FFF2-40B4-BE49-F238E27FC236}">
-                <a16:creationId xmlns:a16="http://schemas.microsoft.com/office/drawing/2014/main" id="{5CB1A6A3-7531-304A-BB45-3E4691C9D67F}"/>
-              </a:ext>
-            </a:extLst>
-          </p:cNvPr>
-          <p:cNvPicPr>
-            <a:picLocks noChangeAspect="1"/>
-          </p:cNvPicPr>
-          <p:nvPr/>
-        </p:nvPicPr>
-        <p:blipFill>
-          <a:blip r:embed="rId7" cstate="email">
-            <a:extLst>
-              <a:ext uri="{28A0092B-C50C-407E-A947-70E740481C1C}">
-                <a14:useLocalDpi xmlns:a14="http://schemas.microsoft.com/office/drawing/2010/main"/>
-              </a:ext>
-            </a:extLst>
-          </a:blip>
-          <a:stretch>
-            <a:fillRect/>
-          </a:stretch>
-        </p:blipFill>
-        <p:spPr>
-          <a:xfrm>
-            <a:off x="9144000" y="3149583"/>
-            <a:ext cx="3048000" cy="1714500"/>
-          </a:xfrm>
-          <a:prstGeom prst="rect">
-            <a:avLst/>
-          </a:prstGeom>
-        </p:spPr>
-      </p:pic>
-      <p:sp>
-        <p:nvSpPr>
-          <p:cNvPr id="4" name="Right Arrow 3">
-            <a:extLst>
-              <a:ext uri="{FF2B5EF4-FFF2-40B4-BE49-F238E27FC236}">
-                <a16:creationId xmlns:a16="http://schemas.microsoft.com/office/drawing/2014/main" id="{C3B3FC1A-E050-A84B-AB07-4AE52C678591}"/>
-              </a:ext>
-            </a:extLst>
-          </p:cNvPr>
-          <p:cNvSpPr/>
-          <p:nvPr/>
-        </p:nvSpPr>
-        <p:spPr>
-          <a:xfrm rot="20294715">
-            <a:off x="7462684" y="4291777"/>
-            <a:ext cx="1504335" cy="280219"/>
-          </a:xfrm>
-          <a:prstGeom prst="rightArrow">
-            <a:avLst/>
-          </a:prstGeom>
-        </p:spPr>
-        <p:style>
-          <a:lnRef idx="2">
-            <a:schemeClr val="accent1">
-              <a:shade val="50000"/>
-            </a:schemeClr>
-          </a:lnRef>
-          <a:fillRef idx="1">
-            <a:schemeClr val="accent1"/>
-          </a:fillRef>
-          <a:effectRef idx="0">
-            <a:schemeClr val="accent1"/>
-          </a:effectRef>
-          <a:fontRef idx="minor">
-            <a:schemeClr val="lt1"/>
-          </a:fontRef>
-        </p:style>
-        <p:txBody>
-          <a:bodyPr rtlCol="0" anchor="ctr"/>
-          <a:lstStyle/>
-          <a:p>
-            <a:pPr algn="ctr"/>
-            <a:endParaRPr lang="en-US"/>
-          </a:p>
-        </p:txBody>
-      </p:sp>
-    </p:spTree>
-    <p:extLst>
-      <p:ext uri="{BB962C8B-B14F-4D97-AF65-F5344CB8AC3E}">
-        <p14:creationId xmlns:p14="http://schemas.microsoft.com/office/powerpoint/2010/main" val="434787585"/>
       </p:ext>
     </p:extLst>
   </p:cSld>

--- a/_Life_Lose_Weight.pptx
+++ b/_Life_Lose_Weight.pptx
@@ -5,7 +5,7 @@
     <p:sldMasterId id="2147483648" r:id="rId1"/>
   </p:sldMasterIdLst>
   <p:notesMasterIdLst>
-    <p:notesMasterId r:id="rId29"/>
+    <p:notesMasterId r:id="rId30"/>
   </p:notesMasterIdLst>
   <p:sldIdLst>
     <p:sldId id="259" r:id="rId2"/>
@@ -27,14 +27,15 @@
     <p:sldId id="267" r:id="rId18"/>
     <p:sldId id="258" r:id="rId19"/>
     <p:sldId id="265" r:id="rId20"/>
-    <p:sldId id="266" r:id="rId21"/>
-    <p:sldId id="270" r:id="rId22"/>
-    <p:sldId id="282" r:id="rId23"/>
-    <p:sldId id="269" r:id="rId24"/>
-    <p:sldId id="278" r:id="rId25"/>
-    <p:sldId id="279" r:id="rId26"/>
-    <p:sldId id="281" r:id="rId27"/>
-    <p:sldId id="280" r:id="rId28"/>
+    <p:sldId id="284" r:id="rId21"/>
+    <p:sldId id="266" r:id="rId22"/>
+    <p:sldId id="270" r:id="rId23"/>
+    <p:sldId id="282" r:id="rId24"/>
+    <p:sldId id="269" r:id="rId25"/>
+    <p:sldId id="278" r:id="rId26"/>
+    <p:sldId id="279" r:id="rId27"/>
+    <p:sldId id="281" r:id="rId28"/>
+    <p:sldId id="280" r:id="rId29"/>
   </p:sldIdLst>
   <p:sldSz cx="12192000" cy="6858000"/>
   <p:notesSz cx="6858000" cy="9144000"/>
@@ -223,7 +224,7 @@
           <a:p>
             <a:fld id="{88E52045-756B-384E-A6E6-7F3ED1EF79B4}" type="datetimeFigureOut">
               <a:rPr lang="en-US" smtClean="0"/>
-              <a:t>3/7/25</a:t>
+              <a:t>3/8/25</a:t>
             </a:fld>
             <a:endParaRPr lang="en-US"/>
           </a:p>
@@ -619,7 +620,7 @@
           <a:p>
             <a:fld id="{B99DC7AF-117D-0D44-9887-15AB809462D7}" type="datetimeFigureOut">
               <a:rPr lang="en-US" smtClean="0"/>
-              <a:t>3/7/25</a:t>
+              <a:t>3/8/25</a:t>
             </a:fld>
             <a:endParaRPr lang="en-US"/>
           </a:p>
@@ -787,7 +788,7 @@
           <a:p>
             <a:fld id="{B99DC7AF-117D-0D44-9887-15AB809462D7}" type="datetimeFigureOut">
               <a:rPr lang="en-US" smtClean="0"/>
-              <a:t>3/7/25</a:t>
+              <a:t>3/8/25</a:t>
             </a:fld>
             <a:endParaRPr lang="en-US"/>
           </a:p>
@@ -965,7 +966,7 @@
           <a:p>
             <a:fld id="{B99DC7AF-117D-0D44-9887-15AB809462D7}" type="datetimeFigureOut">
               <a:rPr lang="en-US" smtClean="0"/>
-              <a:t>3/7/25</a:t>
+              <a:t>3/8/25</a:t>
             </a:fld>
             <a:endParaRPr lang="en-US"/>
           </a:p>
@@ -1133,7 +1134,7 @@
           <a:p>
             <a:fld id="{B99DC7AF-117D-0D44-9887-15AB809462D7}" type="datetimeFigureOut">
               <a:rPr lang="en-US" smtClean="0"/>
-              <a:t>3/7/25</a:t>
+              <a:t>3/8/25</a:t>
             </a:fld>
             <a:endParaRPr lang="en-US"/>
           </a:p>
@@ -1378,7 +1379,7 @@
           <a:p>
             <a:fld id="{B99DC7AF-117D-0D44-9887-15AB809462D7}" type="datetimeFigureOut">
               <a:rPr lang="en-US" smtClean="0"/>
-              <a:t>3/7/25</a:t>
+              <a:t>3/8/25</a:t>
             </a:fld>
             <a:endParaRPr lang="en-US"/>
           </a:p>
@@ -1607,7 +1608,7 @@
           <a:p>
             <a:fld id="{B99DC7AF-117D-0D44-9887-15AB809462D7}" type="datetimeFigureOut">
               <a:rPr lang="en-US" smtClean="0"/>
-              <a:t>3/7/25</a:t>
+              <a:t>3/8/25</a:t>
             </a:fld>
             <a:endParaRPr lang="en-US"/>
           </a:p>
@@ -1971,7 +1972,7 @@
           <a:p>
             <a:fld id="{B99DC7AF-117D-0D44-9887-15AB809462D7}" type="datetimeFigureOut">
               <a:rPr lang="en-US" smtClean="0"/>
-              <a:t>3/7/25</a:t>
+              <a:t>3/8/25</a:t>
             </a:fld>
             <a:endParaRPr lang="en-US"/>
           </a:p>
@@ -2088,7 +2089,7 @@
           <a:p>
             <a:fld id="{B99DC7AF-117D-0D44-9887-15AB809462D7}" type="datetimeFigureOut">
               <a:rPr lang="en-US" smtClean="0"/>
-              <a:t>3/7/25</a:t>
+              <a:t>3/8/25</a:t>
             </a:fld>
             <a:endParaRPr lang="en-US"/>
           </a:p>
@@ -2183,7 +2184,7 @@
           <a:p>
             <a:fld id="{B99DC7AF-117D-0D44-9887-15AB809462D7}" type="datetimeFigureOut">
               <a:rPr lang="en-US" smtClean="0"/>
-              <a:t>3/7/25</a:t>
+              <a:t>3/8/25</a:t>
             </a:fld>
             <a:endParaRPr lang="en-US"/>
           </a:p>
@@ -2458,7 +2459,7 @@
           <a:p>
             <a:fld id="{B99DC7AF-117D-0D44-9887-15AB809462D7}" type="datetimeFigureOut">
               <a:rPr lang="en-US" smtClean="0"/>
-              <a:t>3/7/25</a:t>
+              <a:t>3/8/25</a:t>
             </a:fld>
             <a:endParaRPr lang="en-US"/>
           </a:p>
@@ -2710,7 +2711,7 @@
           <a:p>
             <a:fld id="{B99DC7AF-117D-0D44-9887-15AB809462D7}" type="datetimeFigureOut">
               <a:rPr lang="en-US" smtClean="0"/>
-              <a:t>3/7/25</a:t>
+              <a:t>3/8/25</a:t>
             </a:fld>
             <a:endParaRPr lang="en-US"/>
           </a:p>
@@ -2921,7 +2922,7 @@
           <a:p>
             <a:fld id="{B99DC7AF-117D-0D44-9887-15AB809462D7}" type="datetimeFigureOut">
               <a:rPr lang="en-US" smtClean="0"/>
-              <a:t>3/7/25</a:t>
+              <a:t>3/8/25</a:t>
             </a:fld>
             <a:endParaRPr lang="en-US"/>
           </a:p>
@@ -9560,6 +9561,621 @@
   <p:cSld>
     <p:spTree>
       <p:nvGrpSpPr>
+        <p:cNvPr id="1" name="">
+          <a:extLst>
+            <a:ext uri="{FF2B5EF4-FFF2-40B4-BE49-F238E27FC236}">
+              <a16:creationId xmlns:a16="http://schemas.microsoft.com/office/drawing/2014/main" id="{7321F7B5-FD74-7E0E-ED1B-919927534EBC}"/>
+            </a:ext>
+          </a:extLst>
+        </p:cNvPr>
+        <p:cNvGrpSpPr/>
+        <p:nvPr/>
+      </p:nvGrpSpPr>
+      <p:grpSpPr>
+        <a:xfrm>
+          <a:off x="0" y="0"/>
+          <a:ext cx="0" cy="0"/>
+          <a:chOff x="0" y="0"/>
+          <a:chExt cx="0" cy="0"/>
+        </a:xfrm>
+      </p:grpSpPr>
+      <p:sp>
+        <p:nvSpPr>
+          <p:cNvPr id="2" name="TextBox 1">
+            <a:extLst>
+              <a:ext uri="{FF2B5EF4-FFF2-40B4-BE49-F238E27FC236}">
+                <a16:creationId xmlns:a16="http://schemas.microsoft.com/office/drawing/2014/main" id="{C214CB02-DAF4-6363-137C-702D7EC82905}"/>
+              </a:ext>
+            </a:extLst>
+          </p:cNvPr>
+          <p:cNvSpPr txBox="1"/>
+          <p:nvPr/>
+        </p:nvSpPr>
+        <p:spPr>
+          <a:xfrm>
+            <a:off x="110841" y="96985"/>
+            <a:ext cx="4972147" cy="400110"/>
+          </a:xfrm>
+          <a:prstGeom prst="rect">
+            <a:avLst/>
+          </a:prstGeom>
+          <a:noFill/>
+        </p:spPr>
+        <p:txBody>
+          <a:bodyPr wrap="square" rtlCol="0">
+            <a:spAutoFit/>
+          </a:bodyPr>
+          <a:lstStyle/>
+          <a:p>
+            <a:r>
+              <a:rPr lang="en-US" sz="2000" b="1" i="0" dirty="0">
+                <a:solidFill>
+                  <a:srgbClr val="0F0F0F"/>
+                </a:solidFill>
+                <a:effectLst/>
+                <a:latin typeface="Calibri" panose="020F0502020204030204" pitchFamily="34" charset="0"/>
+                <a:cs typeface="Calibri" panose="020F0502020204030204" pitchFamily="34" charset="0"/>
+              </a:rPr>
+              <a:t>Ben Azadi – YouTube channel</a:t>
+            </a:r>
+            <a:endParaRPr lang="en-US" sz="2000" dirty="0">
+              <a:latin typeface="Calibri" panose="020F0502020204030204" pitchFamily="34" charset="0"/>
+              <a:cs typeface="Calibri" panose="020F0502020204030204" pitchFamily="34" charset="0"/>
+            </a:endParaRPr>
+          </a:p>
+        </p:txBody>
+      </p:sp>
+      <p:sp>
+        <p:nvSpPr>
+          <p:cNvPr id="4" name="TextBox 3">
+            <a:extLst>
+              <a:ext uri="{FF2B5EF4-FFF2-40B4-BE49-F238E27FC236}">
+                <a16:creationId xmlns:a16="http://schemas.microsoft.com/office/drawing/2014/main" id="{A5400C67-D0B5-B676-06D5-C21A4041644E}"/>
+              </a:ext>
+            </a:extLst>
+          </p:cNvPr>
+          <p:cNvSpPr txBox="1"/>
+          <p:nvPr/>
+        </p:nvSpPr>
+        <p:spPr>
+          <a:xfrm>
+            <a:off x="110841" y="606885"/>
+            <a:ext cx="4972147" cy="2308324"/>
+          </a:xfrm>
+          <a:prstGeom prst="rect">
+            <a:avLst/>
+          </a:prstGeom>
+          <a:solidFill>
+            <a:schemeClr val="accent4">
+              <a:lumMod val="20000"/>
+              <a:lumOff val="80000"/>
+            </a:schemeClr>
+          </a:solidFill>
+          <a:ln>
+            <a:solidFill>
+              <a:srgbClr val="FF0000"/>
+            </a:solidFill>
+          </a:ln>
+        </p:spPr>
+        <p:txBody>
+          <a:bodyPr wrap="square" rtlCol="0">
+            <a:spAutoFit/>
+          </a:bodyPr>
+          <a:lstStyle/>
+          <a:p>
+            <a:r>
+              <a:rPr lang="en-US" sz="1200" dirty="0">
+                <a:hlinkClick r:id="rId2"/>
+              </a:rPr>
+              <a:t>https://</a:t>
+            </a:r>
+            <a:r>
+              <a:rPr lang="en-US" sz="1200" dirty="0" err="1">
+                <a:hlinkClick r:id="rId2"/>
+              </a:rPr>
+              <a:t>www.youtube.com</a:t>
+            </a:r>
+            <a:r>
+              <a:rPr lang="en-US" sz="1200" dirty="0">
+                <a:hlinkClick r:id="rId2"/>
+              </a:rPr>
+              <a:t>/@</a:t>
+            </a:r>
+            <a:r>
+              <a:rPr lang="en-US" sz="1200" dirty="0" err="1">
+                <a:hlinkClick r:id="rId2"/>
+              </a:rPr>
+              <a:t>KetoKamp</a:t>
+            </a:r>
+            <a:endParaRPr lang="en-US" sz="1200" dirty="0"/>
+          </a:p>
+          <a:p>
+            <a:endParaRPr lang="en-US" sz="1200" dirty="0"/>
+          </a:p>
+          <a:p>
+            <a:r>
+              <a:rPr lang="en-US" sz="1200" dirty="0"/>
+              <a:t>Book "Metabolic Freedom" - </a:t>
+            </a:r>
+            <a:r>
+              <a:rPr lang="en-US" sz="1200" dirty="0">
+                <a:hlinkClick r:id="rId3"/>
+              </a:rPr>
+              <a:t>https://www.amazon.com/dp/B0DMTSL5XG </a:t>
+            </a:r>
+            <a:r>
+              <a:rPr lang="en-US" sz="1200" dirty="0"/>
+              <a:t>–</a:t>
+            </a:r>
+          </a:p>
+          <a:p>
+            <a:endParaRPr lang="en-US" sz="1200" dirty="0"/>
+          </a:p>
+          <a:p>
+            <a:r>
+              <a:rPr lang="en-US" sz="1200" dirty="0"/>
+              <a:t>Main factors: </a:t>
+            </a:r>
+            <a:r>
+              <a:rPr lang="en-US" sz="1200" dirty="0">
+                <a:hlinkClick r:id="rId4"/>
+              </a:rPr>
+              <a:t>https://www.youtube.com/watch?v=r8TpBblCqF8</a:t>
+            </a:r>
+            <a:r>
+              <a:rPr lang="en-US" sz="1200" dirty="0"/>
+              <a:t> </a:t>
+            </a:r>
+          </a:p>
+          <a:p>
+            <a:pPr marL="171450" indent="-171450">
+              <a:buFont typeface="Arial" panose="020B0604020202020204" pitchFamily="34" charset="0"/>
+              <a:buChar char="•"/>
+            </a:pPr>
+            <a:r>
+              <a:rPr lang="en-US" sz="1200" b="1" dirty="0">
+                <a:solidFill>
+                  <a:srgbClr val="FF0000"/>
+                </a:solidFill>
+              </a:rPr>
+              <a:t>remove sugars and other processed stuff</a:t>
+            </a:r>
+          </a:p>
+          <a:p>
+            <a:pPr marL="171450" indent="-171450">
+              <a:buFont typeface="Arial" panose="020B0604020202020204" pitchFamily="34" charset="0"/>
+              <a:buChar char="•"/>
+            </a:pPr>
+            <a:r>
+              <a:rPr lang="en-US" sz="1200" b="1" dirty="0">
+                <a:solidFill>
+                  <a:srgbClr val="FF0000"/>
+                </a:solidFill>
+              </a:rPr>
+              <a:t>walk 10K steps</a:t>
+            </a:r>
+          </a:p>
+          <a:p>
+            <a:pPr marL="171450" indent="-171450">
+              <a:buFont typeface="Arial" panose="020B0604020202020204" pitchFamily="34" charset="0"/>
+              <a:buChar char="•"/>
+            </a:pPr>
+            <a:r>
+              <a:rPr lang="en-US" sz="1200" b="1" dirty="0">
+                <a:solidFill>
+                  <a:srgbClr val="FF0000"/>
+                </a:solidFill>
+              </a:rPr>
+              <a:t>sleep more (deep sleep, sleep mask, cold temperature) </a:t>
+            </a:r>
+          </a:p>
+          <a:p>
+            <a:endParaRPr lang="en-US" sz="1200" dirty="0"/>
+          </a:p>
+          <a:p>
+            <a:r>
+              <a:rPr lang="en-US" sz="1200" b="1" dirty="0">
+                <a:solidFill>
+                  <a:srgbClr val="FF0000"/>
+                </a:solidFill>
+              </a:rPr>
+              <a:t>5 fruits for Keto diet:</a:t>
+            </a:r>
+          </a:p>
+          <a:p>
+            <a:pPr marL="171450" indent="-171450">
+              <a:buFont typeface="Arial" panose="020B0604020202020204" pitchFamily="34" charset="0"/>
+              <a:buChar char="•"/>
+            </a:pPr>
+            <a:r>
+              <a:rPr lang="en-US" sz="1200" dirty="0"/>
+              <a:t>Berries: Blueberries, raspberries, blackberries, and cranberries</a:t>
+            </a:r>
+          </a:p>
+          <a:p>
+            <a:pPr marL="171450" indent="-171450">
+              <a:buFont typeface="Arial" panose="020B0604020202020204" pitchFamily="34" charset="0"/>
+              <a:buChar char="•"/>
+            </a:pPr>
+            <a:r>
+              <a:rPr lang="en-US" sz="1200" dirty="0"/>
+              <a:t>Pomegranate; Avocado; Grapefruit; Coconut</a:t>
+            </a:r>
+          </a:p>
+        </p:txBody>
+      </p:sp>
+      <p:sp>
+        <p:nvSpPr>
+          <p:cNvPr id="3" name="TextBox 2">
+            <a:extLst>
+              <a:ext uri="{FF2B5EF4-FFF2-40B4-BE49-F238E27FC236}">
+                <a16:creationId xmlns:a16="http://schemas.microsoft.com/office/drawing/2014/main" id="{62FF7504-89F6-22B4-0239-F2D83A2E84D4}"/>
+              </a:ext>
+            </a:extLst>
+          </p:cNvPr>
+          <p:cNvSpPr txBox="1"/>
+          <p:nvPr/>
+        </p:nvSpPr>
+        <p:spPr>
+          <a:xfrm>
+            <a:off x="110841" y="3034484"/>
+            <a:ext cx="4972147" cy="2492990"/>
+          </a:xfrm>
+          <a:prstGeom prst="rect">
+            <a:avLst/>
+          </a:prstGeom>
+          <a:solidFill>
+            <a:schemeClr val="accent4">
+              <a:lumMod val="20000"/>
+              <a:lumOff val="80000"/>
+            </a:schemeClr>
+          </a:solidFill>
+          <a:ln>
+            <a:solidFill>
+              <a:srgbClr val="FF0000"/>
+            </a:solidFill>
+          </a:ln>
+        </p:spPr>
+        <p:txBody>
+          <a:bodyPr wrap="square" rtlCol="0">
+            <a:spAutoFit/>
+          </a:bodyPr>
+          <a:lstStyle/>
+          <a:p>
+            <a:pPr marL="171450" indent="-171450">
+              <a:buFont typeface="Arial" panose="020B0604020202020204" pitchFamily="34" charset="0"/>
+              <a:buChar char="•"/>
+            </a:pPr>
+            <a:r>
+              <a:rPr lang="en-US" sz="1200" dirty="0"/>
+              <a:t>7 Day Protocol To Burn Fat - </a:t>
+            </a:r>
+            <a:r>
+              <a:rPr lang="en-US" sz="1200" dirty="0">
+                <a:hlinkClick r:id="rId5"/>
+              </a:rPr>
+              <a:t>https://</a:t>
+            </a:r>
+            <a:r>
+              <a:rPr lang="en-US" sz="1200" dirty="0" err="1">
+                <a:hlinkClick r:id="rId5"/>
+              </a:rPr>
+              <a:t>www.youtube.com</a:t>
+            </a:r>
+            <a:r>
+              <a:rPr lang="en-US" sz="1200" dirty="0">
+                <a:hlinkClick r:id="rId5"/>
+              </a:rPr>
+              <a:t>/</a:t>
+            </a:r>
+            <a:r>
+              <a:rPr lang="en-US" sz="1200" dirty="0" err="1">
+                <a:hlinkClick r:id="rId5"/>
+              </a:rPr>
+              <a:t>watch?v</a:t>
+            </a:r>
+            <a:r>
+              <a:rPr lang="en-US" sz="1200" dirty="0">
+                <a:hlinkClick r:id="rId5"/>
+              </a:rPr>
+              <a:t>=zBMVq97Hzrg</a:t>
+            </a:r>
+            <a:endParaRPr lang="en-US" sz="1200" dirty="0"/>
+          </a:p>
+          <a:p>
+            <a:pPr marL="171450" indent="-171450">
+              <a:buFont typeface="Arial" panose="020B0604020202020204" pitchFamily="34" charset="0"/>
+              <a:buChar char="•"/>
+            </a:pPr>
+            <a:endParaRPr lang="en-US" sz="1200" dirty="0"/>
+          </a:p>
+          <a:p>
+            <a:pPr marL="171450" indent="-171450">
+              <a:buFont typeface="Arial" panose="020B0604020202020204" pitchFamily="34" charset="0"/>
+              <a:buChar char="•"/>
+            </a:pPr>
+            <a:r>
+              <a:rPr lang="en-US" sz="1200" dirty="0"/>
+              <a:t>Intermitting fasting: 6 days with 6h eating window, then one 24h fast.</a:t>
+            </a:r>
+          </a:p>
+          <a:p>
+            <a:pPr marL="171450" indent="-171450">
+              <a:buFont typeface="Arial" panose="020B0604020202020204" pitchFamily="34" charset="0"/>
+              <a:buChar char="•"/>
+            </a:pPr>
+            <a:r>
+              <a:rPr lang="en-US" sz="1200" dirty="0"/>
+              <a:t>Remove sugar and artificial sweeteners, avoid foods that spike insulin and contain anti-nutrients: wheat, grains, pasteurized cow dairy, almonds, and peanuts </a:t>
+            </a:r>
+          </a:p>
+          <a:p>
+            <a:pPr marL="171450" indent="-171450">
+              <a:buFont typeface="Arial" panose="020B0604020202020204" pitchFamily="34" charset="0"/>
+              <a:buChar char="•"/>
+            </a:pPr>
+            <a:r>
+              <a:rPr lang="en-US" sz="1200" dirty="0"/>
+              <a:t>Consume a morning drink containing coffee, African mango, exogenous ketones, L-Carnitine, green tea leaf extract, and </a:t>
+            </a:r>
+            <a:r>
+              <a:rPr lang="en-US" sz="1200" dirty="0" err="1"/>
+              <a:t>forscolin</a:t>
+            </a:r>
+            <a:r>
+              <a:rPr lang="en-US" sz="1200" dirty="0"/>
+              <a:t> extract</a:t>
+            </a:r>
+          </a:p>
+          <a:p>
+            <a:pPr marL="171450" indent="-171450">
+              <a:buFont typeface="Arial" panose="020B0604020202020204" pitchFamily="34" charset="0"/>
+              <a:buChar char="•"/>
+            </a:pPr>
+            <a:r>
+              <a:rPr lang="en-US" sz="1200" dirty="0"/>
+              <a:t>Aim for 90 minutes of deep and REM sleep each night to support fat loss and overall health</a:t>
+            </a:r>
+          </a:p>
+          <a:p>
+            <a:pPr marL="171450" indent="-171450">
+              <a:buFont typeface="Arial" panose="020B0604020202020204" pitchFamily="34" charset="0"/>
+              <a:buChar char="•"/>
+            </a:pPr>
+            <a:r>
+              <a:rPr lang="en-US" sz="1200" dirty="0"/>
+              <a:t>Consider banana tea, a cooler bedroom temperature (63-67°F), a sleep mask, and mouth taping to improve sleep quality</a:t>
+            </a:r>
+          </a:p>
+        </p:txBody>
+      </p:sp>
+      <p:pic>
+        <p:nvPicPr>
+          <p:cNvPr id="1026" name="Picture 2" descr="Metabolic Freedom : A 30-Day Guide to Restore Your Metabolism, Heal Hormones and Burn Fat by Ben Azadi">
+            <a:extLst>
+              <a:ext uri="{FF2B5EF4-FFF2-40B4-BE49-F238E27FC236}">
+                <a16:creationId xmlns:a16="http://schemas.microsoft.com/office/drawing/2014/main" id="{2AD70AE0-51E0-47A9-3A67-E13DE6FA4495}"/>
+              </a:ext>
+            </a:extLst>
+          </p:cNvPr>
+          <p:cNvPicPr>
+            <a:picLocks noChangeAspect="1" noChangeArrowheads="1"/>
+          </p:cNvPicPr>
+          <p:nvPr/>
+        </p:nvPicPr>
+        <p:blipFill>
+          <a:blip r:embed="rId6" cstate="email">
+            <a:extLst>
+              <a:ext uri="{28A0092B-C50C-407E-A947-70E740481C1C}">
+                <a14:useLocalDpi xmlns:a14="http://schemas.microsoft.com/office/drawing/2010/main"/>
+              </a:ext>
+            </a:extLst>
+          </a:blip>
+          <a:srcRect/>
+          <a:stretch>
+            <a:fillRect/>
+          </a:stretch>
+        </p:blipFill>
+        <p:spPr bwMode="auto">
+          <a:xfrm>
+            <a:off x="5350376" y="606885"/>
+            <a:ext cx="1533820" cy="2308324"/>
+          </a:xfrm>
+          <a:prstGeom prst="rect">
+            <a:avLst/>
+          </a:prstGeom>
+          <a:noFill/>
+          <a:ln>
+            <a:solidFill>
+              <a:srgbClr val="FF0000"/>
+            </a:solidFill>
+          </a:ln>
+          <a:extLst>
+            <a:ext uri="{909E8E84-426E-40DD-AFC4-6F175D3DCCD1}">
+              <a14:hiddenFill xmlns:a14="http://schemas.microsoft.com/office/drawing/2010/main">
+                <a:solidFill>
+                  <a:srgbClr val="FFFFFF"/>
+                </a:solidFill>
+              </a14:hiddenFill>
+            </a:ext>
+          </a:extLst>
+        </p:spPr>
+      </p:pic>
+      <p:sp>
+        <p:nvSpPr>
+          <p:cNvPr id="5" name="TextBox 4">
+            <a:extLst>
+              <a:ext uri="{FF2B5EF4-FFF2-40B4-BE49-F238E27FC236}">
+                <a16:creationId xmlns:a16="http://schemas.microsoft.com/office/drawing/2014/main" id="{3CD188BA-7944-8585-1DF8-32F8CBFEF791}"/>
+              </a:ext>
+            </a:extLst>
+          </p:cNvPr>
+          <p:cNvSpPr txBox="1"/>
+          <p:nvPr/>
+        </p:nvSpPr>
+        <p:spPr>
+          <a:xfrm>
+            <a:off x="7109012" y="606885"/>
+            <a:ext cx="4972147" cy="2492990"/>
+          </a:xfrm>
+          <a:prstGeom prst="rect">
+            <a:avLst/>
+          </a:prstGeom>
+          <a:solidFill>
+            <a:schemeClr val="accent4">
+              <a:lumMod val="20000"/>
+              <a:lumOff val="80000"/>
+            </a:schemeClr>
+          </a:solidFill>
+          <a:ln>
+            <a:solidFill>
+              <a:srgbClr val="FF0000"/>
+            </a:solidFill>
+          </a:ln>
+        </p:spPr>
+        <p:txBody>
+          <a:bodyPr wrap="square" rtlCol="0">
+            <a:spAutoFit/>
+          </a:bodyPr>
+          <a:lstStyle/>
+          <a:p>
+            <a:r>
+              <a:rPr lang="en-US" sz="1200" dirty="0"/>
+              <a:t>The book: "Metabolic Freedom: A 30-Day Guide to Restore Your Metabolism, Heal Hormones &amp; Burn Fat" by Ben Azadi offers a 30-day plan to reset metabolism, focusing on:</a:t>
+            </a:r>
+          </a:p>
+          <a:p>
+            <a:pPr marL="171450" indent="-171450">
+              <a:buFont typeface="Arial" panose="020B0604020202020204" pitchFamily="34" charset="0"/>
+              <a:buChar char="•"/>
+            </a:pPr>
+            <a:r>
+              <a:rPr lang="en-US" sz="1200" dirty="0"/>
+              <a:t>Keto fasting</a:t>
+            </a:r>
+          </a:p>
+          <a:p>
+            <a:pPr marL="171450" indent="-171450">
+              <a:buFont typeface="Arial" panose="020B0604020202020204" pitchFamily="34" charset="0"/>
+              <a:buChar char="•"/>
+            </a:pPr>
+            <a:r>
+              <a:rPr lang="en-US" sz="1200" dirty="0"/>
+              <a:t>Improved sleep</a:t>
+            </a:r>
+          </a:p>
+          <a:p>
+            <a:pPr marL="171450" indent="-171450">
+              <a:buFont typeface="Arial" panose="020B0604020202020204" pitchFamily="34" charset="0"/>
+              <a:buChar char="•"/>
+            </a:pPr>
+            <a:r>
+              <a:rPr lang="en-US" sz="1200" dirty="0"/>
+              <a:t>Cutting-edge bio-hacks</a:t>
+            </a:r>
+          </a:p>
+          <a:p>
+            <a:pPr marL="171450" indent="-171450">
+              <a:buFont typeface="Arial" panose="020B0604020202020204" pitchFamily="34" charset="0"/>
+              <a:buChar char="•"/>
+            </a:pPr>
+            <a:r>
+              <a:rPr lang="en-US" sz="1200" dirty="0"/>
+              <a:t>Mindset shifts (health first, self-compassion, seek support group, ...)</a:t>
+            </a:r>
+          </a:p>
+          <a:p>
+            <a:pPr marL="171450" indent="-171450">
+              <a:buFont typeface="Arial" panose="020B0604020202020204" pitchFamily="34" charset="0"/>
+              <a:buChar char="•"/>
+            </a:pPr>
+            <a:r>
+              <a:rPr lang="en-US" sz="1200" dirty="0"/>
+              <a:t>Smart exercise routines</a:t>
+            </a:r>
+          </a:p>
+          <a:p>
+            <a:pPr marL="171450" indent="-171450">
+              <a:buFont typeface="Arial" panose="020B0604020202020204" pitchFamily="34" charset="0"/>
+              <a:buChar char="•"/>
+            </a:pPr>
+            <a:r>
+              <a:rPr lang="en-US" sz="1200" dirty="0"/>
+              <a:t>Specific food swaps</a:t>
+            </a:r>
+          </a:p>
+          <a:p>
+            <a:r>
+              <a:rPr lang="en-US" sz="1200" dirty="0"/>
+              <a:t>The book also explores how hormones affect metabolic processes differently in men and women</a:t>
+            </a:r>
+          </a:p>
+          <a:p>
+            <a:endParaRPr lang="en-US" sz="1200" dirty="0"/>
+          </a:p>
+          <a:p>
+            <a:r>
+              <a:rPr lang="en-US" sz="1200" dirty="0"/>
+              <a:t>30-day protocol: </a:t>
+            </a:r>
+            <a:r>
+              <a:rPr lang="en-US" sz="1200" dirty="0">
+                <a:hlinkClick r:id="rId7"/>
+              </a:rPr>
+              <a:t>https://</a:t>
+            </a:r>
+            <a:r>
+              <a:rPr lang="en-US" sz="1200" dirty="0" err="1">
+                <a:hlinkClick r:id="rId7"/>
+              </a:rPr>
+              <a:t>www.youtube.com</a:t>
+            </a:r>
+            <a:r>
+              <a:rPr lang="en-US" sz="1200" dirty="0">
+                <a:hlinkClick r:id="rId7"/>
+              </a:rPr>
+              <a:t>/</a:t>
+            </a:r>
+            <a:r>
+              <a:rPr lang="en-US" sz="1200" dirty="0" err="1">
+                <a:hlinkClick r:id="rId7"/>
+              </a:rPr>
+              <a:t>watch?v</a:t>
+            </a:r>
+            <a:r>
+              <a:rPr lang="en-US" sz="1200" dirty="0">
+                <a:hlinkClick r:id="rId7"/>
+              </a:rPr>
+              <a:t>=</a:t>
+            </a:r>
+            <a:r>
+              <a:rPr lang="en-US" sz="1200" dirty="0" err="1">
+                <a:hlinkClick r:id="rId7"/>
+              </a:rPr>
+              <a:t>rPRDbZDTGyI</a:t>
+            </a:r>
+            <a:endParaRPr lang="en-US" sz="1200" dirty="0"/>
+          </a:p>
+        </p:txBody>
+      </p:sp>
+    </p:spTree>
+    <p:extLst>
+      <p:ext uri="{BB962C8B-B14F-4D97-AF65-F5344CB8AC3E}">
+        <p14:creationId xmlns:p14="http://schemas.microsoft.com/office/powerpoint/2010/main" val="3286219001"/>
+      </p:ext>
+    </p:extLst>
+  </p:cSld>
+  <p:clrMapOvr>
+    <a:masterClrMapping/>
+  </p:clrMapOvr>
+</p:sld>
+</file>
+
+<file path=ppt/slides/slide21.xml><?xml version="1.0" encoding="utf-8"?>
+<p:sld xmlns:a="http://schemas.openxmlformats.org/drawingml/2006/main" xmlns:r="http://schemas.openxmlformats.org/officeDocument/2006/relationships" xmlns:p="http://schemas.openxmlformats.org/presentationml/2006/main">
+  <p:cSld>
+    <p:spTree>
+      <p:nvGrpSpPr>
         <p:cNvPr id="1" name=""/>
         <p:cNvGrpSpPr/>
         <p:nvPr/>
@@ -10005,7 +10621,7 @@
 </p:sld>
 </file>
 
-<file path=ppt/slides/slide21.xml><?xml version="1.0" encoding="utf-8"?>
+<file path=ppt/slides/slide22.xml><?xml version="1.0" encoding="utf-8"?>
 <p:sld xmlns:a="http://schemas.openxmlformats.org/drawingml/2006/main" xmlns:r="http://schemas.openxmlformats.org/officeDocument/2006/relationships" xmlns:p="http://schemas.openxmlformats.org/presentationml/2006/main">
   <p:cSld>
     <p:spTree>
@@ -10325,7 +10941,7 @@
 </p:sld>
 </file>
 
-<file path=ppt/slides/slide22.xml><?xml version="1.0" encoding="utf-8"?>
+<file path=ppt/slides/slide23.xml><?xml version="1.0" encoding="utf-8"?>
 <p:sld xmlns:a="http://schemas.openxmlformats.org/drawingml/2006/main" xmlns:r="http://schemas.openxmlformats.org/officeDocument/2006/relationships" xmlns:p="http://schemas.openxmlformats.org/presentationml/2006/main">
   <p:cSld>
     <p:spTree>
@@ -11205,7 +11821,7 @@
 </p:sld>
 </file>
 
-<file path=ppt/slides/slide23.xml><?xml version="1.0" encoding="utf-8"?>
+<file path=ppt/slides/slide24.xml><?xml version="1.0" encoding="utf-8"?>
 <p:sld xmlns:a="http://schemas.openxmlformats.org/drawingml/2006/main" xmlns:r="http://schemas.openxmlformats.org/officeDocument/2006/relationships" xmlns:p="http://schemas.openxmlformats.org/presentationml/2006/main">
   <p:cSld>
     <p:spTree>
@@ -12079,7 +12695,7 @@
 </p:sld>
 </file>
 
-<file path=ppt/slides/slide24.xml><?xml version="1.0" encoding="utf-8"?>
+<file path=ppt/slides/slide25.xml><?xml version="1.0" encoding="utf-8"?>
 <p:sld xmlns:a="http://schemas.openxmlformats.org/drawingml/2006/main" xmlns:r="http://schemas.openxmlformats.org/officeDocument/2006/relationships" xmlns:p="http://schemas.openxmlformats.org/presentationml/2006/main">
   <p:cSld>
     <p:spTree>
@@ -12992,7 +13608,7 @@
 </p:sld>
 </file>
 
-<file path=ppt/slides/slide25.xml><?xml version="1.0" encoding="utf-8"?>
+<file path=ppt/slides/slide26.xml><?xml version="1.0" encoding="utf-8"?>
 <p:sld xmlns:a="http://schemas.openxmlformats.org/drawingml/2006/main" xmlns:r="http://schemas.openxmlformats.org/officeDocument/2006/relationships" xmlns:p="http://schemas.openxmlformats.org/presentationml/2006/main">
   <p:cSld>
     <p:spTree>
@@ -13561,7 +14177,7 @@
 </p:sld>
 </file>
 
-<file path=ppt/slides/slide26.xml><?xml version="1.0" encoding="utf-8"?>
+<file path=ppt/slides/slide27.xml><?xml version="1.0" encoding="utf-8"?>
 <p:sld xmlns:a="http://schemas.openxmlformats.org/drawingml/2006/main" xmlns:r="http://schemas.openxmlformats.org/officeDocument/2006/relationships" xmlns:p="http://schemas.openxmlformats.org/presentationml/2006/main">
   <p:cSld>
     <p:spTree>
@@ -14086,7 +14702,7 @@
 </p:sld>
 </file>
 
-<file path=ppt/slides/slide27.xml><?xml version="1.0" encoding="utf-8"?>
+<file path=ppt/slides/slide28.xml><?xml version="1.0" encoding="utf-8"?>
 <p:sld xmlns:a="http://schemas.openxmlformats.org/drawingml/2006/main" xmlns:r="http://schemas.openxmlformats.org/officeDocument/2006/relationships" xmlns:p="http://schemas.openxmlformats.org/presentationml/2006/main">
   <p:cSld>
     <p:spTree>

--- a/_Life_Lose_Weight.pptx
+++ b/_Life_Lose_Weight.pptx
@@ -224,7 +224,7 @@
           <a:p>
             <a:fld id="{88E52045-756B-384E-A6E6-7F3ED1EF79B4}" type="datetimeFigureOut">
               <a:rPr lang="en-US" smtClean="0"/>
-              <a:t>3/8/25</a:t>
+              <a:t>3/9/25</a:t>
             </a:fld>
             <a:endParaRPr lang="en-US"/>
           </a:p>
@@ -620,7 +620,7 @@
           <a:p>
             <a:fld id="{B99DC7AF-117D-0D44-9887-15AB809462D7}" type="datetimeFigureOut">
               <a:rPr lang="en-US" smtClean="0"/>
-              <a:t>3/8/25</a:t>
+              <a:t>3/9/25</a:t>
             </a:fld>
             <a:endParaRPr lang="en-US"/>
           </a:p>
@@ -788,7 +788,7 @@
           <a:p>
             <a:fld id="{B99DC7AF-117D-0D44-9887-15AB809462D7}" type="datetimeFigureOut">
               <a:rPr lang="en-US" smtClean="0"/>
-              <a:t>3/8/25</a:t>
+              <a:t>3/9/25</a:t>
             </a:fld>
             <a:endParaRPr lang="en-US"/>
           </a:p>
@@ -966,7 +966,7 @@
           <a:p>
             <a:fld id="{B99DC7AF-117D-0D44-9887-15AB809462D7}" type="datetimeFigureOut">
               <a:rPr lang="en-US" smtClean="0"/>
-              <a:t>3/8/25</a:t>
+              <a:t>3/9/25</a:t>
             </a:fld>
             <a:endParaRPr lang="en-US"/>
           </a:p>
@@ -1134,7 +1134,7 @@
           <a:p>
             <a:fld id="{B99DC7AF-117D-0D44-9887-15AB809462D7}" type="datetimeFigureOut">
               <a:rPr lang="en-US" smtClean="0"/>
-              <a:t>3/8/25</a:t>
+              <a:t>3/9/25</a:t>
             </a:fld>
             <a:endParaRPr lang="en-US"/>
           </a:p>
@@ -1379,7 +1379,7 @@
           <a:p>
             <a:fld id="{B99DC7AF-117D-0D44-9887-15AB809462D7}" type="datetimeFigureOut">
               <a:rPr lang="en-US" smtClean="0"/>
-              <a:t>3/8/25</a:t>
+              <a:t>3/9/25</a:t>
             </a:fld>
             <a:endParaRPr lang="en-US"/>
           </a:p>
@@ -1608,7 +1608,7 @@
           <a:p>
             <a:fld id="{B99DC7AF-117D-0D44-9887-15AB809462D7}" type="datetimeFigureOut">
               <a:rPr lang="en-US" smtClean="0"/>
-              <a:t>3/8/25</a:t>
+              <a:t>3/9/25</a:t>
             </a:fld>
             <a:endParaRPr lang="en-US"/>
           </a:p>
@@ -1972,7 +1972,7 @@
           <a:p>
             <a:fld id="{B99DC7AF-117D-0D44-9887-15AB809462D7}" type="datetimeFigureOut">
               <a:rPr lang="en-US" smtClean="0"/>
-              <a:t>3/8/25</a:t>
+              <a:t>3/9/25</a:t>
             </a:fld>
             <a:endParaRPr lang="en-US"/>
           </a:p>
@@ -2089,7 +2089,7 @@
           <a:p>
             <a:fld id="{B99DC7AF-117D-0D44-9887-15AB809462D7}" type="datetimeFigureOut">
               <a:rPr lang="en-US" smtClean="0"/>
-              <a:t>3/8/25</a:t>
+              <a:t>3/9/25</a:t>
             </a:fld>
             <a:endParaRPr lang="en-US"/>
           </a:p>
@@ -2184,7 +2184,7 @@
           <a:p>
             <a:fld id="{B99DC7AF-117D-0D44-9887-15AB809462D7}" type="datetimeFigureOut">
               <a:rPr lang="en-US" smtClean="0"/>
-              <a:t>3/8/25</a:t>
+              <a:t>3/9/25</a:t>
             </a:fld>
             <a:endParaRPr lang="en-US"/>
           </a:p>
@@ -2459,7 +2459,7 @@
           <a:p>
             <a:fld id="{B99DC7AF-117D-0D44-9887-15AB809462D7}" type="datetimeFigureOut">
               <a:rPr lang="en-US" smtClean="0"/>
-              <a:t>3/8/25</a:t>
+              <a:t>3/9/25</a:t>
             </a:fld>
             <a:endParaRPr lang="en-US"/>
           </a:p>
@@ -2711,7 +2711,7 @@
           <a:p>
             <a:fld id="{B99DC7AF-117D-0D44-9887-15AB809462D7}" type="datetimeFigureOut">
               <a:rPr lang="en-US" smtClean="0"/>
-              <a:t>3/8/25</a:t>
+              <a:t>3/9/25</a:t>
             </a:fld>
             <a:endParaRPr lang="en-US"/>
           </a:p>
@@ -2922,7 +2922,7 @@
           <a:p>
             <a:fld id="{B99DC7AF-117D-0D44-9887-15AB809462D7}" type="datetimeFigureOut">
               <a:rPr lang="en-US" smtClean="0"/>
-              <a:t>3/8/25</a:t>
+              <a:t>3/9/25</a:t>
             </a:fld>
             <a:endParaRPr lang="en-US"/>
           </a:p>
@@ -9819,7 +9819,7 @@
         <p:spPr>
           <a:xfrm>
             <a:off x="110841" y="3034484"/>
-            <a:ext cx="4972147" cy="2492990"/>
+            <a:ext cx="4972147" cy="3046988"/>
           </a:xfrm>
           <a:prstGeom prst="rect">
             <a:avLst/>
@@ -9906,7 +9906,37 @@
             </a:pPr>
             <a:r>
               <a:rPr lang="en-US" sz="1200" dirty="0"/>
+              <a:t>Eat no more than 3 meals, no snacks between them</a:t>
+            </a:r>
+          </a:p>
+          <a:p>
+            <a:pPr marL="171450" indent="-171450">
+              <a:buFont typeface="Arial" panose="020B0604020202020204" pitchFamily="34" charset="0"/>
+              <a:buChar char="•"/>
+            </a:pPr>
+            <a:r>
+              <a:rPr lang="en-US" sz="1200" dirty="0"/>
               <a:t>Remove sugar and artificial sweeteners, avoid foods that spike insulin and contain anti-nutrients: wheat, grains, pasteurized cow dairy, almonds, and peanuts </a:t>
+            </a:r>
+          </a:p>
+          <a:p>
+            <a:pPr marL="171450" indent="-171450">
+              <a:buFont typeface="Arial" panose="020B0604020202020204" pitchFamily="34" charset="0"/>
+              <a:buChar char="•"/>
+            </a:pPr>
+            <a:r>
+              <a:rPr lang="en-US" sz="1200" dirty="0"/>
+              <a:t>Remove vegetable and seed oils, and artificial sweeteners</a:t>
+            </a:r>
+          </a:p>
+          <a:p>
+            <a:pPr marL="171450" indent="-171450">
+              <a:buFont typeface="Arial" panose="020B0604020202020204" pitchFamily="34" charset="0"/>
+              <a:buChar char="•"/>
+            </a:pPr>
+            <a:r>
+              <a:rPr lang="en-US" sz="1200" dirty="0"/>
+              <a:t>Consume cauliflower rice, eggs, red meat, and seafood</a:t>
             </a:r>
           </a:p>
           <a:p>
@@ -9978,7 +10008,7 @@
         </p:blipFill>
         <p:spPr bwMode="auto">
           <a:xfrm>
-            <a:off x="5350376" y="606885"/>
+            <a:off x="5350376" y="408102"/>
             <a:ext cx="1533820" cy="2308324"/>
           </a:xfrm>
           <a:prstGeom prst="rect">
@@ -10015,7 +10045,7 @@
         </p:nvSpPr>
         <p:spPr>
           <a:xfrm>
-            <a:off x="7109012" y="606885"/>
+            <a:off x="5350376" y="2782693"/>
             <a:ext cx="4972147" cy="2492990"/>
           </a:xfrm>
           <a:prstGeom prst="rect">
@@ -10155,6 +10185,194 @@
               <a:t>rPRDbZDTGyI</a:t>
             </a:r>
             <a:endParaRPr lang="en-US" sz="1200" dirty="0"/>
+          </a:p>
+        </p:txBody>
+      </p:sp>
+      <p:pic>
+        <p:nvPicPr>
+          <p:cNvPr id="6" name="Picture 5">
+            <a:extLst>
+              <a:ext uri="{FF2B5EF4-FFF2-40B4-BE49-F238E27FC236}">
+                <a16:creationId xmlns:a16="http://schemas.microsoft.com/office/drawing/2014/main" id="{97F484C4-D671-D87D-7887-5F779E7EA0BF}"/>
+              </a:ext>
+            </a:extLst>
+          </p:cNvPr>
+          <p:cNvPicPr>
+            <a:picLocks noChangeAspect="1"/>
+          </p:cNvPicPr>
+          <p:nvPr/>
+        </p:nvPicPr>
+        <p:blipFill>
+          <a:blip r:embed="rId8" cstate="email">
+            <a:extLst>
+              <a:ext uri="{28A0092B-C50C-407E-A947-70E740481C1C}">
+                <a14:useLocalDpi xmlns:a14="http://schemas.microsoft.com/office/drawing/2010/main"/>
+              </a:ext>
+            </a:extLst>
+          </a:blip>
+          <a:stretch>
+            <a:fillRect/>
+          </a:stretch>
+        </p:blipFill>
+        <p:spPr>
+          <a:xfrm>
+            <a:off x="7102080" y="381598"/>
+            <a:ext cx="2162841" cy="2308324"/>
+          </a:xfrm>
+          <a:prstGeom prst="rect">
+            <a:avLst/>
+          </a:prstGeom>
+        </p:spPr>
+      </p:pic>
+      <p:sp>
+        <p:nvSpPr>
+          <p:cNvPr id="7" name="TextBox 6">
+            <a:extLst>
+              <a:ext uri="{FF2B5EF4-FFF2-40B4-BE49-F238E27FC236}">
+                <a16:creationId xmlns:a16="http://schemas.microsoft.com/office/drawing/2014/main" id="{13D41F68-8E5A-5538-920D-7227C97156E7}"/>
+              </a:ext>
+            </a:extLst>
+          </p:cNvPr>
+          <p:cNvSpPr txBox="1"/>
+          <p:nvPr/>
+        </p:nvSpPr>
+        <p:spPr>
+          <a:xfrm>
+            <a:off x="5350375" y="5341687"/>
+            <a:ext cx="6730784" cy="1200329"/>
+          </a:xfrm>
+          <a:prstGeom prst="rect">
+            <a:avLst/>
+          </a:prstGeom>
+          <a:solidFill>
+            <a:schemeClr val="accent4">
+              <a:lumMod val="20000"/>
+              <a:lumOff val="80000"/>
+            </a:schemeClr>
+          </a:solidFill>
+          <a:ln>
+            <a:solidFill>
+              <a:srgbClr val="FF0000"/>
+            </a:solidFill>
+          </a:ln>
+        </p:spPr>
+        <p:txBody>
+          <a:bodyPr wrap="square" rtlCol="0">
+            <a:spAutoFit/>
+          </a:bodyPr>
+          <a:lstStyle/>
+          <a:p>
+            <a:pPr marL="171450" indent="-171450">
+              <a:buFont typeface="Arial" panose="020B0604020202020204" pitchFamily="34" charset="0"/>
+              <a:buChar char="•"/>
+            </a:pPr>
+            <a:r>
+              <a:rPr lang="en-US" sz="1200" dirty="0"/>
+              <a:t>Cooling cooked starchy foods like potatoes, rice, and pasta overnight in the refrigerator converts some of the regular starch into resistant starch</a:t>
+            </a:r>
+          </a:p>
+          <a:p>
+            <a:pPr marL="171450" indent="-171450">
+              <a:buFont typeface="Arial" panose="020B0604020202020204" pitchFamily="34" charset="0"/>
+              <a:buChar char="•"/>
+            </a:pPr>
+            <a:r>
+              <a:rPr lang="en-US" sz="1200" dirty="0"/>
+              <a:t>Reheating these foods after cooling increases the amount of resistant starch even further </a:t>
+            </a:r>
+          </a:p>
+          <a:p>
+            <a:pPr marL="171450" indent="-171450">
+              <a:buFont typeface="Arial" panose="020B0604020202020204" pitchFamily="34" charset="0"/>
+              <a:buChar char="•"/>
+            </a:pPr>
+            <a:r>
+              <a:rPr lang="en-US" sz="1200" dirty="0"/>
+              <a:t>Drinking lemon or lime juice, or vinegar mixed with water with starchy foods decreases blood sugar</a:t>
+            </a:r>
+          </a:p>
+          <a:p>
+            <a:pPr marL="171450" indent="-171450">
+              <a:buFont typeface="Arial" panose="020B0604020202020204" pitchFamily="34" charset="0"/>
+              <a:buChar char="•"/>
+            </a:pPr>
+            <a:r>
+              <a:rPr lang="en-US" sz="1200" dirty="0"/>
+              <a:t>Combine Carbs with Protein, Fats, and Fiber</a:t>
+            </a:r>
+          </a:p>
+          <a:p>
+            <a:pPr marL="171450" indent="-171450">
+              <a:buFont typeface="Arial" panose="020B0604020202020204" pitchFamily="34" charset="0"/>
+              <a:buChar char="•"/>
+            </a:pPr>
+            <a:r>
+              <a:rPr lang="en-US" sz="1200" dirty="0"/>
+              <a:t>Walk After Eating 10-20 min to help muscles to remove glucose from blood without needing insulin</a:t>
+            </a:r>
+          </a:p>
+        </p:txBody>
+      </p:sp>
+      <p:sp>
+        <p:nvSpPr>
+          <p:cNvPr id="9" name="TextBox 8">
+            <a:extLst>
+              <a:ext uri="{FF2B5EF4-FFF2-40B4-BE49-F238E27FC236}">
+                <a16:creationId xmlns:a16="http://schemas.microsoft.com/office/drawing/2014/main" id="{B61F6F0D-8BF6-9823-7213-C74E22A760E1}"/>
+              </a:ext>
+            </a:extLst>
+          </p:cNvPr>
+          <p:cNvSpPr txBox="1"/>
+          <p:nvPr/>
+        </p:nvSpPr>
+        <p:spPr>
+          <a:xfrm>
+            <a:off x="10322523" y="96985"/>
+            <a:ext cx="1666650" cy="830997"/>
+          </a:xfrm>
+          <a:prstGeom prst="rect">
+            <a:avLst/>
+          </a:prstGeom>
+          <a:solidFill>
+            <a:schemeClr val="accent4">
+              <a:lumMod val="20000"/>
+              <a:lumOff val="80000"/>
+            </a:schemeClr>
+          </a:solidFill>
+          <a:ln>
+            <a:solidFill>
+              <a:srgbClr val="FF0000"/>
+            </a:solidFill>
+          </a:ln>
+        </p:spPr>
+        <p:txBody>
+          <a:bodyPr wrap="square" rtlCol="0">
+            <a:spAutoFit/>
+          </a:bodyPr>
+          <a:lstStyle/>
+          <a:p>
+            <a:r>
+              <a:rPr lang="en-US" sz="1200" dirty="0"/>
+              <a:t>Nutrition</a:t>
+            </a:r>
+          </a:p>
+          <a:p>
+            <a:r>
+              <a:rPr lang="en-US" sz="1200" dirty="0"/>
+              <a:t>Exercise</a:t>
+            </a:r>
+          </a:p>
+          <a:p>
+            <a:r>
+              <a:rPr lang="en-US" sz="1200" dirty="0"/>
+              <a:t>Sleep</a:t>
+            </a:r>
+          </a:p>
+          <a:p>
+            <a:r>
+              <a:rPr lang="en-US" sz="1200" dirty="0"/>
+              <a:t>Stress Management</a:t>
+            </a:r>
           </a:p>
         </p:txBody>
       </p:sp>

--- a/_Life_Lose_Weight.pptx
+++ b/_Life_Lose_Weight.pptx
@@ -224,7 +224,7 @@
           <a:p>
             <a:fld id="{88E52045-756B-384E-A6E6-7F3ED1EF79B4}" type="datetimeFigureOut">
               <a:rPr lang="en-US" smtClean="0"/>
-              <a:t>3/9/25</a:t>
+              <a:t>3/17/25</a:t>
             </a:fld>
             <a:endParaRPr lang="en-US"/>
           </a:p>
@@ -620,7 +620,7 @@
           <a:p>
             <a:fld id="{B99DC7AF-117D-0D44-9887-15AB809462D7}" type="datetimeFigureOut">
               <a:rPr lang="en-US" smtClean="0"/>
-              <a:t>3/9/25</a:t>
+              <a:t>3/17/25</a:t>
             </a:fld>
             <a:endParaRPr lang="en-US"/>
           </a:p>
@@ -788,7 +788,7 @@
           <a:p>
             <a:fld id="{B99DC7AF-117D-0D44-9887-15AB809462D7}" type="datetimeFigureOut">
               <a:rPr lang="en-US" smtClean="0"/>
-              <a:t>3/9/25</a:t>
+              <a:t>3/17/25</a:t>
             </a:fld>
             <a:endParaRPr lang="en-US"/>
           </a:p>
@@ -966,7 +966,7 @@
           <a:p>
             <a:fld id="{B99DC7AF-117D-0D44-9887-15AB809462D7}" type="datetimeFigureOut">
               <a:rPr lang="en-US" smtClean="0"/>
-              <a:t>3/9/25</a:t>
+              <a:t>3/17/25</a:t>
             </a:fld>
             <a:endParaRPr lang="en-US"/>
           </a:p>
@@ -1134,7 +1134,7 @@
           <a:p>
             <a:fld id="{B99DC7AF-117D-0D44-9887-15AB809462D7}" type="datetimeFigureOut">
               <a:rPr lang="en-US" smtClean="0"/>
-              <a:t>3/9/25</a:t>
+              <a:t>3/17/25</a:t>
             </a:fld>
             <a:endParaRPr lang="en-US"/>
           </a:p>
@@ -1379,7 +1379,7 @@
           <a:p>
             <a:fld id="{B99DC7AF-117D-0D44-9887-15AB809462D7}" type="datetimeFigureOut">
               <a:rPr lang="en-US" smtClean="0"/>
-              <a:t>3/9/25</a:t>
+              <a:t>3/17/25</a:t>
             </a:fld>
             <a:endParaRPr lang="en-US"/>
           </a:p>
@@ -1608,7 +1608,7 @@
           <a:p>
             <a:fld id="{B99DC7AF-117D-0D44-9887-15AB809462D7}" type="datetimeFigureOut">
               <a:rPr lang="en-US" smtClean="0"/>
-              <a:t>3/9/25</a:t>
+              <a:t>3/17/25</a:t>
             </a:fld>
             <a:endParaRPr lang="en-US"/>
           </a:p>
@@ -1972,7 +1972,7 @@
           <a:p>
             <a:fld id="{B99DC7AF-117D-0D44-9887-15AB809462D7}" type="datetimeFigureOut">
               <a:rPr lang="en-US" smtClean="0"/>
-              <a:t>3/9/25</a:t>
+              <a:t>3/17/25</a:t>
             </a:fld>
             <a:endParaRPr lang="en-US"/>
           </a:p>
@@ -2089,7 +2089,7 @@
           <a:p>
             <a:fld id="{B99DC7AF-117D-0D44-9887-15AB809462D7}" type="datetimeFigureOut">
               <a:rPr lang="en-US" smtClean="0"/>
-              <a:t>3/9/25</a:t>
+              <a:t>3/17/25</a:t>
             </a:fld>
             <a:endParaRPr lang="en-US"/>
           </a:p>
@@ -2184,7 +2184,7 @@
           <a:p>
             <a:fld id="{B99DC7AF-117D-0D44-9887-15AB809462D7}" type="datetimeFigureOut">
               <a:rPr lang="en-US" smtClean="0"/>
-              <a:t>3/9/25</a:t>
+              <a:t>3/17/25</a:t>
             </a:fld>
             <a:endParaRPr lang="en-US"/>
           </a:p>
@@ -2459,7 +2459,7 @@
           <a:p>
             <a:fld id="{B99DC7AF-117D-0D44-9887-15AB809462D7}" type="datetimeFigureOut">
               <a:rPr lang="en-US" smtClean="0"/>
-              <a:t>3/9/25</a:t>
+              <a:t>3/17/25</a:t>
             </a:fld>
             <a:endParaRPr lang="en-US"/>
           </a:p>
@@ -2711,7 +2711,7 @@
           <a:p>
             <a:fld id="{B99DC7AF-117D-0D44-9887-15AB809462D7}" type="datetimeFigureOut">
               <a:rPr lang="en-US" smtClean="0"/>
-              <a:t>3/9/25</a:t>
+              <a:t>3/17/25</a:t>
             </a:fld>
             <a:endParaRPr lang="en-US"/>
           </a:p>
@@ -2922,7 +2922,7 @@
           <a:p>
             <a:fld id="{B99DC7AF-117D-0D44-9887-15AB809462D7}" type="datetimeFigureOut">
               <a:rPr lang="en-US" smtClean="0"/>
-              <a:t>3/9/25</a:t>
+              <a:t>3/17/25</a:t>
             </a:fld>
             <a:endParaRPr lang="en-US"/>
           </a:p>
@@ -16577,7 +16577,7 @@
         </p:nvSpPr>
         <p:spPr>
           <a:xfrm>
-            <a:off x="1041649" y="950813"/>
+            <a:off x="681503" y="685541"/>
             <a:ext cx="6175717" cy="5262979"/>
           </a:xfrm>
           <a:prstGeom prst="rect">
@@ -16920,7 +16920,7 @@
         </p:blipFill>
         <p:spPr>
           <a:xfrm>
-            <a:off x="8422639" y="787400"/>
+            <a:off x="8351199" y="715960"/>
             <a:ext cx="1735797" cy="2004057"/>
           </a:xfrm>
           <a:prstGeom prst="rect">
@@ -16942,7 +16942,7 @@
         </p:nvSpPr>
         <p:spPr>
           <a:xfrm>
-            <a:off x="7843519" y="2901533"/>
+            <a:off x="7772079" y="2830093"/>
             <a:ext cx="3088641" cy="830997"/>
           </a:xfrm>
           <a:prstGeom prst="rect">
@@ -16993,6 +16993,115 @@
               <a:t>Dr. Robert Lustig </a:t>
             </a:r>
             <a:endParaRPr lang="en-US" sz="1200" dirty="0"/>
+          </a:p>
+        </p:txBody>
+      </p:sp>
+      <p:sp>
+        <p:nvSpPr>
+          <p:cNvPr id="2" name="TextBox 1">
+            <a:extLst>
+              <a:ext uri="{FF2B5EF4-FFF2-40B4-BE49-F238E27FC236}">
+                <a16:creationId xmlns:a16="http://schemas.microsoft.com/office/drawing/2014/main" id="{0941A6DD-D985-2486-65EC-E98CACE68E92}"/>
+              </a:ext>
+            </a:extLst>
+          </p:cNvPr>
+          <p:cNvSpPr txBox="1"/>
+          <p:nvPr/>
+        </p:nvSpPr>
+        <p:spPr>
+          <a:xfrm>
+            <a:off x="7352979" y="4554118"/>
+            <a:ext cx="3088641" cy="1384995"/>
+          </a:xfrm>
+          <a:prstGeom prst="rect">
+            <a:avLst/>
+          </a:prstGeom>
+          <a:solidFill>
+            <a:schemeClr val="accent4">
+              <a:lumMod val="20000"/>
+              <a:lumOff val="80000"/>
+            </a:schemeClr>
+          </a:solidFill>
+          <a:ln>
+            <a:solidFill>
+              <a:srgbClr val="FF0000"/>
+            </a:solidFill>
+          </a:ln>
+        </p:spPr>
+        <p:txBody>
+          <a:bodyPr wrap="square" rtlCol="0">
+            <a:spAutoFit/>
+          </a:bodyPr>
+          <a:lstStyle/>
+          <a:p>
+            <a:r>
+              <a:rPr lang="en-US" sz="1200" dirty="0">
+                <a:solidFill>
+                  <a:srgbClr val="FF0000"/>
+                </a:solidFill>
+              </a:rPr>
+              <a:t>Some Poisons:</a:t>
+            </a:r>
+          </a:p>
+          <a:p>
+            <a:pPr marL="171450" indent="-171450">
+              <a:buFont typeface="Arial" panose="020B0604020202020204" pitchFamily="34" charset="0"/>
+              <a:buChar char="•"/>
+            </a:pPr>
+            <a:r>
+              <a:rPr lang="en-US" sz="1200" dirty="0"/>
+              <a:t>processed vegetable oils</a:t>
+            </a:r>
+          </a:p>
+          <a:p>
+            <a:pPr marL="171450" indent="-171450">
+              <a:buFont typeface="Arial" panose="020B0604020202020204" pitchFamily="34" charset="0"/>
+              <a:buChar char="•"/>
+            </a:pPr>
+            <a:r>
+              <a:rPr lang="en-US" sz="1200" dirty="0"/>
+              <a:t>margarin (trans-fats)</a:t>
+            </a:r>
+          </a:p>
+          <a:p>
+            <a:pPr marL="171450" indent="-171450">
+              <a:buFont typeface="Arial" panose="020B0604020202020204" pitchFamily="34" charset="0"/>
+              <a:buChar char="•"/>
+            </a:pPr>
+            <a:r>
+              <a:rPr lang="en-US" sz="1200" dirty="0"/>
+              <a:t>cheese (cheddar)</a:t>
+            </a:r>
+          </a:p>
+          <a:p>
+            <a:pPr marL="171450" indent="-171450">
+              <a:buFont typeface="Arial" panose="020B0604020202020204" pitchFamily="34" charset="0"/>
+              <a:buChar char="•"/>
+            </a:pPr>
+            <a:r>
+              <a:rPr lang="en-US" sz="1200" dirty="0"/>
+              <a:t>bread</a:t>
+            </a:r>
+          </a:p>
+          <a:p>
+            <a:pPr marL="171450" indent="-171450">
+              <a:buFont typeface="Arial" panose="020B0604020202020204" pitchFamily="34" charset="0"/>
+              <a:buChar char="•"/>
+            </a:pPr>
+            <a:r>
+              <a:rPr lang="en-US" sz="1200" dirty="0"/>
+              <a:t>hot dog, bacon, salami (processed meat)</a:t>
+            </a:r>
+          </a:p>
+          <a:p>
+            <a:pPr marL="171450" indent="-171450">
+              <a:buFont typeface="Arial" panose="020B0604020202020204" pitchFamily="34" charset="0"/>
+              <a:buChar char="•"/>
+            </a:pPr>
+            <a:r>
+              <a:rPr lang="en-US" sz="1200" dirty="0"/>
+              <a:t>soda drinks </a:t>
+            </a:r>
           </a:p>
         </p:txBody>
       </p:sp>
